--- a/DOCUMENTATION/Game_Logic_Proposal 001.pptx
+++ b/DOCUMENTATION/Game_Logic_Proposal 001.pptx
@@ -3155,17 +3155,15 @@
                   <a:schemeClr val="tx1"/>
                 </a:solidFill>
               </a:rPr>
-              <a:t>The most important idea in this design the ‘group’ class. When you place a stone you either instantiate a new group (with only one position), append a new position to an existing group or append a new position to an existing group and merge that group with another group.</a:t>
-            </a:r>
-          </a:p>
-          <a:p>
+              <a:t>The most important idea in this </a:t>
+            </a:r>
             <a:r>
               <a:rPr lang="en-GB" sz="1300" dirty="0" smtClean="0">
                 <a:solidFill>
                   <a:schemeClr val="tx1"/>
                 </a:solidFill>
               </a:rPr>
-              <a:t>The point of this is to make finding the legality of ‘life and death’ type moves </a:t>
+              <a:t>design is </a:t>
             </a:r>
             <a:r>
               <a:rPr lang="en-GB" sz="1300" dirty="0" smtClean="0">
@@ -3173,15 +3171,17 @@
                   <a:schemeClr val="tx1"/>
                 </a:solidFill>
               </a:rPr>
-              <a:t>(when u place a stone in such a way that it renders one of your own and an opponents groups with 0 liberties, in this case the move is legal as the opponent group is killed) </a:t>
-            </a:r>
+              <a:t>the ‘group’ class. When you place a stone you either instantiate a new group (with only one position), append a new position to an existing group or append a new position to an existing group and merge that group with another group.</a:t>
+            </a:r>
+          </a:p>
+          <a:p>
             <a:r>
               <a:rPr lang="en-GB" sz="1300" dirty="0" smtClean="0">
                 <a:solidFill>
                   <a:schemeClr val="tx1"/>
                 </a:solidFill>
               </a:rPr>
-              <a:t>easier and also to save on massive amounts of recursive iteration that you would have to do to work out how many liberties a group has in total if each stone object only took care of itself</a:t>
+              <a:t>The point of this is to make finding the legality of ‘life and death’ type moves (when u place a stone in such a way that it renders one of your own and an opponents groups with 0 liberties, in this case the move is legal as the opponent group is killed) easier and also to save on massive amounts of recursive iteration that you would have to do to work out how many liberties a group has in total if each stone object only took care of itself</a:t>
             </a:r>
             <a:endParaRPr lang="en-GB" sz="1300" dirty="0">
               <a:solidFill>
@@ -4583,6 +4583,40 @@
               <a:t>class</a:t>
             </a:r>
             <a:endParaRPr lang="en-GB" sz="1200" dirty="0"/>
+          </a:p>
+        </p:txBody>
+      </p:sp>
+      <p:sp>
+        <p:nvSpPr>
+          <p:cNvPr id="40" name="TextBox 39"/>
+          <p:cNvSpPr txBox="1"/>
+          <p:nvPr/>
+        </p:nvSpPr>
+        <p:spPr>
+          <a:xfrm>
+            <a:off x="1621430" y="4185966"/>
+            <a:ext cx="1728192" cy="246221"/>
+          </a:xfrm>
+          <a:prstGeom prst="rect">
+            <a:avLst/>
+          </a:prstGeom>
+          <a:noFill/>
+        </p:spPr>
+        <p:txBody>
+          <a:bodyPr wrap="square" rtlCol="0">
+            <a:spAutoFit/>
+          </a:bodyPr>
+          <a:lstStyle/>
+          <a:p>
+            <a:r>
+              <a:rPr lang="en-GB" sz="1000" dirty="0" smtClean="0"/>
+              <a:t>This is a group with </a:t>
+            </a:r>
+            <a:r>
+              <a:rPr lang="en-GB" sz="1000" dirty="0" smtClean="0"/>
+              <a:t>1 position</a:t>
+            </a:r>
+            <a:endParaRPr lang="en-GB" sz="1000" dirty="0"/>
           </a:p>
         </p:txBody>
       </p:sp>
@@ -4640,11 +4674,7 @@
           <a:p>
             <a:r>
               <a:rPr lang="en-GB" sz="2400" dirty="0" smtClean="0"/>
-              <a:t> </a:t>
-            </a:r>
-            <a:r>
-              <a:rPr lang="en-GB" sz="2400" dirty="0" smtClean="0"/>
-              <a:t>Go game logic proposal 001 : Place stone function</a:t>
+              <a:t> Go game logic proposal 001 : Place stone function</a:t>
             </a:r>
             <a:endParaRPr lang="en-GB" sz="2400" dirty="0"/>
           </a:p>
@@ -5434,12 +5464,6 @@
               </a:rPr>
               <a:t>  Add stone and merge 2 or more groups?</a:t>
             </a:r>
-            <a:endParaRPr lang="en-GB" dirty="0" smtClean="0">
-              <a:solidFill>
-                <a:schemeClr val="tx1"/>
-              </a:solidFill>
-              <a:sym typeface="Wingdings" pitchFamily="2" charset="2"/>
-            </a:endParaRPr>
           </a:p>
         </p:txBody>
       </p:sp>

--- a/DOCUMENTATION/Game_Logic_Proposal 001.pptx
+++ b/DOCUMENTATION/Game_Logic_Proposal 001.pptx
@@ -5,9 +5,15 @@
     <p:sldMasterId id="2147483648" r:id="rId1"/>
   </p:sldMasterIdLst>
   <p:sldIdLst>
-    <p:sldId id="256" r:id="rId2"/>
-    <p:sldId id="257" r:id="rId3"/>
-    <p:sldId id="258" r:id="rId4"/>
+    <p:sldId id="259" r:id="rId2"/>
+    <p:sldId id="263" r:id="rId3"/>
+    <p:sldId id="264" r:id="rId4"/>
+    <p:sldId id="261" r:id="rId5"/>
+    <p:sldId id="260" r:id="rId6"/>
+    <p:sldId id="262" r:id="rId7"/>
+    <p:sldId id="256" r:id="rId8"/>
+    <p:sldId id="257" r:id="rId9"/>
+    <p:sldId id="258" r:id="rId10"/>
   </p:sldIdLst>
   <p:sldSz cx="9144000" cy="6858000" type="screen4x3"/>
   <p:notesSz cx="6858000" cy="9144000"/>
@@ -290,7 +296,7 @@
           <a:p>
             <a:fld id="{61F96FCD-5919-4E69-88B9-D8977B432CC4}" type="datetimeFigureOut">
               <a:rPr lang="en-GB" smtClean="0"/>
-              <a:t>25/10/2012</a:t>
+              <a:t>29/10/2012</a:t>
             </a:fld>
             <a:endParaRPr lang="en-GB"/>
           </a:p>
@@ -460,7 +466,7 @@
           <a:p>
             <a:fld id="{61F96FCD-5919-4E69-88B9-D8977B432CC4}" type="datetimeFigureOut">
               <a:rPr lang="en-GB" smtClean="0"/>
-              <a:t>25/10/2012</a:t>
+              <a:t>29/10/2012</a:t>
             </a:fld>
             <a:endParaRPr lang="en-GB"/>
           </a:p>
@@ -640,7 +646,7 @@
           <a:p>
             <a:fld id="{61F96FCD-5919-4E69-88B9-D8977B432CC4}" type="datetimeFigureOut">
               <a:rPr lang="en-GB" smtClean="0"/>
-              <a:t>25/10/2012</a:t>
+              <a:t>29/10/2012</a:t>
             </a:fld>
             <a:endParaRPr lang="en-GB"/>
           </a:p>
@@ -810,7 +816,7 @@
           <a:p>
             <a:fld id="{61F96FCD-5919-4E69-88B9-D8977B432CC4}" type="datetimeFigureOut">
               <a:rPr lang="en-GB" smtClean="0"/>
-              <a:t>25/10/2012</a:t>
+              <a:t>29/10/2012</a:t>
             </a:fld>
             <a:endParaRPr lang="en-GB"/>
           </a:p>
@@ -1056,7 +1062,7 @@
           <a:p>
             <a:fld id="{61F96FCD-5919-4E69-88B9-D8977B432CC4}" type="datetimeFigureOut">
               <a:rPr lang="en-GB" smtClean="0"/>
-              <a:t>25/10/2012</a:t>
+              <a:t>29/10/2012</a:t>
             </a:fld>
             <a:endParaRPr lang="en-GB"/>
           </a:p>
@@ -1344,7 +1350,7 @@
           <a:p>
             <a:fld id="{61F96FCD-5919-4E69-88B9-D8977B432CC4}" type="datetimeFigureOut">
               <a:rPr lang="en-GB" smtClean="0"/>
-              <a:t>25/10/2012</a:t>
+              <a:t>29/10/2012</a:t>
             </a:fld>
             <a:endParaRPr lang="en-GB"/>
           </a:p>
@@ -1766,7 +1772,7 @@
           <a:p>
             <a:fld id="{61F96FCD-5919-4E69-88B9-D8977B432CC4}" type="datetimeFigureOut">
               <a:rPr lang="en-GB" smtClean="0"/>
-              <a:t>25/10/2012</a:t>
+              <a:t>29/10/2012</a:t>
             </a:fld>
             <a:endParaRPr lang="en-GB"/>
           </a:p>
@@ -1884,7 +1890,7 @@
           <a:p>
             <a:fld id="{61F96FCD-5919-4E69-88B9-D8977B432CC4}" type="datetimeFigureOut">
               <a:rPr lang="en-GB" smtClean="0"/>
-              <a:t>25/10/2012</a:t>
+              <a:t>29/10/2012</a:t>
             </a:fld>
             <a:endParaRPr lang="en-GB"/>
           </a:p>
@@ -1979,7 +1985,7 @@
           <a:p>
             <a:fld id="{61F96FCD-5919-4E69-88B9-D8977B432CC4}" type="datetimeFigureOut">
               <a:rPr lang="en-GB" smtClean="0"/>
-              <a:t>25/10/2012</a:t>
+              <a:t>29/10/2012</a:t>
             </a:fld>
             <a:endParaRPr lang="en-GB"/>
           </a:p>
@@ -2256,7 +2262,7 @@
           <a:p>
             <a:fld id="{61F96FCD-5919-4E69-88B9-D8977B432CC4}" type="datetimeFigureOut">
               <a:rPr lang="en-GB" smtClean="0"/>
-              <a:t>25/10/2012</a:t>
+              <a:t>29/10/2012</a:t>
             </a:fld>
             <a:endParaRPr lang="en-GB"/>
           </a:p>
@@ -2509,7 +2515,7 @@
           <a:p>
             <a:fld id="{61F96FCD-5919-4E69-88B9-D8977B432CC4}" type="datetimeFigureOut">
               <a:rPr lang="en-GB" smtClean="0"/>
-              <a:t>25/10/2012</a:t>
+              <a:t>29/10/2012</a:t>
             </a:fld>
             <a:endParaRPr lang="en-GB"/>
           </a:p>
@@ -2722,7 +2728,7 @@
           <a:p>
             <a:fld id="{61F96FCD-5919-4E69-88B9-D8977B432CC4}" type="datetimeFigureOut">
               <a:rPr lang="en-GB" smtClean="0"/>
-              <a:t>25/10/2012</a:t>
+              <a:t>29/10/2012</a:t>
             </a:fld>
             <a:endParaRPr lang="en-GB"/>
           </a:p>
@@ -3097,6 +3103,7331 @@
           <a:chExt cx="0" cy="0"/>
         </a:xfrm>
       </p:grpSpPr>
+      <p:cxnSp>
+        <p:nvCxnSpPr>
+          <p:cNvPr id="90" name="Straight Connector 89"/>
+          <p:cNvCxnSpPr/>
+          <p:nvPr/>
+        </p:nvCxnSpPr>
+        <p:spPr>
+          <a:xfrm>
+            <a:off x="611560" y="5409220"/>
+            <a:ext cx="7920880" cy="0"/>
+          </a:xfrm>
+          <a:prstGeom prst="line">
+            <a:avLst/>
+          </a:prstGeom>
+        </p:spPr>
+        <p:style>
+          <a:lnRef idx="1">
+            <a:schemeClr val="accent1"/>
+          </a:lnRef>
+          <a:fillRef idx="0">
+            <a:schemeClr val="accent1"/>
+          </a:fillRef>
+          <a:effectRef idx="0">
+            <a:schemeClr val="accent1"/>
+          </a:effectRef>
+          <a:fontRef idx="minor">
+            <a:schemeClr val="tx1"/>
+          </a:fontRef>
+        </p:style>
+      </p:cxnSp>
+      <p:cxnSp>
+        <p:nvCxnSpPr>
+          <p:cNvPr id="5" name="Straight Connector 4"/>
+          <p:cNvCxnSpPr/>
+          <p:nvPr/>
+        </p:nvCxnSpPr>
+        <p:spPr>
+          <a:xfrm>
+            <a:off x="1187624" y="260648"/>
+            <a:ext cx="0" cy="6336704"/>
+          </a:xfrm>
+          <a:prstGeom prst="line">
+            <a:avLst/>
+          </a:prstGeom>
+        </p:spPr>
+        <p:style>
+          <a:lnRef idx="1">
+            <a:schemeClr val="accent1"/>
+          </a:lnRef>
+          <a:fillRef idx="0">
+            <a:schemeClr val="accent1"/>
+          </a:fillRef>
+          <a:effectRef idx="0">
+            <a:schemeClr val="accent1"/>
+          </a:effectRef>
+          <a:fontRef idx="minor">
+            <a:schemeClr val="tx1"/>
+          </a:fontRef>
+        </p:style>
+      </p:cxnSp>
+      <p:cxnSp>
+        <p:nvCxnSpPr>
+          <p:cNvPr id="7" name="Straight Connector 6"/>
+          <p:cNvCxnSpPr/>
+          <p:nvPr/>
+        </p:nvCxnSpPr>
+        <p:spPr>
+          <a:xfrm>
+            <a:off x="2158887" y="260648"/>
+            <a:ext cx="0" cy="6408712"/>
+          </a:xfrm>
+          <a:prstGeom prst="line">
+            <a:avLst/>
+          </a:prstGeom>
+        </p:spPr>
+        <p:style>
+          <a:lnRef idx="1">
+            <a:schemeClr val="accent1"/>
+          </a:lnRef>
+          <a:fillRef idx="0">
+            <a:schemeClr val="accent1"/>
+          </a:fillRef>
+          <a:effectRef idx="0">
+            <a:schemeClr val="accent1"/>
+          </a:effectRef>
+          <a:fontRef idx="minor">
+            <a:schemeClr val="tx1"/>
+          </a:fontRef>
+        </p:style>
+      </p:cxnSp>
+      <p:cxnSp>
+        <p:nvCxnSpPr>
+          <p:cNvPr id="9" name="Straight Connector 8"/>
+          <p:cNvCxnSpPr/>
+          <p:nvPr/>
+        </p:nvCxnSpPr>
+        <p:spPr>
+          <a:xfrm>
+            <a:off x="3163753" y="188640"/>
+            <a:ext cx="0" cy="6480720"/>
+          </a:xfrm>
+          <a:prstGeom prst="line">
+            <a:avLst/>
+          </a:prstGeom>
+        </p:spPr>
+        <p:style>
+          <a:lnRef idx="1">
+            <a:schemeClr val="accent1"/>
+          </a:lnRef>
+          <a:fillRef idx="0">
+            <a:schemeClr val="accent1"/>
+          </a:fillRef>
+          <a:effectRef idx="0">
+            <a:schemeClr val="accent1"/>
+          </a:effectRef>
+          <a:fontRef idx="minor">
+            <a:schemeClr val="tx1"/>
+          </a:fontRef>
+        </p:style>
+      </p:cxnSp>
+      <p:cxnSp>
+        <p:nvCxnSpPr>
+          <p:cNvPr id="11" name="Straight Connector 10"/>
+          <p:cNvCxnSpPr/>
+          <p:nvPr/>
+        </p:nvCxnSpPr>
+        <p:spPr>
+          <a:xfrm>
+            <a:off x="4139952" y="260648"/>
+            <a:ext cx="0" cy="6408712"/>
+          </a:xfrm>
+          <a:prstGeom prst="line">
+            <a:avLst/>
+          </a:prstGeom>
+        </p:spPr>
+        <p:style>
+          <a:lnRef idx="1">
+            <a:schemeClr val="accent1"/>
+          </a:lnRef>
+          <a:fillRef idx="0">
+            <a:schemeClr val="accent1"/>
+          </a:fillRef>
+          <a:effectRef idx="0">
+            <a:schemeClr val="accent1"/>
+          </a:effectRef>
+          <a:fontRef idx="minor">
+            <a:schemeClr val="tx1"/>
+          </a:fontRef>
+        </p:style>
+      </p:cxnSp>
+      <p:cxnSp>
+        <p:nvCxnSpPr>
+          <p:cNvPr id="13" name="Straight Connector 12"/>
+          <p:cNvCxnSpPr/>
+          <p:nvPr/>
+        </p:nvCxnSpPr>
+        <p:spPr>
+          <a:xfrm>
+            <a:off x="5148064" y="188640"/>
+            <a:ext cx="0" cy="6408712"/>
+          </a:xfrm>
+          <a:prstGeom prst="line">
+            <a:avLst/>
+          </a:prstGeom>
+        </p:spPr>
+        <p:style>
+          <a:lnRef idx="1">
+            <a:schemeClr val="accent1"/>
+          </a:lnRef>
+          <a:fillRef idx="0">
+            <a:schemeClr val="accent1"/>
+          </a:fillRef>
+          <a:effectRef idx="0">
+            <a:schemeClr val="accent1"/>
+          </a:effectRef>
+          <a:fontRef idx="minor">
+            <a:schemeClr val="tx1"/>
+          </a:fontRef>
+        </p:style>
+      </p:cxnSp>
+      <p:cxnSp>
+        <p:nvCxnSpPr>
+          <p:cNvPr id="19" name="Straight Connector 18"/>
+          <p:cNvCxnSpPr/>
+          <p:nvPr/>
+        </p:nvCxnSpPr>
+        <p:spPr>
+          <a:xfrm>
+            <a:off x="6084168" y="188640"/>
+            <a:ext cx="0" cy="6408712"/>
+          </a:xfrm>
+          <a:prstGeom prst="line">
+            <a:avLst/>
+          </a:prstGeom>
+        </p:spPr>
+        <p:style>
+          <a:lnRef idx="1">
+            <a:schemeClr val="accent1"/>
+          </a:lnRef>
+          <a:fillRef idx="0">
+            <a:schemeClr val="accent1"/>
+          </a:fillRef>
+          <a:effectRef idx="0">
+            <a:schemeClr val="accent1"/>
+          </a:effectRef>
+          <a:fontRef idx="minor">
+            <a:schemeClr val="tx1"/>
+          </a:fontRef>
+        </p:style>
+      </p:cxnSp>
+      <p:cxnSp>
+        <p:nvCxnSpPr>
+          <p:cNvPr id="21" name="Straight Connector 20"/>
+          <p:cNvCxnSpPr/>
+          <p:nvPr/>
+        </p:nvCxnSpPr>
+        <p:spPr>
+          <a:xfrm>
+            <a:off x="539552" y="764704"/>
+            <a:ext cx="7920880" cy="0"/>
+          </a:xfrm>
+          <a:prstGeom prst="line">
+            <a:avLst/>
+          </a:prstGeom>
+        </p:spPr>
+        <p:style>
+          <a:lnRef idx="1">
+            <a:schemeClr val="accent1"/>
+          </a:lnRef>
+          <a:fillRef idx="0">
+            <a:schemeClr val="accent1"/>
+          </a:fillRef>
+          <a:effectRef idx="0">
+            <a:schemeClr val="accent1"/>
+          </a:effectRef>
+          <a:fontRef idx="minor">
+            <a:schemeClr val="tx1"/>
+          </a:fontRef>
+        </p:style>
+      </p:cxnSp>
+      <p:cxnSp>
+        <p:nvCxnSpPr>
+          <p:cNvPr id="23" name="Straight Connector 22"/>
+          <p:cNvCxnSpPr/>
+          <p:nvPr/>
+        </p:nvCxnSpPr>
+        <p:spPr>
+          <a:xfrm>
+            <a:off x="611560" y="1628800"/>
+            <a:ext cx="8208912" cy="0"/>
+          </a:xfrm>
+          <a:prstGeom prst="line">
+            <a:avLst/>
+          </a:prstGeom>
+        </p:spPr>
+        <p:style>
+          <a:lnRef idx="1">
+            <a:schemeClr val="accent1"/>
+          </a:lnRef>
+          <a:fillRef idx="0">
+            <a:schemeClr val="accent1"/>
+          </a:fillRef>
+          <a:effectRef idx="0">
+            <a:schemeClr val="accent1"/>
+          </a:effectRef>
+          <a:fontRef idx="minor">
+            <a:schemeClr val="tx1"/>
+          </a:fontRef>
+        </p:style>
+      </p:cxnSp>
+      <p:cxnSp>
+        <p:nvCxnSpPr>
+          <p:cNvPr id="25" name="Straight Connector 24"/>
+          <p:cNvCxnSpPr/>
+          <p:nvPr/>
+        </p:nvCxnSpPr>
+        <p:spPr>
+          <a:xfrm flipV="1">
+            <a:off x="467544" y="2630252"/>
+            <a:ext cx="8208912" cy="3330"/>
+          </a:xfrm>
+          <a:prstGeom prst="line">
+            <a:avLst/>
+          </a:prstGeom>
+        </p:spPr>
+        <p:style>
+          <a:lnRef idx="1">
+            <a:schemeClr val="accent1"/>
+          </a:lnRef>
+          <a:fillRef idx="0">
+            <a:schemeClr val="accent1"/>
+          </a:fillRef>
+          <a:effectRef idx="0">
+            <a:schemeClr val="accent1"/>
+          </a:effectRef>
+          <a:fontRef idx="minor">
+            <a:schemeClr val="tx1"/>
+          </a:fontRef>
+        </p:style>
+      </p:cxnSp>
+      <p:cxnSp>
+        <p:nvCxnSpPr>
+          <p:cNvPr id="27" name="Straight Connector 26"/>
+          <p:cNvCxnSpPr/>
+          <p:nvPr/>
+        </p:nvCxnSpPr>
+        <p:spPr>
+          <a:xfrm>
+            <a:off x="467544" y="3573016"/>
+            <a:ext cx="8064896" cy="0"/>
+          </a:xfrm>
+          <a:prstGeom prst="line">
+            <a:avLst/>
+          </a:prstGeom>
+        </p:spPr>
+        <p:style>
+          <a:lnRef idx="1">
+            <a:schemeClr val="accent1"/>
+          </a:lnRef>
+          <a:fillRef idx="0">
+            <a:schemeClr val="accent1"/>
+          </a:fillRef>
+          <a:effectRef idx="0">
+            <a:schemeClr val="accent1"/>
+          </a:effectRef>
+          <a:fontRef idx="minor">
+            <a:schemeClr val="tx1"/>
+          </a:fontRef>
+        </p:style>
+      </p:cxnSp>
+      <p:cxnSp>
+        <p:nvCxnSpPr>
+          <p:cNvPr id="29" name="Straight Connector 28"/>
+          <p:cNvCxnSpPr/>
+          <p:nvPr/>
+        </p:nvCxnSpPr>
+        <p:spPr>
+          <a:xfrm>
+            <a:off x="467544" y="4581128"/>
+            <a:ext cx="7920880" cy="0"/>
+          </a:xfrm>
+          <a:prstGeom prst="line">
+            <a:avLst/>
+          </a:prstGeom>
+        </p:spPr>
+        <p:style>
+          <a:lnRef idx="1">
+            <a:schemeClr val="accent1"/>
+          </a:lnRef>
+          <a:fillRef idx="0">
+            <a:schemeClr val="accent1"/>
+          </a:fillRef>
+          <a:effectRef idx="0">
+            <a:schemeClr val="accent1"/>
+          </a:effectRef>
+          <a:fontRef idx="minor">
+            <a:schemeClr val="tx1"/>
+          </a:fontRef>
+        </p:style>
+      </p:cxnSp>
+      <p:sp>
+        <p:nvSpPr>
+          <p:cNvPr id="30" name="Oval 29"/>
+          <p:cNvSpPr/>
+          <p:nvPr/>
+        </p:nvSpPr>
+        <p:spPr>
+          <a:xfrm>
+            <a:off x="2843808" y="476672"/>
+            <a:ext cx="576064" cy="576064"/>
+          </a:xfrm>
+          <a:prstGeom prst="ellipse">
+            <a:avLst/>
+          </a:prstGeom>
+        </p:spPr>
+        <p:style>
+          <a:lnRef idx="2">
+            <a:schemeClr val="accent1">
+              <a:shade val="50000"/>
+            </a:schemeClr>
+          </a:lnRef>
+          <a:fillRef idx="1">
+            <a:schemeClr val="accent1"/>
+          </a:fillRef>
+          <a:effectRef idx="0">
+            <a:schemeClr val="accent1"/>
+          </a:effectRef>
+          <a:fontRef idx="minor">
+            <a:schemeClr val="lt1"/>
+          </a:fontRef>
+        </p:style>
+        <p:txBody>
+          <a:bodyPr rtlCol="0" anchor="ctr"/>
+          <a:lstStyle/>
+          <a:p>
+            <a:pPr algn="ctr"/>
+            <a:endParaRPr lang="en-GB"/>
+          </a:p>
+        </p:txBody>
+      </p:sp>
+      <p:sp>
+        <p:nvSpPr>
+          <p:cNvPr id="39" name="Oval 38"/>
+          <p:cNvSpPr/>
+          <p:nvPr/>
+        </p:nvSpPr>
+        <p:spPr>
+          <a:xfrm>
+            <a:off x="3851920" y="476672"/>
+            <a:ext cx="576064" cy="576064"/>
+          </a:xfrm>
+          <a:prstGeom prst="ellipse">
+            <a:avLst/>
+          </a:prstGeom>
+        </p:spPr>
+        <p:style>
+          <a:lnRef idx="2">
+            <a:schemeClr val="accent1">
+              <a:shade val="50000"/>
+            </a:schemeClr>
+          </a:lnRef>
+          <a:fillRef idx="1">
+            <a:schemeClr val="accent1"/>
+          </a:fillRef>
+          <a:effectRef idx="0">
+            <a:schemeClr val="accent1"/>
+          </a:effectRef>
+          <a:fontRef idx="minor">
+            <a:schemeClr val="lt1"/>
+          </a:fontRef>
+        </p:style>
+        <p:txBody>
+          <a:bodyPr rtlCol="0" anchor="ctr"/>
+          <a:lstStyle/>
+          <a:p>
+            <a:pPr algn="ctr"/>
+            <a:endParaRPr lang="en-GB"/>
+          </a:p>
+        </p:txBody>
+      </p:sp>
+      <p:sp>
+        <p:nvSpPr>
+          <p:cNvPr id="40" name="Oval 39"/>
+          <p:cNvSpPr/>
+          <p:nvPr/>
+        </p:nvSpPr>
+        <p:spPr>
+          <a:xfrm>
+            <a:off x="4860032" y="476672"/>
+            <a:ext cx="576064" cy="576064"/>
+          </a:xfrm>
+          <a:prstGeom prst="ellipse">
+            <a:avLst/>
+          </a:prstGeom>
+        </p:spPr>
+        <p:style>
+          <a:lnRef idx="2">
+            <a:schemeClr val="accent1">
+              <a:shade val="50000"/>
+            </a:schemeClr>
+          </a:lnRef>
+          <a:fillRef idx="1">
+            <a:schemeClr val="accent1"/>
+          </a:fillRef>
+          <a:effectRef idx="0">
+            <a:schemeClr val="accent1"/>
+          </a:effectRef>
+          <a:fontRef idx="minor">
+            <a:schemeClr val="lt1"/>
+          </a:fontRef>
+        </p:style>
+        <p:txBody>
+          <a:bodyPr rtlCol="0" anchor="ctr"/>
+          <a:lstStyle/>
+          <a:p>
+            <a:pPr algn="ctr"/>
+            <a:endParaRPr lang="en-GB"/>
+          </a:p>
+        </p:txBody>
+      </p:sp>
+      <p:sp>
+        <p:nvSpPr>
+          <p:cNvPr id="41" name="Oval 40"/>
+          <p:cNvSpPr/>
+          <p:nvPr/>
+        </p:nvSpPr>
+        <p:spPr>
+          <a:xfrm>
+            <a:off x="4843264" y="1340768"/>
+            <a:ext cx="576064" cy="576064"/>
+          </a:xfrm>
+          <a:prstGeom prst="ellipse">
+            <a:avLst/>
+          </a:prstGeom>
+        </p:spPr>
+        <p:style>
+          <a:lnRef idx="2">
+            <a:schemeClr val="accent1">
+              <a:shade val="50000"/>
+            </a:schemeClr>
+          </a:lnRef>
+          <a:fillRef idx="1">
+            <a:schemeClr val="accent1"/>
+          </a:fillRef>
+          <a:effectRef idx="0">
+            <a:schemeClr val="accent1"/>
+          </a:effectRef>
+          <a:fontRef idx="minor">
+            <a:schemeClr val="lt1"/>
+          </a:fontRef>
+        </p:style>
+        <p:txBody>
+          <a:bodyPr rtlCol="0" anchor="ctr"/>
+          <a:lstStyle/>
+          <a:p>
+            <a:pPr algn="ctr"/>
+            <a:endParaRPr lang="en-GB"/>
+          </a:p>
+        </p:txBody>
+      </p:sp>
+      <p:sp>
+        <p:nvSpPr>
+          <p:cNvPr id="42" name="Oval 41"/>
+          <p:cNvSpPr/>
+          <p:nvPr/>
+        </p:nvSpPr>
+        <p:spPr>
+          <a:xfrm>
+            <a:off x="4860032" y="2312876"/>
+            <a:ext cx="576064" cy="576064"/>
+          </a:xfrm>
+          <a:prstGeom prst="ellipse">
+            <a:avLst/>
+          </a:prstGeom>
+        </p:spPr>
+        <p:style>
+          <a:lnRef idx="2">
+            <a:schemeClr val="accent1">
+              <a:shade val="50000"/>
+            </a:schemeClr>
+          </a:lnRef>
+          <a:fillRef idx="1">
+            <a:schemeClr val="accent1"/>
+          </a:fillRef>
+          <a:effectRef idx="0">
+            <a:schemeClr val="accent1"/>
+          </a:effectRef>
+          <a:fontRef idx="minor">
+            <a:schemeClr val="lt1"/>
+          </a:fontRef>
+        </p:style>
+        <p:txBody>
+          <a:bodyPr rtlCol="0" anchor="ctr"/>
+          <a:lstStyle/>
+          <a:p>
+            <a:pPr algn="ctr"/>
+            <a:endParaRPr lang="en-GB"/>
+          </a:p>
+        </p:txBody>
+      </p:sp>
+      <p:sp>
+        <p:nvSpPr>
+          <p:cNvPr id="44" name="Oval 43"/>
+          <p:cNvSpPr/>
+          <p:nvPr/>
+        </p:nvSpPr>
+        <p:spPr>
+          <a:xfrm>
+            <a:off x="2909123" y="2312876"/>
+            <a:ext cx="576064" cy="576064"/>
+          </a:xfrm>
+          <a:prstGeom prst="ellipse">
+            <a:avLst/>
+          </a:prstGeom>
+        </p:spPr>
+        <p:style>
+          <a:lnRef idx="2">
+            <a:schemeClr val="accent1">
+              <a:shade val="50000"/>
+            </a:schemeClr>
+          </a:lnRef>
+          <a:fillRef idx="1">
+            <a:schemeClr val="accent1"/>
+          </a:fillRef>
+          <a:effectRef idx="0">
+            <a:schemeClr val="accent1"/>
+          </a:effectRef>
+          <a:fontRef idx="minor">
+            <a:schemeClr val="lt1"/>
+          </a:fontRef>
+        </p:style>
+        <p:txBody>
+          <a:bodyPr rtlCol="0" anchor="ctr"/>
+          <a:lstStyle/>
+          <a:p>
+            <a:pPr algn="ctr"/>
+            <a:endParaRPr lang="en-GB"/>
+          </a:p>
+        </p:txBody>
+      </p:sp>
+      <p:sp>
+        <p:nvSpPr>
+          <p:cNvPr id="45" name="Oval 44"/>
+          <p:cNvSpPr/>
+          <p:nvPr/>
+        </p:nvSpPr>
+        <p:spPr>
+          <a:xfrm>
+            <a:off x="2827040" y="1327448"/>
+            <a:ext cx="576064" cy="576064"/>
+          </a:xfrm>
+          <a:prstGeom prst="ellipse">
+            <a:avLst/>
+          </a:prstGeom>
+        </p:spPr>
+        <p:style>
+          <a:lnRef idx="2">
+            <a:schemeClr val="accent1">
+              <a:shade val="50000"/>
+            </a:schemeClr>
+          </a:lnRef>
+          <a:fillRef idx="1">
+            <a:schemeClr val="accent1"/>
+          </a:fillRef>
+          <a:effectRef idx="0">
+            <a:schemeClr val="accent1"/>
+          </a:effectRef>
+          <a:fontRef idx="minor">
+            <a:schemeClr val="lt1"/>
+          </a:fontRef>
+        </p:style>
+        <p:txBody>
+          <a:bodyPr rtlCol="0" anchor="ctr"/>
+          <a:lstStyle/>
+          <a:p>
+            <a:pPr algn="ctr"/>
+            <a:endParaRPr lang="en-GB"/>
+          </a:p>
+        </p:txBody>
+      </p:sp>
+      <p:cxnSp>
+        <p:nvCxnSpPr>
+          <p:cNvPr id="56" name="Straight Connector 55"/>
+          <p:cNvCxnSpPr/>
+          <p:nvPr/>
+        </p:nvCxnSpPr>
+        <p:spPr>
+          <a:xfrm>
+            <a:off x="7092280" y="224644"/>
+            <a:ext cx="0" cy="6192688"/>
+          </a:xfrm>
+          <a:prstGeom prst="line">
+            <a:avLst/>
+          </a:prstGeom>
+        </p:spPr>
+        <p:style>
+          <a:lnRef idx="1">
+            <a:schemeClr val="accent1"/>
+          </a:lnRef>
+          <a:fillRef idx="0">
+            <a:schemeClr val="accent1"/>
+          </a:fillRef>
+          <a:effectRef idx="0">
+            <a:schemeClr val="accent1"/>
+          </a:effectRef>
+          <a:fontRef idx="minor">
+            <a:schemeClr val="tx1"/>
+          </a:fontRef>
+        </p:style>
+      </p:cxnSp>
+      <p:cxnSp>
+        <p:nvCxnSpPr>
+          <p:cNvPr id="58" name="Straight Connector 57"/>
+          <p:cNvCxnSpPr/>
+          <p:nvPr/>
+        </p:nvCxnSpPr>
+        <p:spPr>
+          <a:xfrm>
+            <a:off x="8100392" y="188640"/>
+            <a:ext cx="72008" cy="6264696"/>
+          </a:xfrm>
+          <a:prstGeom prst="line">
+            <a:avLst/>
+          </a:prstGeom>
+        </p:spPr>
+        <p:style>
+          <a:lnRef idx="1">
+            <a:schemeClr val="accent1"/>
+          </a:lnRef>
+          <a:fillRef idx="0">
+            <a:schemeClr val="accent1"/>
+          </a:fillRef>
+          <a:effectRef idx="0">
+            <a:schemeClr val="accent1"/>
+          </a:effectRef>
+          <a:fontRef idx="minor">
+            <a:schemeClr val="tx1"/>
+          </a:fontRef>
+        </p:style>
+      </p:cxnSp>
+      <p:sp>
+        <p:nvSpPr>
+          <p:cNvPr id="67" name="Oval 66"/>
+          <p:cNvSpPr/>
+          <p:nvPr/>
+        </p:nvSpPr>
+        <p:spPr>
+          <a:xfrm>
+            <a:off x="3851920" y="3248912"/>
+            <a:ext cx="576064" cy="576064"/>
+          </a:xfrm>
+          <a:prstGeom prst="ellipse">
+            <a:avLst/>
+          </a:prstGeom>
+          <a:solidFill>
+            <a:schemeClr val="bg1"/>
+          </a:solidFill>
+        </p:spPr>
+        <p:style>
+          <a:lnRef idx="2">
+            <a:schemeClr val="accent1">
+              <a:shade val="50000"/>
+            </a:schemeClr>
+          </a:lnRef>
+          <a:fillRef idx="1">
+            <a:schemeClr val="accent1"/>
+          </a:fillRef>
+          <a:effectRef idx="0">
+            <a:schemeClr val="accent1"/>
+          </a:effectRef>
+          <a:fontRef idx="minor">
+            <a:schemeClr val="lt1"/>
+          </a:fontRef>
+        </p:style>
+        <p:txBody>
+          <a:bodyPr rtlCol="0" anchor="ctr"/>
+          <a:lstStyle/>
+          <a:p>
+            <a:pPr algn="ctr"/>
+            <a:endParaRPr lang="en-GB"/>
+          </a:p>
+        </p:txBody>
+      </p:sp>
+      <p:sp>
+        <p:nvSpPr>
+          <p:cNvPr id="82" name="Oval 81"/>
+          <p:cNvSpPr/>
+          <p:nvPr/>
+        </p:nvSpPr>
+        <p:spPr>
+          <a:xfrm>
+            <a:off x="3881197" y="2312876"/>
+            <a:ext cx="576064" cy="576064"/>
+          </a:xfrm>
+          <a:prstGeom prst="ellipse">
+            <a:avLst/>
+          </a:prstGeom>
+          <a:solidFill>
+            <a:schemeClr val="bg1"/>
+          </a:solidFill>
+        </p:spPr>
+        <p:style>
+          <a:lnRef idx="2">
+            <a:schemeClr val="accent1">
+              <a:shade val="50000"/>
+            </a:schemeClr>
+          </a:lnRef>
+          <a:fillRef idx="1">
+            <a:schemeClr val="accent1"/>
+          </a:fillRef>
+          <a:effectRef idx="0">
+            <a:schemeClr val="accent1"/>
+          </a:effectRef>
+          <a:fontRef idx="minor">
+            <a:schemeClr val="lt1"/>
+          </a:fontRef>
+        </p:style>
+        <p:txBody>
+          <a:bodyPr rtlCol="0" anchor="ctr"/>
+          <a:lstStyle/>
+          <a:p>
+            <a:pPr algn="ctr"/>
+            <a:endParaRPr lang="en-GB"/>
+          </a:p>
+        </p:txBody>
+      </p:sp>
+      <p:sp>
+        <p:nvSpPr>
+          <p:cNvPr id="83" name="Oval 82"/>
+          <p:cNvSpPr/>
+          <p:nvPr/>
+        </p:nvSpPr>
+        <p:spPr>
+          <a:xfrm>
+            <a:off x="2909123" y="3212976"/>
+            <a:ext cx="576064" cy="576064"/>
+          </a:xfrm>
+          <a:prstGeom prst="ellipse">
+            <a:avLst/>
+          </a:prstGeom>
+        </p:spPr>
+        <p:style>
+          <a:lnRef idx="2">
+            <a:schemeClr val="accent1">
+              <a:shade val="50000"/>
+            </a:schemeClr>
+          </a:lnRef>
+          <a:fillRef idx="1">
+            <a:schemeClr val="accent1"/>
+          </a:fillRef>
+          <a:effectRef idx="0">
+            <a:schemeClr val="accent1"/>
+          </a:effectRef>
+          <a:fontRef idx="minor">
+            <a:schemeClr val="lt1"/>
+          </a:fontRef>
+        </p:style>
+        <p:txBody>
+          <a:bodyPr rtlCol="0" anchor="ctr"/>
+          <a:lstStyle/>
+          <a:p>
+            <a:pPr algn="ctr"/>
+            <a:endParaRPr lang="en-GB"/>
+          </a:p>
+        </p:txBody>
+      </p:sp>
+      <p:sp>
+        <p:nvSpPr>
+          <p:cNvPr id="84" name="Oval 83"/>
+          <p:cNvSpPr/>
+          <p:nvPr/>
+        </p:nvSpPr>
+        <p:spPr>
+          <a:xfrm>
+            <a:off x="4860032" y="3273253"/>
+            <a:ext cx="576064" cy="576064"/>
+          </a:xfrm>
+          <a:prstGeom prst="ellipse">
+            <a:avLst/>
+          </a:prstGeom>
+        </p:spPr>
+        <p:style>
+          <a:lnRef idx="2">
+            <a:schemeClr val="accent1">
+              <a:shade val="50000"/>
+            </a:schemeClr>
+          </a:lnRef>
+          <a:fillRef idx="1">
+            <a:schemeClr val="accent1"/>
+          </a:fillRef>
+          <a:effectRef idx="0">
+            <a:schemeClr val="accent1"/>
+          </a:effectRef>
+          <a:fontRef idx="minor">
+            <a:schemeClr val="lt1"/>
+          </a:fontRef>
+        </p:style>
+        <p:txBody>
+          <a:bodyPr rtlCol="0" anchor="ctr"/>
+          <a:lstStyle/>
+          <a:p>
+            <a:pPr algn="ctr"/>
+            <a:endParaRPr lang="en-GB"/>
+          </a:p>
+        </p:txBody>
+      </p:sp>
+      <p:sp>
+        <p:nvSpPr>
+          <p:cNvPr id="85" name="Oval 84"/>
+          <p:cNvSpPr/>
+          <p:nvPr/>
+        </p:nvSpPr>
+        <p:spPr>
+          <a:xfrm>
+            <a:off x="2894992" y="4293096"/>
+            <a:ext cx="576064" cy="576064"/>
+          </a:xfrm>
+          <a:prstGeom prst="ellipse">
+            <a:avLst/>
+          </a:prstGeom>
+        </p:spPr>
+        <p:style>
+          <a:lnRef idx="2">
+            <a:schemeClr val="accent1">
+              <a:shade val="50000"/>
+            </a:schemeClr>
+          </a:lnRef>
+          <a:fillRef idx="1">
+            <a:schemeClr val="accent1"/>
+          </a:fillRef>
+          <a:effectRef idx="0">
+            <a:schemeClr val="accent1"/>
+          </a:effectRef>
+          <a:fontRef idx="minor">
+            <a:schemeClr val="lt1"/>
+          </a:fontRef>
+        </p:style>
+        <p:txBody>
+          <a:bodyPr rtlCol="0" anchor="ctr"/>
+          <a:lstStyle/>
+          <a:p>
+            <a:pPr algn="ctr"/>
+            <a:endParaRPr lang="en-GB"/>
+          </a:p>
+        </p:txBody>
+      </p:sp>
+      <p:sp>
+        <p:nvSpPr>
+          <p:cNvPr id="86" name="Oval 85"/>
+          <p:cNvSpPr/>
+          <p:nvPr/>
+        </p:nvSpPr>
+        <p:spPr>
+          <a:xfrm>
+            <a:off x="4815002" y="4293096"/>
+            <a:ext cx="576064" cy="576064"/>
+          </a:xfrm>
+          <a:prstGeom prst="ellipse">
+            <a:avLst/>
+          </a:prstGeom>
+        </p:spPr>
+        <p:style>
+          <a:lnRef idx="2">
+            <a:schemeClr val="accent1">
+              <a:shade val="50000"/>
+            </a:schemeClr>
+          </a:lnRef>
+          <a:fillRef idx="1">
+            <a:schemeClr val="accent1"/>
+          </a:fillRef>
+          <a:effectRef idx="0">
+            <a:schemeClr val="accent1"/>
+          </a:effectRef>
+          <a:fontRef idx="minor">
+            <a:schemeClr val="lt1"/>
+          </a:fontRef>
+        </p:style>
+        <p:txBody>
+          <a:bodyPr rtlCol="0" anchor="ctr"/>
+          <a:lstStyle/>
+          <a:p>
+            <a:pPr algn="ctr"/>
+            <a:endParaRPr lang="en-GB"/>
+          </a:p>
+        </p:txBody>
+      </p:sp>
+      <p:sp>
+        <p:nvSpPr>
+          <p:cNvPr id="87" name="Oval 86"/>
+          <p:cNvSpPr/>
+          <p:nvPr/>
+        </p:nvSpPr>
+        <p:spPr>
+          <a:xfrm>
+            <a:off x="3851920" y="4293096"/>
+            <a:ext cx="576064" cy="576064"/>
+          </a:xfrm>
+          <a:prstGeom prst="ellipse">
+            <a:avLst/>
+          </a:prstGeom>
+          <a:solidFill>
+            <a:schemeClr val="bg1"/>
+          </a:solidFill>
+        </p:spPr>
+        <p:style>
+          <a:lnRef idx="2">
+            <a:schemeClr val="accent1">
+              <a:shade val="50000"/>
+            </a:schemeClr>
+          </a:lnRef>
+          <a:fillRef idx="1">
+            <a:schemeClr val="accent1"/>
+          </a:fillRef>
+          <a:effectRef idx="0">
+            <a:schemeClr val="accent1"/>
+          </a:effectRef>
+          <a:fontRef idx="minor">
+            <a:schemeClr val="lt1"/>
+          </a:fontRef>
+        </p:style>
+        <p:txBody>
+          <a:bodyPr rtlCol="0" anchor="ctr"/>
+          <a:lstStyle/>
+          <a:p>
+            <a:pPr algn="ctr"/>
+            <a:endParaRPr lang="en-GB"/>
+          </a:p>
+        </p:txBody>
+      </p:sp>
+      <p:cxnSp>
+        <p:nvCxnSpPr>
+          <p:cNvPr id="92" name="Straight Connector 91"/>
+          <p:cNvCxnSpPr/>
+          <p:nvPr/>
+        </p:nvCxnSpPr>
+        <p:spPr>
+          <a:xfrm flipV="1">
+            <a:off x="539552" y="6309320"/>
+            <a:ext cx="8136904" cy="108012"/>
+          </a:xfrm>
+          <a:prstGeom prst="line">
+            <a:avLst/>
+          </a:prstGeom>
+        </p:spPr>
+        <p:style>
+          <a:lnRef idx="1">
+            <a:schemeClr val="accent1"/>
+          </a:lnRef>
+          <a:fillRef idx="0">
+            <a:schemeClr val="accent1"/>
+          </a:fillRef>
+          <a:effectRef idx="0">
+            <a:schemeClr val="accent1"/>
+          </a:effectRef>
+          <a:fontRef idx="minor">
+            <a:schemeClr val="tx1"/>
+          </a:fontRef>
+        </p:style>
+      </p:cxnSp>
+      <p:sp>
+        <p:nvSpPr>
+          <p:cNvPr id="95" name="Oval 94"/>
+          <p:cNvSpPr/>
+          <p:nvPr/>
+        </p:nvSpPr>
+        <p:spPr>
+          <a:xfrm>
+            <a:off x="3851920" y="1327448"/>
+            <a:ext cx="576064" cy="576064"/>
+          </a:xfrm>
+          <a:prstGeom prst="ellipse">
+            <a:avLst/>
+          </a:prstGeom>
+          <a:noFill/>
+          <a:ln>
+            <a:prstDash val="dashDot"/>
+          </a:ln>
+        </p:spPr>
+        <p:style>
+          <a:lnRef idx="2">
+            <a:schemeClr val="accent1">
+              <a:shade val="50000"/>
+            </a:schemeClr>
+          </a:lnRef>
+          <a:fillRef idx="1">
+            <a:schemeClr val="accent1"/>
+          </a:fillRef>
+          <a:effectRef idx="0">
+            <a:schemeClr val="accent1"/>
+          </a:effectRef>
+          <a:fontRef idx="minor">
+            <a:schemeClr val="lt1"/>
+          </a:fontRef>
+        </p:style>
+        <p:txBody>
+          <a:bodyPr rtlCol="0" anchor="ctr"/>
+          <a:lstStyle/>
+          <a:p>
+            <a:pPr algn="ctr"/>
+            <a:endParaRPr lang="en-GB"/>
+          </a:p>
+        </p:txBody>
+      </p:sp>
+      <p:sp>
+        <p:nvSpPr>
+          <p:cNvPr id="96" name="Oval 95"/>
+          <p:cNvSpPr/>
+          <p:nvPr/>
+        </p:nvSpPr>
+        <p:spPr>
+          <a:xfrm>
+            <a:off x="2890867" y="5121188"/>
+            <a:ext cx="576064" cy="576064"/>
+          </a:xfrm>
+          <a:prstGeom prst="ellipse">
+            <a:avLst/>
+          </a:prstGeom>
+        </p:spPr>
+        <p:style>
+          <a:lnRef idx="2">
+            <a:schemeClr val="accent1">
+              <a:shade val="50000"/>
+            </a:schemeClr>
+          </a:lnRef>
+          <a:fillRef idx="1">
+            <a:schemeClr val="accent1"/>
+          </a:fillRef>
+          <a:effectRef idx="0">
+            <a:schemeClr val="accent1"/>
+          </a:effectRef>
+          <a:fontRef idx="minor">
+            <a:schemeClr val="lt1"/>
+          </a:fontRef>
+        </p:style>
+        <p:txBody>
+          <a:bodyPr rtlCol="0" anchor="ctr"/>
+          <a:lstStyle/>
+          <a:p>
+            <a:pPr algn="ctr"/>
+            <a:endParaRPr lang="en-GB"/>
+          </a:p>
+        </p:txBody>
+      </p:sp>
+      <p:sp>
+        <p:nvSpPr>
+          <p:cNvPr id="97" name="Oval 96"/>
+          <p:cNvSpPr/>
+          <p:nvPr/>
+        </p:nvSpPr>
+        <p:spPr>
+          <a:xfrm>
+            <a:off x="4843264" y="5121188"/>
+            <a:ext cx="576064" cy="576064"/>
+          </a:xfrm>
+          <a:prstGeom prst="ellipse">
+            <a:avLst/>
+          </a:prstGeom>
+        </p:spPr>
+        <p:style>
+          <a:lnRef idx="2">
+            <a:schemeClr val="accent1">
+              <a:shade val="50000"/>
+            </a:schemeClr>
+          </a:lnRef>
+          <a:fillRef idx="1">
+            <a:schemeClr val="accent1"/>
+          </a:fillRef>
+          <a:effectRef idx="0">
+            <a:schemeClr val="accent1"/>
+          </a:effectRef>
+          <a:fontRef idx="minor">
+            <a:schemeClr val="lt1"/>
+          </a:fontRef>
+        </p:style>
+        <p:txBody>
+          <a:bodyPr rtlCol="0" anchor="ctr"/>
+          <a:lstStyle/>
+          <a:p>
+            <a:pPr algn="ctr"/>
+            <a:endParaRPr lang="en-GB"/>
+          </a:p>
+        </p:txBody>
+      </p:sp>
+      <p:sp>
+        <p:nvSpPr>
+          <p:cNvPr id="98" name="Oval 97"/>
+          <p:cNvSpPr/>
+          <p:nvPr/>
+        </p:nvSpPr>
+        <p:spPr>
+          <a:xfrm>
+            <a:off x="3841035" y="5121188"/>
+            <a:ext cx="576064" cy="576064"/>
+          </a:xfrm>
+          <a:prstGeom prst="ellipse">
+            <a:avLst/>
+          </a:prstGeom>
+          <a:solidFill>
+            <a:schemeClr val="bg1"/>
+          </a:solidFill>
+        </p:spPr>
+        <p:style>
+          <a:lnRef idx="2">
+            <a:schemeClr val="accent1">
+              <a:shade val="50000"/>
+            </a:schemeClr>
+          </a:lnRef>
+          <a:fillRef idx="1">
+            <a:schemeClr val="accent1"/>
+          </a:fillRef>
+          <a:effectRef idx="0">
+            <a:schemeClr val="accent1"/>
+          </a:effectRef>
+          <a:fontRef idx="minor">
+            <a:schemeClr val="lt1"/>
+          </a:fontRef>
+        </p:style>
+        <p:txBody>
+          <a:bodyPr rtlCol="0" anchor="ctr"/>
+          <a:lstStyle/>
+          <a:p>
+            <a:pPr algn="ctr"/>
+            <a:endParaRPr lang="en-GB"/>
+          </a:p>
+        </p:txBody>
+      </p:sp>
+      <p:sp>
+        <p:nvSpPr>
+          <p:cNvPr id="99" name="TextBox 98"/>
+          <p:cNvSpPr txBox="1"/>
+          <p:nvPr/>
+        </p:nvSpPr>
+        <p:spPr>
+          <a:xfrm>
+            <a:off x="6647521" y="855045"/>
+            <a:ext cx="2016224" cy="584775"/>
+          </a:xfrm>
+          <a:prstGeom prst="rect">
+            <a:avLst/>
+          </a:prstGeom>
+          <a:noFill/>
+        </p:spPr>
+        <p:txBody>
+          <a:bodyPr wrap="square" rtlCol="0">
+            <a:spAutoFit/>
+          </a:bodyPr>
+          <a:lstStyle/>
+          <a:p>
+            <a:r>
+              <a:rPr lang="en-GB" sz="3200" dirty="0" smtClean="0"/>
+              <a:t>Legal</a:t>
+            </a:r>
+            <a:endParaRPr lang="en-GB" sz="3200" dirty="0"/>
+          </a:p>
+        </p:txBody>
+      </p:sp>
+    </p:spTree>
+    <p:extLst>
+      <p:ext uri="{BB962C8B-B14F-4D97-AF65-F5344CB8AC3E}">
+        <p14:creationId xmlns:p14="http://schemas.microsoft.com/office/powerpoint/2010/main" val="3890275746"/>
+      </p:ext>
+    </p:extLst>
+  </p:cSld>
+  <p:clrMapOvr>
+    <a:masterClrMapping/>
+  </p:clrMapOvr>
+</p:sld>
+</file>
+
+<file path=ppt/slides/slide2.xml><?xml version="1.0" encoding="utf-8"?>
+<p:sld xmlns:a="http://schemas.openxmlformats.org/drawingml/2006/main" xmlns:r="http://schemas.openxmlformats.org/officeDocument/2006/relationships" xmlns:p="http://schemas.openxmlformats.org/presentationml/2006/main">
+  <p:cSld>
+    <p:spTree>
+      <p:nvGrpSpPr>
+        <p:cNvPr id="1" name=""/>
+        <p:cNvGrpSpPr/>
+        <p:nvPr/>
+      </p:nvGrpSpPr>
+      <p:grpSpPr>
+        <a:xfrm>
+          <a:off x="0" y="0"/>
+          <a:ext cx="0" cy="0"/>
+          <a:chOff x="0" y="0"/>
+          <a:chExt cx="0" cy="0"/>
+        </a:xfrm>
+      </p:grpSpPr>
+      <p:cxnSp>
+        <p:nvCxnSpPr>
+          <p:cNvPr id="90" name="Straight Connector 89"/>
+          <p:cNvCxnSpPr/>
+          <p:nvPr/>
+        </p:nvCxnSpPr>
+        <p:spPr>
+          <a:xfrm>
+            <a:off x="611560" y="5409220"/>
+            <a:ext cx="7920880" cy="0"/>
+          </a:xfrm>
+          <a:prstGeom prst="line">
+            <a:avLst/>
+          </a:prstGeom>
+        </p:spPr>
+        <p:style>
+          <a:lnRef idx="1">
+            <a:schemeClr val="accent1"/>
+          </a:lnRef>
+          <a:fillRef idx="0">
+            <a:schemeClr val="accent1"/>
+          </a:fillRef>
+          <a:effectRef idx="0">
+            <a:schemeClr val="accent1"/>
+          </a:effectRef>
+          <a:fontRef idx="minor">
+            <a:schemeClr val="tx1"/>
+          </a:fontRef>
+        </p:style>
+      </p:cxnSp>
+      <p:cxnSp>
+        <p:nvCxnSpPr>
+          <p:cNvPr id="5" name="Straight Connector 4"/>
+          <p:cNvCxnSpPr/>
+          <p:nvPr/>
+        </p:nvCxnSpPr>
+        <p:spPr>
+          <a:xfrm>
+            <a:off x="1187624" y="260648"/>
+            <a:ext cx="0" cy="6336704"/>
+          </a:xfrm>
+          <a:prstGeom prst="line">
+            <a:avLst/>
+          </a:prstGeom>
+        </p:spPr>
+        <p:style>
+          <a:lnRef idx="1">
+            <a:schemeClr val="accent1"/>
+          </a:lnRef>
+          <a:fillRef idx="0">
+            <a:schemeClr val="accent1"/>
+          </a:fillRef>
+          <a:effectRef idx="0">
+            <a:schemeClr val="accent1"/>
+          </a:effectRef>
+          <a:fontRef idx="minor">
+            <a:schemeClr val="tx1"/>
+          </a:fontRef>
+        </p:style>
+      </p:cxnSp>
+      <p:cxnSp>
+        <p:nvCxnSpPr>
+          <p:cNvPr id="7" name="Straight Connector 6"/>
+          <p:cNvCxnSpPr/>
+          <p:nvPr/>
+        </p:nvCxnSpPr>
+        <p:spPr>
+          <a:xfrm>
+            <a:off x="2158887" y="260648"/>
+            <a:ext cx="0" cy="6408712"/>
+          </a:xfrm>
+          <a:prstGeom prst="line">
+            <a:avLst/>
+          </a:prstGeom>
+        </p:spPr>
+        <p:style>
+          <a:lnRef idx="1">
+            <a:schemeClr val="accent1"/>
+          </a:lnRef>
+          <a:fillRef idx="0">
+            <a:schemeClr val="accent1"/>
+          </a:fillRef>
+          <a:effectRef idx="0">
+            <a:schemeClr val="accent1"/>
+          </a:effectRef>
+          <a:fontRef idx="minor">
+            <a:schemeClr val="tx1"/>
+          </a:fontRef>
+        </p:style>
+      </p:cxnSp>
+      <p:cxnSp>
+        <p:nvCxnSpPr>
+          <p:cNvPr id="9" name="Straight Connector 8"/>
+          <p:cNvCxnSpPr/>
+          <p:nvPr/>
+        </p:nvCxnSpPr>
+        <p:spPr>
+          <a:xfrm>
+            <a:off x="3163753" y="188640"/>
+            <a:ext cx="0" cy="6480720"/>
+          </a:xfrm>
+          <a:prstGeom prst="line">
+            <a:avLst/>
+          </a:prstGeom>
+        </p:spPr>
+        <p:style>
+          <a:lnRef idx="1">
+            <a:schemeClr val="accent1"/>
+          </a:lnRef>
+          <a:fillRef idx="0">
+            <a:schemeClr val="accent1"/>
+          </a:fillRef>
+          <a:effectRef idx="0">
+            <a:schemeClr val="accent1"/>
+          </a:effectRef>
+          <a:fontRef idx="minor">
+            <a:schemeClr val="tx1"/>
+          </a:fontRef>
+        </p:style>
+      </p:cxnSp>
+      <p:cxnSp>
+        <p:nvCxnSpPr>
+          <p:cNvPr id="11" name="Straight Connector 10"/>
+          <p:cNvCxnSpPr/>
+          <p:nvPr/>
+        </p:nvCxnSpPr>
+        <p:spPr>
+          <a:xfrm>
+            <a:off x="4139952" y="260648"/>
+            <a:ext cx="0" cy="6408712"/>
+          </a:xfrm>
+          <a:prstGeom prst="line">
+            <a:avLst/>
+          </a:prstGeom>
+        </p:spPr>
+        <p:style>
+          <a:lnRef idx="1">
+            <a:schemeClr val="accent1"/>
+          </a:lnRef>
+          <a:fillRef idx="0">
+            <a:schemeClr val="accent1"/>
+          </a:fillRef>
+          <a:effectRef idx="0">
+            <a:schemeClr val="accent1"/>
+          </a:effectRef>
+          <a:fontRef idx="minor">
+            <a:schemeClr val="tx1"/>
+          </a:fontRef>
+        </p:style>
+      </p:cxnSp>
+      <p:cxnSp>
+        <p:nvCxnSpPr>
+          <p:cNvPr id="13" name="Straight Connector 12"/>
+          <p:cNvCxnSpPr/>
+          <p:nvPr/>
+        </p:nvCxnSpPr>
+        <p:spPr>
+          <a:xfrm>
+            <a:off x="5148064" y="188640"/>
+            <a:ext cx="0" cy="6408712"/>
+          </a:xfrm>
+          <a:prstGeom prst="line">
+            <a:avLst/>
+          </a:prstGeom>
+        </p:spPr>
+        <p:style>
+          <a:lnRef idx="1">
+            <a:schemeClr val="accent1"/>
+          </a:lnRef>
+          <a:fillRef idx="0">
+            <a:schemeClr val="accent1"/>
+          </a:fillRef>
+          <a:effectRef idx="0">
+            <a:schemeClr val="accent1"/>
+          </a:effectRef>
+          <a:fontRef idx="minor">
+            <a:schemeClr val="tx1"/>
+          </a:fontRef>
+        </p:style>
+      </p:cxnSp>
+      <p:cxnSp>
+        <p:nvCxnSpPr>
+          <p:cNvPr id="19" name="Straight Connector 18"/>
+          <p:cNvCxnSpPr/>
+          <p:nvPr/>
+        </p:nvCxnSpPr>
+        <p:spPr>
+          <a:xfrm>
+            <a:off x="6084168" y="188640"/>
+            <a:ext cx="0" cy="6408712"/>
+          </a:xfrm>
+          <a:prstGeom prst="line">
+            <a:avLst/>
+          </a:prstGeom>
+        </p:spPr>
+        <p:style>
+          <a:lnRef idx="1">
+            <a:schemeClr val="accent1"/>
+          </a:lnRef>
+          <a:fillRef idx="0">
+            <a:schemeClr val="accent1"/>
+          </a:fillRef>
+          <a:effectRef idx="0">
+            <a:schemeClr val="accent1"/>
+          </a:effectRef>
+          <a:fontRef idx="minor">
+            <a:schemeClr val="tx1"/>
+          </a:fontRef>
+        </p:style>
+      </p:cxnSp>
+      <p:cxnSp>
+        <p:nvCxnSpPr>
+          <p:cNvPr id="21" name="Straight Connector 20"/>
+          <p:cNvCxnSpPr/>
+          <p:nvPr/>
+        </p:nvCxnSpPr>
+        <p:spPr>
+          <a:xfrm>
+            <a:off x="539552" y="764704"/>
+            <a:ext cx="7920880" cy="0"/>
+          </a:xfrm>
+          <a:prstGeom prst="line">
+            <a:avLst/>
+          </a:prstGeom>
+        </p:spPr>
+        <p:style>
+          <a:lnRef idx="1">
+            <a:schemeClr val="accent1"/>
+          </a:lnRef>
+          <a:fillRef idx="0">
+            <a:schemeClr val="accent1"/>
+          </a:fillRef>
+          <a:effectRef idx="0">
+            <a:schemeClr val="accent1"/>
+          </a:effectRef>
+          <a:fontRef idx="minor">
+            <a:schemeClr val="tx1"/>
+          </a:fontRef>
+        </p:style>
+      </p:cxnSp>
+      <p:cxnSp>
+        <p:nvCxnSpPr>
+          <p:cNvPr id="23" name="Straight Connector 22"/>
+          <p:cNvCxnSpPr/>
+          <p:nvPr/>
+        </p:nvCxnSpPr>
+        <p:spPr>
+          <a:xfrm>
+            <a:off x="611560" y="1628800"/>
+            <a:ext cx="8208912" cy="0"/>
+          </a:xfrm>
+          <a:prstGeom prst="line">
+            <a:avLst/>
+          </a:prstGeom>
+        </p:spPr>
+        <p:style>
+          <a:lnRef idx="1">
+            <a:schemeClr val="accent1"/>
+          </a:lnRef>
+          <a:fillRef idx="0">
+            <a:schemeClr val="accent1"/>
+          </a:fillRef>
+          <a:effectRef idx="0">
+            <a:schemeClr val="accent1"/>
+          </a:effectRef>
+          <a:fontRef idx="minor">
+            <a:schemeClr val="tx1"/>
+          </a:fontRef>
+        </p:style>
+      </p:cxnSp>
+      <p:cxnSp>
+        <p:nvCxnSpPr>
+          <p:cNvPr id="25" name="Straight Connector 24"/>
+          <p:cNvCxnSpPr/>
+          <p:nvPr/>
+        </p:nvCxnSpPr>
+        <p:spPr>
+          <a:xfrm flipV="1">
+            <a:off x="467544" y="2630252"/>
+            <a:ext cx="8208912" cy="3330"/>
+          </a:xfrm>
+          <a:prstGeom prst="line">
+            <a:avLst/>
+          </a:prstGeom>
+        </p:spPr>
+        <p:style>
+          <a:lnRef idx="1">
+            <a:schemeClr val="accent1"/>
+          </a:lnRef>
+          <a:fillRef idx="0">
+            <a:schemeClr val="accent1"/>
+          </a:fillRef>
+          <a:effectRef idx="0">
+            <a:schemeClr val="accent1"/>
+          </a:effectRef>
+          <a:fontRef idx="minor">
+            <a:schemeClr val="tx1"/>
+          </a:fontRef>
+        </p:style>
+      </p:cxnSp>
+      <p:cxnSp>
+        <p:nvCxnSpPr>
+          <p:cNvPr id="27" name="Straight Connector 26"/>
+          <p:cNvCxnSpPr/>
+          <p:nvPr/>
+        </p:nvCxnSpPr>
+        <p:spPr>
+          <a:xfrm>
+            <a:off x="467544" y="3573016"/>
+            <a:ext cx="8064896" cy="0"/>
+          </a:xfrm>
+          <a:prstGeom prst="line">
+            <a:avLst/>
+          </a:prstGeom>
+        </p:spPr>
+        <p:style>
+          <a:lnRef idx="1">
+            <a:schemeClr val="accent1"/>
+          </a:lnRef>
+          <a:fillRef idx="0">
+            <a:schemeClr val="accent1"/>
+          </a:fillRef>
+          <a:effectRef idx="0">
+            <a:schemeClr val="accent1"/>
+          </a:effectRef>
+          <a:fontRef idx="minor">
+            <a:schemeClr val="tx1"/>
+          </a:fontRef>
+        </p:style>
+      </p:cxnSp>
+      <p:cxnSp>
+        <p:nvCxnSpPr>
+          <p:cNvPr id="29" name="Straight Connector 28"/>
+          <p:cNvCxnSpPr/>
+          <p:nvPr/>
+        </p:nvCxnSpPr>
+        <p:spPr>
+          <a:xfrm>
+            <a:off x="467544" y="4581128"/>
+            <a:ext cx="7920880" cy="0"/>
+          </a:xfrm>
+          <a:prstGeom prst="line">
+            <a:avLst/>
+          </a:prstGeom>
+        </p:spPr>
+        <p:style>
+          <a:lnRef idx="1">
+            <a:schemeClr val="accent1"/>
+          </a:lnRef>
+          <a:fillRef idx="0">
+            <a:schemeClr val="accent1"/>
+          </a:fillRef>
+          <a:effectRef idx="0">
+            <a:schemeClr val="accent1"/>
+          </a:effectRef>
+          <a:fontRef idx="minor">
+            <a:schemeClr val="tx1"/>
+          </a:fontRef>
+        </p:style>
+      </p:cxnSp>
+      <p:sp>
+        <p:nvSpPr>
+          <p:cNvPr id="30" name="Oval 29"/>
+          <p:cNvSpPr/>
+          <p:nvPr/>
+        </p:nvSpPr>
+        <p:spPr>
+          <a:xfrm>
+            <a:off x="2843808" y="476672"/>
+            <a:ext cx="576064" cy="576064"/>
+          </a:xfrm>
+          <a:prstGeom prst="ellipse">
+            <a:avLst/>
+          </a:prstGeom>
+        </p:spPr>
+        <p:style>
+          <a:lnRef idx="2">
+            <a:schemeClr val="accent1">
+              <a:shade val="50000"/>
+            </a:schemeClr>
+          </a:lnRef>
+          <a:fillRef idx="1">
+            <a:schemeClr val="accent1"/>
+          </a:fillRef>
+          <a:effectRef idx="0">
+            <a:schemeClr val="accent1"/>
+          </a:effectRef>
+          <a:fontRef idx="minor">
+            <a:schemeClr val="lt1"/>
+          </a:fontRef>
+        </p:style>
+        <p:txBody>
+          <a:bodyPr rtlCol="0" anchor="ctr"/>
+          <a:lstStyle/>
+          <a:p>
+            <a:pPr algn="ctr"/>
+            <a:endParaRPr lang="en-GB"/>
+          </a:p>
+        </p:txBody>
+      </p:sp>
+      <p:sp>
+        <p:nvSpPr>
+          <p:cNvPr id="39" name="Oval 38"/>
+          <p:cNvSpPr/>
+          <p:nvPr/>
+        </p:nvSpPr>
+        <p:spPr>
+          <a:xfrm>
+            <a:off x="3851920" y="476672"/>
+            <a:ext cx="576064" cy="576064"/>
+          </a:xfrm>
+          <a:prstGeom prst="ellipse">
+            <a:avLst/>
+          </a:prstGeom>
+        </p:spPr>
+        <p:style>
+          <a:lnRef idx="2">
+            <a:schemeClr val="accent1">
+              <a:shade val="50000"/>
+            </a:schemeClr>
+          </a:lnRef>
+          <a:fillRef idx="1">
+            <a:schemeClr val="accent1"/>
+          </a:fillRef>
+          <a:effectRef idx="0">
+            <a:schemeClr val="accent1"/>
+          </a:effectRef>
+          <a:fontRef idx="minor">
+            <a:schemeClr val="lt1"/>
+          </a:fontRef>
+        </p:style>
+        <p:txBody>
+          <a:bodyPr rtlCol="0" anchor="ctr"/>
+          <a:lstStyle/>
+          <a:p>
+            <a:pPr algn="ctr"/>
+            <a:endParaRPr lang="en-GB"/>
+          </a:p>
+        </p:txBody>
+      </p:sp>
+      <p:sp>
+        <p:nvSpPr>
+          <p:cNvPr id="40" name="Oval 39"/>
+          <p:cNvSpPr/>
+          <p:nvPr/>
+        </p:nvSpPr>
+        <p:spPr>
+          <a:xfrm>
+            <a:off x="4860032" y="476672"/>
+            <a:ext cx="576064" cy="576064"/>
+          </a:xfrm>
+          <a:prstGeom prst="ellipse">
+            <a:avLst/>
+          </a:prstGeom>
+        </p:spPr>
+        <p:style>
+          <a:lnRef idx="2">
+            <a:schemeClr val="accent1">
+              <a:shade val="50000"/>
+            </a:schemeClr>
+          </a:lnRef>
+          <a:fillRef idx="1">
+            <a:schemeClr val="accent1"/>
+          </a:fillRef>
+          <a:effectRef idx="0">
+            <a:schemeClr val="accent1"/>
+          </a:effectRef>
+          <a:fontRef idx="minor">
+            <a:schemeClr val="lt1"/>
+          </a:fontRef>
+        </p:style>
+        <p:txBody>
+          <a:bodyPr rtlCol="0" anchor="ctr"/>
+          <a:lstStyle/>
+          <a:p>
+            <a:pPr algn="ctr"/>
+            <a:endParaRPr lang="en-GB"/>
+          </a:p>
+        </p:txBody>
+      </p:sp>
+      <p:sp>
+        <p:nvSpPr>
+          <p:cNvPr id="41" name="Oval 40"/>
+          <p:cNvSpPr/>
+          <p:nvPr/>
+        </p:nvSpPr>
+        <p:spPr>
+          <a:xfrm>
+            <a:off x="4843264" y="1340768"/>
+            <a:ext cx="576064" cy="576064"/>
+          </a:xfrm>
+          <a:prstGeom prst="ellipse">
+            <a:avLst/>
+          </a:prstGeom>
+        </p:spPr>
+        <p:style>
+          <a:lnRef idx="2">
+            <a:schemeClr val="accent1">
+              <a:shade val="50000"/>
+            </a:schemeClr>
+          </a:lnRef>
+          <a:fillRef idx="1">
+            <a:schemeClr val="accent1"/>
+          </a:fillRef>
+          <a:effectRef idx="0">
+            <a:schemeClr val="accent1"/>
+          </a:effectRef>
+          <a:fontRef idx="minor">
+            <a:schemeClr val="lt1"/>
+          </a:fontRef>
+        </p:style>
+        <p:txBody>
+          <a:bodyPr rtlCol="0" anchor="ctr"/>
+          <a:lstStyle/>
+          <a:p>
+            <a:pPr algn="ctr"/>
+            <a:endParaRPr lang="en-GB"/>
+          </a:p>
+        </p:txBody>
+      </p:sp>
+      <p:sp>
+        <p:nvSpPr>
+          <p:cNvPr id="42" name="Oval 41"/>
+          <p:cNvSpPr/>
+          <p:nvPr/>
+        </p:nvSpPr>
+        <p:spPr>
+          <a:xfrm>
+            <a:off x="4860032" y="2312876"/>
+            <a:ext cx="576064" cy="576064"/>
+          </a:xfrm>
+          <a:prstGeom prst="ellipse">
+            <a:avLst/>
+          </a:prstGeom>
+        </p:spPr>
+        <p:style>
+          <a:lnRef idx="2">
+            <a:schemeClr val="accent1">
+              <a:shade val="50000"/>
+            </a:schemeClr>
+          </a:lnRef>
+          <a:fillRef idx="1">
+            <a:schemeClr val="accent1"/>
+          </a:fillRef>
+          <a:effectRef idx="0">
+            <a:schemeClr val="accent1"/>
+          </a:effectRef>
+          <a:fontRef idx="minor">
+            <a:schemeClr val="lt1"/>
+          </a:fontRef>
+        </p:style>
+        <p:txBody>
+          <a:bodyPr rtlCol="0" anchor="ctr"/>
+          <a:lstStyle/>
+          <a:p>
+            <a:pPr algn="ctr"/>
+            <a:endParaRPr lang="en-GB"/>
+          </a:p>
+        </p:txBody>
+      </p:sp>
+      <p:sp>
+        <p:nvSpPr>
+          <p:cNvPr id="44" name="Oval 43"/>
+          <p:cNvSpPr/>
+          <p:nvPr/>
+        </p:nvSpPr>
+        <p:spPr>
+          <a:xfrm>
+            <a:off x="2909123" y="2312876"/>
+            <a:ext cx="576064" cy="576064"/>
+          </a:xfrm>
+          <a:prstGeom prst="ellipse">
+            <a:avLst/>
+          </a:prstGeom>
+        </p:spPr>
+        <p:style>
+          <a:lnRef idx="2">
+            <a:schemeClr val="accent1">
+              <a:shade val="50000"/>
+            </a:schemeClr>
+          </a:lnRef>
+          <a:fillRef idx="1">
+            <a:schemeClr val="accent1"/>
+          </a:fillRef>
+          <a:effectRef idx="0">
+            <a:schemeClr val="accent1"/>
+          </a:effectRef>
+          <a:fontRef idx="minor">
+            <a:schemeClr val="lt1"/>
+          </a:fontRef>
+        </p:style>
+        <p:txBody>
+          <a:bodyPr rtlCol="0" anchor="ctr"/>
+          <a:lstStyle/>
+          <a:p>
+            <a:pPr algn="ctr"/>
+            <a:endParaRPr lang="en-GB"/>
+          </a:p>
+        </p:txBody>
+      </p:sp>
+      <p:sp>
+        <p:nvSpPr>
+          <p:cNvPr id="45" name="Oval 44"/>
+          <p:cNvSpPr/>
+          <p:nvPr/>
+        </p:nvSpPr>
+        <p:spPr>
+          <a:xfrm>
+            <a:off x="2827040" y="1327448"/>
+            <a:ext cx="576064" cy="576064"/>
+          </a:xfrm>
+          <a:prstGeom prst="ellipse">
+            <a:avLst/>
+          </a:prstGeom>
+        </p:spPr>
+        <p:style>
+          <a:lnRef idx="2">
+            <a:schemeClr val="accent1">
+              <a:shade val="50000"/>
+            </a:schemeClr>
+          </a:lnRef>
+          <a:fillRef idx="1">
+            <a:schemeClr val="accent1"/>
+          </a:fillRef>
+          <a:effectRef idx="0">
+            <a:schemeClr val="accent1"/>
+          </a:effectRef>
+          <a:fontRef idx="minor">
+            <a:schemeClr val="lt1"/>
+          </a:fontRef>
+        </p:style>
+        <p:txBody>
+          <a:bodyPr rtlCol="0" anchor="ctr"/>
+          <a:lstStyle/>
+          <a:p>
+            <a:pPr algn="ctr"/>
+            <a:endParaRPr lang="en-GB"/>
+          </a:p>
+        </p:txBody>
+      </p:sp>
+      <p:cxnSp>
+        <p:nvCxnSpPr>
+          <p:cNvPr id="56" name="Straight Connector 55"/>
+          <p:cNvCxnSpPr/>
+          <p:nvPr/>
+        </p:nvCxnSpPr>
+        <p:spPr>
+          <a:xfrm>
+            <a:off x="7092280" y="224644"/>
+            <a:ext cx="0" cy="6192688"/>
+          </a:xfrm>
+          <a:prstGeom prst="line">
+            <a:avLst/>
+          </a:prstGeom>
+        </p:spPr>
+        <p:style>
+          <a:lnRef idx="1">
+            <a:schemeClr val="accent1"/>
+          </a:lnRef>
+          <a:fillRef idx="0">
+            <a:schemeClr val="accent1"/>
+          </a:fillRef>
+          <a:effectRef idx="0">
+            <a:schemeClr val="accent1"/>
+          </a:effectRef>
+          <a:fontRef idx="minor">
+            <a:schemeClr val="tx1"/>
+          </a:fontRef>
+        </p:style>
+      </p:cxnSp>
+      <p:cxnSp>
+        <p:nvCxnSpPr>
+          <p:cNvPr id="58" name="Straight Connector 57"/>
+          <p:cNvCxnSpPr/>
+          <p:nvPr/>
+        </p:nvCxnSpPr>
+        <p:spPr>
+          <a:xfrm>
+            <a:off x="8100392" y="188640"/>
+            <a:ext cx="72008" cy="6264696"/>
+          </a:xfrm>
+          <a:prstGeom prst="line">
+            <a:avLst/>
+          </a:prstGeom>
+        </p:spPr>
+        <p:style>
+          <a:lnRef idx="1">
+            <a:schemeClr val="accent1"/>
+          </a:lnRef>
+          <a:fillRef idx="0">
+            <a:schemeClr val="accent1"/>
+          </a:fillRef>
+          <a:effectRef idx="0">
+            <a:schemeClr val="accent1"/>
+          </a:effectRef>
+          <a:fontRef idx="minor">
+            <a:schemeClr val="tx1"/>
+          </a:fontRef>
+        </p:style>
+      </p:cxnSp>
+      <p:sp>
+        <p:nvSpPr>
+          <p:cNvPr id="67" name="Oval 66"/>
+          <p:cNvSpPr/>
+          <p:nvPr/>
+        </p:nvSpPr>
+        <p:spPr>
+          <a:xfrm>
+            <a:off x="3851920" y="3248912"/>
+            <a:ext cx="576064" cy="576064"/>
+          </a:xfrm>
+          <a:prstGeom prst="ellipse">
+            <a:avLst/>
+          </a:prstGeom>
+          <a:solidFill>
+            <a:schemeClr val="bg1"/>
+          </a:solidFill>
+        </p:spPr>
+        <p:style>
+          <a:lnRef idx="2">
+            <a:schemeClr val="accent1">
+              <a:shade val="50000"/>
+            </a:schemeClr>
+          </a:lnRef>
+          <a:fillRef idx="1">
+            <a:schemeClr val="accent1"/>
+          </a:fillRef>
+          <a:effectRef idx="0">
+            <a:schemeClr val="accent1"/>
+          </a:effectRef>
+          <a:fontRef idx="minor">
+            <a:schemeClr val="lt1"/>
+          </a:fontRef>
+        </p:style>
+        <p:txBody>
+          <a:bodyPr rtlCol="0" anchor="ctr"/>
+          <a:lstStyle/>
+          <a:p>
+            <a:pPr algn="ctr"/>
+            <a:endParaRPr lang="en-GB"/>
+          </a:p>
+        </p:txBody>
+      </p:sp>
+      <p:sp>
+        <p:nvSpPr>
+          <p:cNvPr id="82" name="Oval 81"/>
+          <p:cNvSpPr/>
+          <p:nvPr/>
+        </p:nvSpPr>
+        <p:spPr>
+          <a:xfrm>
+            <a:off x="3881197" y="2312876"/>
+            <a:ext cx="576064" cy="576064"/>
+          </a:xfrm>
+          <a:prstGeom prst="ellipse">
+            <a:avLst/>
+          </a:prstGeom>
+          <a:solidFill>
+            <a:schemeClr val="bg1"/>
+          </a:solidFill>
+        </p:spPr>
+        <p:style>
+          <a:lnRef idx="2">
+            <a:schemeClr val="accent1">
+              <a:shade val="50000"/>
+            </a:schemeClr>
+          </a:lnRef>
+          <a:fillRef idx="1">
+            <a:schemeClr val="accent1"/>
+          </a:fillRef>
+          <a:effectRef idx="0">
+            <a:schemeClr val="accent1"/>
+          </a:effectRef>
+          <a:fontRef idx="minor">
+            <a:schemeClr val="lt1"/>
+          </a:fontRef>
+        </p:style>
+        <p:txBody>
+          <a:bodyPr rtlCol="0" anchor="ctr"/>
+          <a:lstStyle/>
+          <a:p>
+            <a:pPr algn="ctr"/>
+            <a:endParaRPr lang="en-GB"/>
+          </a:p>
+        </p:txBody>
+      </p:sp>
+      <p:sp>
+        <p:nvSpPr>
+          <p:cNvPr id="83" name="Oval 82"/>
+          <p:cNvSpPr/>
+          <p:nvPr/>
+        </p:nvSpPr>
+        <p:spPr>
+          <a:xfrm>
+            <a:off x="2909123" y="3212976"/>
+            <a:ext cx="576064" cy="576064"/>
+          </a:xfrm>
+          <a:prstGeom prst="ellipse">
+            <a:avLst/>
+          </a:prstGeom>
+        </p:spPr>
+        <p:style>
+          <a:lnRef idx="2">
+            <a:schemeClr val="accent1">
+              <a:shade val="50000"/>
+            </a:schemeClr>
+          </a:lnRef>
+          <a:fillRef idx="1">
+            <a:schemeClr val="accent1"/>
+          </a:fillRef>
+          <a:effectRef idx="0">
+            <a:schemeClr val="accent1"/>
+          </a:effectRef>
+          <a:fontRef idx="minor">
+            <a:schemeClr val="lt1"/>
+          </a:fontRef>
+        </p:style>
+        <p:txBody>
+          <a:bodyPr rtlCol="0" anchor="ctr"/>
+          <a:lstStyle/>
+          <a:p>
+            <a:pPr algn="ctr"/>
+            <a:endParaRPr lang="en-GB"/>
+          </a:p>
+        </p:txBody>
+      </p:sp>
+      <p:sp>
+        <p:nvSpPr>
+          <p:cNvPr id="84" name="Oval 83"/>
+          <p:cNvSpPr/>
+          <p:nvPr/>
+        </p:nvSpPr>
+        <p:spPr>
+          <a:xfrm>
+            <a:off x="4860032" y="3273253"/>
+            <a:ext cx="576064" cy="576064"/>
+          </a:xfrm>
+          <a:prstGeom prst="ellipse">
+            <a:avLst/>
+          </a:prstGeom>
+        </p:spPr>
+        <p:style>
+          <a:lnRef idx="2">
+            <a:schemeClr val="accent1">
+              <a:shade val="50000"/>
+            </a:schemeClr>
+          </a:lnRef>
+          <a:fillRef idx="1">
+            <a:schemeClr val="accent1"/>
+          </a:fillRef>
+          <a:effectRef idx="0">
+            <a:schemeClr val="accent1"/>
+          </a:effectRef>
+          <a:fontRef idx="minor">
+            <a:schemeClr val="lt1"/>
+          </a:fontRef>
+        </p:style>
+        <p:txBody>
+          <a:bodyPr rtlCol="0" anchor="ctr"/>
+          <a:lstStyle/>
+          <a:p>
+            <a:pPr algn="ctr"/>
+            <a:endParaRPr lang="en-GB"/>
+          </a:p>
+        </p:txBody>
+      </p:sp>
+      <p:sp>
+        <p:nvSpPr>
+          <p:cNvPr id="85" name="Oval 84"/>
+          <p:cNvSpPr/>
+          <p:nvPr/>
+        </p:nvSpPr>
+        <p:spPr>
+          <a:xfrm>
+            <a:off x="2894992" y="4293096"/>
+            <a:ext cx="576064" cy="576064"/>
+          </a:xfrm>
+          <a:prstGeom prst="ellipse">
+            <a:avLst/>
+          </a:prstGeom>
+        </p:spPr>
+        <p:style>
+          <a:lnRef idx="2">
+            <a:schemeClr val="accent1">
+              <a:shade val="50000"/>
+            </a:schemeClr>
+          </a:lnRef>
+          <a:fillRef idx="1">
+            <a:schemeClr val="accent1"/>
+          </a:fillRef>
+          <a:effectRef idx="0">
+            <a:schemeClr val="accent1"/>
+          </a:effectRef>
+          <a:fontRef idx="minor">
+            <a:schemeClr val="lt1"/>
+          </a:fontRef>
+        </p:style>
+        <p:txBody>
+          <a:bodyPr rtlCol="0" anchor="ctr"/>
+          <a:lstStyle/>
+          <a:p>
+            <a:pPr algn="ctr"/>
+            <a:endParaRPr lang="en-GB"/>
+          </a:p>
+        </p:txBody>
+      </p:sp>
+      <p:sp>
+        <p:nvSpPr>
+          <p:cNvPr id="86" name="Oval 85"/>
+          <p:cNvSpPr/>
+          <p:nvPr/>
+        </p:nvSpPr>
+        <p:spPr>
+          <a:xfrm>
+            <a:off x="4815002" y="4293096"/>
+            <a:ext cx="576064" cy="576064"/>
+          </a:xfrm>
+          <a:prstGeom prst="ellipse">
+            <a:avLst/>
+          </a:prstGeom>
+        </p:spPr>
+        <p:style>
+          <a:lnRef idx="2">
+            <a:schemeClr val="accent1">
+              <a:shade val="50000"/>
+            </a:schemeClr>
+          </a:lnRef>
+          <a:fillRef idx="1">
+            <a:schemeClr val="accent1"/>
+          </a:fillRef>
+          <a:effectRef idx="0">
+            <a:schemeClr val="accent1"/>
+          </a:effectRef>
+          <a:fontRef idx="minor">
+            <a:schemeClr val="lt1"/>
+          </a:fontRef>
+        </p:style>
+        <p:txBody>
+          <a:bodyPr rtlCol="0" anchor="ctr"/>
+          <a:lstStyle/>
+          <a:p>
+            <a:pPr algn="ctr"/>
+            <a:endParaRPr lang="en-GB"/>
+          </a:p>
+        </p:txBody>
+      </p:sp>
+      <p:sp>
+        <p:nvSpPr>
+          <p:cNvPr id="87" name="Oval 86"/>
+          <p:cNvSpPr/>
+          <p:nvPr/>
+        </p:nvSpPr>
+        <p:spPr>
+          <a:xfrm>
+            <a:off x="3851920" y="4293096"/>
+            <a:ext cx="576064" cy="576064"/>
+          </a:xfrm>
+          <a:prstGeom prst="ellipse">
+            <a:avLst/>
+          </a:prstGeom>
+          <a:solidFill>
+            <a:schemeClr val="bg1"/>
+          </a:solidFill>
+        </p:spPr>
+        <p:style>
+          <a:lnRef idx="2">
+            <a:schemeClr val="accent1">
+              <a:shade val="50000"/>
+            </a:schemeClr>
+          </a:lnRef>
+          <a:fillRef idx="1">
+            <a:schemeClr val="accent1"/>
+          </a:fillRef>
+          <a:effectRef idx="0">
+            <a:schemeClr val="accent1"/>
+          </a:effectRef>
+          <a:fontRef idx="minor">
+            <a:schemeClr val="lt1"/>
+          </a:fontRef>
+        </p:style>
+        <p:txBody>
+          <a:bodyPr rtlCol="0" anchor="ctr"/>
+          <a:lstStyle/>
+          <a:p>
+            <a:pPr algn="ctr"/>
+            <a:endParaRPr lang="en-GB"/>
+          </a:p>
+        </p:txBody>
+      </p:sp>
+      <p:cxnSp>
+        <p:nvCxnSpPr>
+          <p:cNvPr id="92" name="Straight Connector 91"/>
+          <p:cNvCxnSpPr/>
+          <p:nvPr/>
+        </p:nvCxnSpPr>
+        <p:spPr>
+          <a:xfrm flipV="1">
+            <a:off x="539552" y="6201308"/>
+            <a:ext cx="8136904" cy="108012"/>
+          </a:xfrm>
+          <a:prstGeom prst="line">
+            <a:avLst/>
+          </a:prstGeom>
+        </p:spPr>
+        <p:style>
+          <a:lnRef idx="1">
+            <a:schemeClr val="accent1"/>
+          </a:lnRef>
+          <a:fillRef idx="0">
+            <a:schemeClr val="accent1"/>
+          </a:fillRef>
+          <a:effectRef idx="0">
+            <a:schemeClr val="accent1"/>
+          </a:effectRef>
+          <a:fontRef idx="minor">
+            <a:schemeClr val="tx1"/>
+          </a:fontRef>
+        </p:style>
+      </p:cxnSp>
+      <p:sp>
+        <p:nvSpPr>
+          <p:cNvPr id="95" name="Oval 94"/>
+          <p:cNvSpPr/>
+          <p:nvPr/>
+        </p:nvSpPr>
+        <p:spPr>
+          <a:xfrm>
+            <a:off x="3851920" y="1327448"/>
+            <a:ext cx="576064" cy="576064"/>
+          </a:xfrm>
+          <a:prstGeom prst="ellipse">
+            <a:avLst/>
+          </a:prstGeom>
+          <a:noFill/>
+          <a:ln>
+            <a:prstDash val="dashDot"/>
+          </a:ln>
+        </p:spPr>
+        <p:style>
+          <a:lnRef idx="2">
+            <a:schemeClr val="accent1">
+              <a:shade val="50000"/>
+            </a:schemeClr>
+          </a:lnRef>
+          <a:fillRef idx="1">
+            <a:schemeClr val="accent1"/>
+          </a:fillRef>
+          <a:effectRef idx="0">
+            <a:schemeClr val="accent1"/>
+          </a:effectRef>
+          <a:fontRef idx="minor">
+            <a:schemeClr val="lt1"/>
+          </a:fontRef>
+        </p:style>
+        <p:txBody>
+          <a:bodyPr rtlCol="0" anchor="ctr"/>
+          <a:lstStyle/>
+          <a:p>
+            <a:pPr algn="ctr"/>
+            <a:endParaRPr lang="en-GB"/>
+          </a:p>
+        </p:txBody>
+      </p:sp>
+      <p:sp>
+        <p:nvSpPr>
+          <p:cNvPr id="96" name="Oval 95"/>
+          <p:cNvSpPr/>
+          <p:nvPr/>
+        </p:nvSpPr>
+        <p:spPr>
+          <a:xfrm>
+            <a:off x="2890867" y="5121188"/>
+            <a:ext cx="576064" cy="576064"/>
+          </a:xfrm>
+          <a:prstGeom prst="ellipse">
+            <a:avLst/>
+          </a:prstGeom>
+        </p:spPr>
+        <p:style>
+          <a:lnRef idx="2">
+            <a:schemeClr val="accent1">
+              <a:shade val="50000"/>
+            </a:schemeClr>
+          </a:lnRef>
+          <a:fillRef idx="1">
+            <a:schemeClr val="accent1"/>
+          </a:fillRef>
+          <a:effectRef idx="0">
+            <a:schemeClr val="accent1"/>
+          </a:effectRef>
+          <a:fontRef idx="minor">
+            <a:schemeClr val="lt1"/>
+          </a:fontRef>
+        </p:style>
+        <p:txBody>
+          <a:bodyPr rtlCol="0" anchor="ctr"/>
+          <a:lstStyle/>
+          <a:p>
+            <a:pPr algn="ctr"/>
+            <a:endParaRPr lang="en-GB"/>
+          </a:p>
+        </p:txBody>
+      </p:sp>
+      <p:sp>
+        <p:nvSpPr>
+          <p:cNvPr id="97" name="Oval 96"/>
+          <p:cNvSpPr/>
+          <p:nvPr/>
+        </p:nvSpPr>
+        <p:spPr>
+          <a:xfrm>
+            <a:off x="4843264" y="5121188"/>
+            <a:ext cx="576064" cy="576064"/>
+          </a:xfrm>
+          <a:prstGeom prst="ellipse">
+            <a:avLst/>
+          </a:prstGeom>
+        </p:spPr>
+        <p:style>
+          <a:lnRef idx="2">
+            <a:schemeClr val="accent1">
+              <a:shade val="50000"/>
+            </a:schemeClr>
+          </a:lnRef>
+          <a:fillRef idx="1">
+            <a:schemeClr val="accent1"/>
+          </a:fillRef>
+          <a:effectRef idx="0">
+            <a:schemeClr val="accent1"/>
+          </a:effectRef>
+          <a:fontRef idx="minor">
+            <a:schemeClr val="lt1"/>
+          </a:fontRef>
+        </p:style>
+        <p:txBody>
+          <a:bodyPr rtlCol="0" anchor="ctr"/>
+          <a:lstStyle/>
+          <a:p>
+            <a:pPr algn="ctr"/>
+            <a:endParaRPr lang="en-GB"/>
+          </a:p>
+        </p:txBody>
+      </p:sp>
+      <p:sp>
+        <p:nvSpPr>
+          <p:cNvPr id="98" name="Oval 97"/>
+          <p:cNvSpPr/>
+          <p:nvPr/>
+        </p:nvSpPr>
+        <p:spPr>
+          <a:xfrm>
+            <a:off x="3841035" y="5121188"/>
+            <a:ext cx="576064" cy="576064"/>
+          </a:xfrm>
+          <a:prstGeom prst="ellipse">
+            <a:avLst/>
+          </a:prstGeom>
+          <a:solidFill>
+            <a:schemeClr val="bg1"/>
+          </a:solidFill>
+        </p:spPr>
+        <p:style>
+          <a:lnRef idx="2">
+            <a:schemeClr val="accent1">
+              <a:shade val="50000"/>
+            </a:schemeClr>
+          </a:lnRef>
+          <a:fillRef idx="1">
+            <a:schemeClr val="accent1"/>
+          </a:fillRef>
+          <a:effectRef idx="0">
+            <a:schemeClr val="accent1"/>
+          </a:effectRef>
+          <a:fontRef idx="minor">
+            <a:schemeClr val="lt1"/>
+          </a:fontRef>
+        </p:style>
+        <p:txBody>
+          <a:bodyPr rtlCol="0" anchor="ctr"/>
+          <a:lstStyle/>
+          <a:p>
+            <a:pPr algn="ctr"/>
+            <a:endParaRPr lang="en-GB"/>
+          </a:p>
+        </p:txBody>
+      </p:sp>
+      <p:sp>
+        <p:nvSpPr>
+          <p:cNvPr id="35" name="Oval 34"/>
+          <p:cNvSpPr/>
+          <p:nvPr/>
+        </p:nvSpPr>
+        <p:spPr>
+          <a:xfrm>
+            <a:off x="3841035" y="5912296"/>
+            <a:ext cx="576064" cy="576064"/>
+          </a:xfrm>
+          <a:prstGeom prst="ellipse">
+            <a:avLst/>
+          </a:prstGeom>
+        </p:spPr>
+        <p:style>
+          <a:lnRef idx="2">
+            <a:schemeClr val="accent1">
+              <a:shade val="50000"/>
+            </a:schemeClr>
+          </a:lnRef>
+          <a:fillRef idx="1">
+            <a:schemeClr val="accent1"/>
+          </a:fillRef>
+          <a:effectRef idx="0">
+            <a:schemeClr val="accent1"/>
+          </a:effectRef>
+          <a:fontRef idx="minor">
+            <a:schemeClr val="lt1"/>
+          </a:fontRef>
+        </p:style>
+        <p:txBody>
+          <a:bodyPr rtlCol="0" anchor="ctr"/>
+          <a:lstStyle/>
+          <a:p>
+            <a:pPr algn="ctr"/>
+            <a:endParaRPr lang="en-GB"/>
+          </a:p>
+        </p:txBody>
+      </p:sp>
+      <p:sp>
+        <p:nvSpPr>
+          <p:cNvPr id="36" name="TextBox 35"/>
+          <p:cNvSpPr txBox="1"/>
+          <p:nvPr/>
+        </p:nvSpPr>
+        <p:spPr>
+          <a:xfrm>
+            <a:off x="6647521" y="855045"/>
+            <a:ext cx="2016224" cy="584775"/>
+          </a:xfrm>
+          <a:prstGeom prst="rect">
+            <a:avLst/>
+          </a:prstGeom>
+          <a:noFill/>
+        </p:spPr>
+        <p:txBody>
+          <a:bodyPr wrap="square" rtlCol="0">
+            <a:spAutoFit/>
+          </a:bodyPr>
+          <a:lstStyle/>
+          <a:p>
+            <a:r>
+              <a:rPr lang="en-GB" sz="3200" dirty="0" smtClean="0"/>
+              <a:t>Illegal</a:t>
+            </a:r>
+            <a:endParaRPr lang="en-GB" sz="3200" dirty="0"/>
+          </a:p>
+        </p:txBody>
+      </p:sp>
+    </p:spTree>
+    <p:extLst>
+      <p:ext uri="{BB962C8B-B14F-4D97-AF65-F5344CB8AC3E}">
+        <p14:creationId xmlns:p14="http://schemas.microsoft.com/office/powerpoint/2010/main" val="3305186403"/>
+      </p:ext>
+    </p:extLst>
+  </p:cSld>
+  <p:clrMapOvr>
+    <a:masterClrMapping/>
+  </p:clrMapOvr>
+</p:sld>
+</file>
+
+<file path=ppt/slides/slide3.xml><?xml version="1.0" encoding="utf-8"?>
+<p:sld xmlns:a="http://schemas.openxmlformats.org/drawingml/2006/main" xmlns:r="http://schemas.openxmlformats.org/officeDocument/2006/relationships" xmlns:p="http://schemas.openxmlformats.org/presentationml/2006/main">
+  <p:cSld>
+    <p:spTree>
+      <p:nvGrpSpPr>
+        <p:cNvPr id="1" name=""/>
+        <p:cNvGrpSpPr/>
+        <p:nvPr/>
+      </p:nvGrpSpPr>
+      <p:grpSpPr>
+        <a:xfrm>
+          <a:off x="0" y="0"/>
+          <a:ext cx="0" cy="0"/>
+          <a:chOff x="0" y="0"/>
+          <a:chExt cx="0" cy="0"/>
+        </a:xfrm>
+      </p:grpSpPr>
+      <p:cxnSp>
+        <p:nvCxnSpPr>
+          <p:cNvPr id="5" name="Straight Connector 4"/>
+          <p:cNvCxnSpPr/>
+          <p:nvPr/>
+        </p:nvCxnSpPr>
+        <p:spPr>
+          <a:xfrm>
+            <a:off x="1187624" y="260648"/>
+            <a:ext cx="0" cy="6336704"/>
+          </a:xfrm>
+          <a:prstGeom prst="line">
+            <a:avLst/>
+          </a:prstGeom>
+        </p:spPr>
+        <p:style>
+          <a:lnRef idx="1">
+            <a:schemeClr val="accent1"/>
+          </a:lnRef>
+          <a:fillRef idx="0">
+            <a:schemeClr val="accent1"/>
+          </a:fillRef>
+          <a:effectRef idx="0">
+            <a:schemeClr val="accent1"/>
+          </a:effectRef>
+          <a:fontRef idx="minor">
+            <a:schemeClr val="tx1"/>
+          </a:fontRef>
+        </p:style>
+      </p:cxnSp>
+      <p:cxnSp>
+        <p:nvCxnSpPr>
+          <p:cNvPr id="7" name="Straight Connector 6"/>
+          <p:cNvCxnSpPr/>
+          <p:nvPr/>
+        </p:nvCxnSpPr>
+        <p:spPr>
+          <a:xfrm>
+            <a:off x="2158887" y="260648"/>
+            <a:ext cx="0" cy="6408712"/>
+          </a:xfrm>
+          <a:prstGeom prst="line">
+            <a:avLst/>
+          </a:prstGeom>
+        </p:spPr>
+        <p:style>
+          <a:lnRef idx="1">
+            <a:schemeClr val="accent1"/>
+          </a:lnRef>
+          <a:fillRef idx="0">
+            <a:schemeClr val="accent1"/>
+          </a:fillRef>
+          <a:effectRef idx="0">
+            <a:schemeClr val="accent1"/>
+          </a:effectRef>
+          <a:fontRef idx="minor">
+            <a:schemeClr val="tx1"/>
+          </a:fontRef>
+        </p:style>
+      </p:cxnSp>
+      <p:cxnSp>
+        <p:nvCxnSpPr>
+          <p:cNvPr id="9" name="Straight Connector 8"/>
+          <p:cNvCxnSpPr/>
+          <p:nvPr/>
+        </p:nvCxnSpPr>
+        <p:spPr>
+          <a:xfrm>
+            <a:off x="3163753" y="188640"/>
+            <a:ext cx="0" cy="6480720"/>
+          </a:xfrm>
+          <a:prstGeom prst="line">
+            <a:avLst/>
+          </a:prstGeom>
+        </p:spPr>
+        <p:style>
+          <a:lnRef idx="1">
+            <a:schemeClr val="accent1"/>
+          </a:lnRef>
+          <a:fillRef idx="0">
+            <a:schemeClr val="accent1"/>
+          </a:fillRef>
+          <a:effectRef idx="0">
+            <a:schemeClr val="accent1"/>
+          </a:effectRef>
+          <a:fontRef idx="minor">
+            <a:schemeClr val="tx1"/>
+          </a:fontRef>
+        </p:style>
+      </p:cxnSp>
+      <p:cxnSp>
+        <p:nvCxnSpPr>
+          <p:cNvPr id="11" name="Straight Connector 10"/>
+          <p:cNvCxnSpPr/>
+          <p:nvPr/>
+        </p:nvCxnSpPr>
+        <p:spPr>
+          <a:xfrm>
+            <a:off x="4139952" y="260648"/>
+            <a:ext cx="0" cy="6408712"/>
+          </a:xfrm>
+          <a:prstGeom prst="line">
+            <a:avLst/>
+          </a:prstGeom>
+        </p:spPr>
+        <p:style>
+          <a:lnRef idx="1">
+            <a:schemeClr val="accent1"/>
+          </a:lnRef>
+          <a:fillRef idx="0">
+            <a:schemeClr val="accent1"/>
+          </a:fillRef>
+          <a:effectRef idx="0">
+            <a:schemeClr val="accent1"/>
+          </a:effectRef>
+          <a:fontRef idx="minor">
+            <a:schemeClr val="tx1"/>
+          </a:fontRef>
+        </p:style>
+      </p:cxnSp>
+      <p:cxnSp>
+        <p:nvCxnSpPr>
+          <p:cNvPr id="13" name="Straight Connector 12"/>
+          <p:cNvCxnSpPr/>
+          <p:nvPr/>
+        </p:nvCxnSpPr>
+        <p:spPr>
+          <a:xfrm>
+            <a:off x="5148064" y="188640"/>
+            <a:ext cx="0" cy="6408712"/>
+          </a:xfrm>
+          <a:prstGeom prst="line">
+            <a:avLst/>
+          </a:prstGeom>
+        </p:spPr>
+        <p:style>
+          <a:lnRef idx="1">
+            <a:schemeClr val="accent1"/>
+          </a:lnRef>
+          <a:fillRef idx="0">
+            <a:schemeClr val="accent1"/>
+          </a:fillRef>
+          <a:effectRef idx="0">
+            <a:schemeClr val="accent1"/>
+          </a:effectRef>
+          <a:fontRef idx="minor">
+            <a:schemeClr val="tx1"/>
+          </a:fontRef>
+        </p:style>
+      </p:cxnSp>
+      <p:cxnSp>
+        <p:nvCxnSpPr>
+          <p:cNvPr id="19" name="Straight Connector 18"/>
+          <p:cNvCxnSpPr/>
+          <p:nvPr/>
+        </p:nvCxnSpPr>
+        <p:spPr>
+          <a:xfrm>
+            <a:off x="6084168" y="188640"/>
+            <a:ext cx="0" cy="6408712"/>
+          </a:xfrm>
+          <a:prstGeom prst="line">
+            <a:avLst/>
+          </a:prstGeom>
+        </p:spPr>
+        <p:style>
+          <a:lnRef idx="1">
+            <a:schemeClr val="accent1"/>
+          </a:lnRef>
+          <a:fillRef idx="0">
+            <a:schemeClr val="accent1"/>
+          </a:fillRef>
+          <a:effectRef idx="0">
+            <a:schemeClr val="accent1"/>
+          </a:effectRef>
+          <a:fontRef idx="minor">
+            <a:schemeClr val="tx1"/>
+          </a:fontRef>
+        </p:style>
+      </p:cxnSp>
+      <p:cxnSp>
+        <p:nvCxnSpPr>
+          <p:cNvPr id="21" name="Straight Connector 20"/>
+          <p:cNvCxnSpPr/>
+          <p:nvPr/>
+        </p:nvCxnSpPr>
+        <p:spPr>
+          <a:xfrm>
+            <a:off x="611560" y="1484784"/>
+            <a:ext cx="7920880" cy="0"/>
+          </a:xfrm>
+          <a:prstGeom prst="line">
+            <a:avLst/>
+          </a:prstGeom>
+        </p:spPr>
+        <p:style>
+          <a:lnRef idx="1">
+            <a:schemeClr val="accent1"/>
+          </a:lnRef>
+          <a:fillRef idx="0">
+            <a:schemeClr val="accent1"/>
+          </a:fillRef>
+          <a:effectRef idx="0">
+            <a:schemeClr val="accent1"/>
+          </a:effectRef>
+          <a:fontRef idx="minor">
+            <a:schemeClr val="tx1"/>
+          </a:fontRef>
+        </p:style>
+      </p:cxnSp>
+      <p:cxnSp>
+        <p:nvCxnSpPr>
+          <p:cNvPr id="23" name="Straight Connector 22"/>
+          <p:cNvCxnSpPr/>
+          <p:nvPr/>
+        </p:nvCxnSpPr>
+        <p:spPr>
+          <a:xfrm>
+            <a:off x="611560" y="2348880"/>
+            <a:ext cx="8208912" cy="0"/>
+          </a:xfrm>
+          <a:prstGeom prst="line">
+            <a:avLst/>
+          </a:prstGeom>
+        </p:spPr>
+        <p:style>
+          <a:lnRef idx="1">
+            <a:schemeClr val="accent1"/>
+          </a:lnRef>
+          <a:fillRef idx="0">
+            <a:schemeClr val="accent1"/>
+          </a:fillRef>
+          <a:effectRef idx="0">
+            <a:schemeClr val="accent1"/>
+          </a:effectRef>
+          <a:fontRef idx="minor">
+            <a:schemeClr val="tx1"/>
+          </a:fontRef>
+        </p:style>
+      </p:cxnSp>
+      <p:cxnSp>
+        <p:nvCxnSpPr>
+          <p:cNvPr id="25" name="Straight Connector 24"/>
+          <p:cNvCxnSpPr/>
+          <p:nvPr/>
+        </p:nvCxnSpPr>
+        <p:spPr>
+          <a:xfrm flipV="1">
+            <a:off x="467544" y="3350332"/>
+            <a:ext cx="8208912" cy="3330"/>
+          </a:xfrm>
+          <a:prstGeom prst="line">
+            <a:avLst/>
+          </a:prstGeom>
+        </p:spPr>
+        <p:style>
+          <a:lnRef idx="1">
+            <a:schemeClr val="accent1"/>
+          </a:lnRef>
+          <a:fillRef idx="0">
+            <a:schemeClr val="accent1"/>
+          </a:fillRef>
+          <a:effectRef idx="0">
+            <a:schemeClr val="accent1"/>
+          </a:effectRef>
+          <a:fontRef idx="minor">
+            <a:schemeClr val="tx1"/>
+          </a:fontRef>
+        </p:style>
+      </p:cxnSp>
+      <p:cxnSp>
+        <p:nvCxnSpPr>
+          <p:cNvPr id="27" name="Straight Connector 26"/>
+          <p:cNvCxnSpPr/>
+          <p:nvPr/>
+        </p:nvCxnSpPr>
+        <p:spPr>
+          <a:xfrm>
+            <a:off x="467544" y="4509120"/>
+            <a:ext cx="8064896" cy="0"/>
+          </a:xfrm>
+          <a:prstGeom prst="line">
+            <a:avLst/>
+          </a:prstGeom>
+        </p:spPr>
+        <p:style>
+          <a:lnRef idx="1">
+            <a:schemeClr val="accent1"/>
+          </a:lnRef>
+          <a:fillRef idx="0">
+            <a:schemeClr val="accent1"/>
+          </a:fillRef>
+          <a:effectRef idx="0">
+            <a:schemeClr val="accent1"/>
+          </a:effectRef>
+          <a:fontRef idx="minor">
+            <a:schemeClr val="tx1"/>
+          </a:fontRef>
+        </p:style>
+      </p:cxnSp>
+      <p:cxnSp>
+        <p:nvCxnSpPr>
+          <p:cNvPr id="29" name="Straight Connector 28"/>
+          <p:cNvCxnSpPr/>
+          <p:nvPr/>
+        </p:nvCxnSpPr>
+        <p:spPr>
+          <a:xfrm>
+            <a:off x="467544" y="5589240"/>
+            <a:ext cx="7920880" cy="0"/>
+          </a:xfrm>
+          <a:prstGeom prst="line">
+            <a:avLst/>
+          </a:prstGeom>
+        </p:spPr>
+        <p:style>
+          <a:lnRef idx="1">
+            <a:schemeClr val="accent1"/>
+          </a:lnRef>
+          <a:fillRef idx="0">
+            <a:schemeClr val="accent1"/>
+          </a:fillRef>
+          <a:effectRef idx="0">
+            <a:schemeClr val="accent1"/>
+          </a:effectRef>
+          <a:fontRef idx="minor">
+            <a:schemeClr val="tx1"/>
+          </a:fontRef>
+        </p:style>
+      </p:cxnSp>
+      <p:sp>
+        <p:nvSpPr>
+          <p:cNvPr id="30" name="Oval 29"/>
+          <p:cNvSpPr/>
+          <p:nvPr/>
+        </p:nvSpPr>
+        <p:spPr>
+          <a:xfrm>
+            <a:off x="2843808" y="2060848"/>
+            <a:ext cx="576064" cy="576064"/>
+          </a:xfrm>
+          <a:prstGeom prst="ellipse">
+            <a:avLst/>
+          </a:prstGeom>
+        </p:spPr>
+        <p:style>
+          <a:lnRef idx="2">
+            <a:schemeClr val="accent1">
+              <a:shade val="50000"/>
+            </a:schemeClr>
+          </a:lnRef>
+          <a:fillRef idx="1">
+            <a:schemeClr val="accent1"/>
+          </a:fillRef>
+          <a:effectRef idx="0">
+            <a:schemeClr val="accent1"/>
+          </a:effectRef>
+          <a:fontRef idx="minor">
+            <a:schemeClr val="lt1"/>
+          </a:fontRef>
+        </p:style>
+        <p:txBody>
+          <a:bodyPr rtlCol="0" anchor="ctr"/>
+          <a:lstStyle/>
+          <a:p>
+            <a:pPr algn="ctr"/>
+            <a:endParaRPr lang="en-GB"/>
+          </a:p>
+        </p:txBody>
+      </p:sp>
+      <p:sp>
+        <p:nvSpPr>
+          <p:cNvPr id="39" name="Oval 38"/>
+          <p:cNvSpPr/>
+          <p:nvPr/>
+        </p:nvSpPr>
+        <p:spPr>
+          <a:xfrm>
+            <a:off x="3851920" y="2060848"/>
+            <a:ext cx="576064" cy="576064"/>
+          </a:xfrm>
+          <a:prstGeom prst="ellipse">
+            <a:avLst/>
+          </a:prstGeom>
+        </p:spPr>
+        <p:style>
+          <a:lnRef idx="2">
+            <a:schemeClr val="accent1">
+              <a:shade val="50000"/>
+            </a:schemeClr>
+          </a:lnRef>
+          <a:fillRef idx="1">
+            <a:schemeClr val="accent1"/>
+          </a:fillRef>
+          <a:effectRef idx="0">
+            <a:schemeClr val="accent1"/>
+          </a:effectRef>
+          <a:fontRef idx="minor">
+            <a:schemeClr val="lt1"/>
+          </a:fontRef>
+        </p:style>
+        <p:txBody>
+          <a:bodyPr rtlCol="0" anchor="ctr"/>
+          <a:lstStyle/>
+          <a:p>
+            <a:pPr algn="ctr"/>
+            <a:endParaRPr lang="en-GB"/>
+          </a:p>
+        </p:txBody>
+      </p:sp>
+      <p:sp>
+        <p:nvSpPr>
+          <p:cNvPr id="40" name="Oval 39"/>
+          <p:cNvSpPr/>
+          <p:nvPr/>
+        </p:nvSpPr>
+        <p:spPr>
+          <a:xfrm>
+            <a:off x="4860032" y="2060848"/>
+            <a:ext cx="576064" cy="576064"/>
+          </a:xfrm>
+          <a:prstGeom prst="ellipse">
+            <a:avLst/>
+          </a:prstGeom>
+        </p:spPr>
+        <p:style>
+          <a:lnRef idx="2">
+            <a:schemeClr val="accent1">
+              <a:shade val="50000"/>
+            </a:schemeClr>
+          </a:lnRef>
+          <a:fillRef idx="1">
+            <a:schemeClr val="accent1"/>
+          </a:fillRef>
+          <a:effectRef idx="0">
+            <a:schemeClr val="accent1"/>
+          </a:effectRef>
+          <a:fontRef idx="minor">
+            <a:schemeClr val="lt1"/>
+          </a:fontRef>
+        </p:style>
+        <p:txBody>
+          <a:bodyPr rtlCol="0" anchor="ctr"/>
+          <a:lstStyle/>
+          <a:p>
+            <a:pPr algn="ctr"/>
+            <a:endParaRPr lang="en-GB"/>
+          </a:p>
+        </p:txBody>
+      </p:sp>
+      <p:sp>
+        <p:nvSpPr>
+          <p:cNvPr id="41" name="Oval 40"/>
+          <p:cNvSpPr/>
+          <p:nvPr/>
+        </p:nvSpPr>
+        <p:spPr>
+          <a:xfrm>
+            <a:off x="4860032" y="3068960"/>
+            <a:ext cx="576064" cy="576064"/>
+          </a:xfrm>
+          <a:prstGeom prst="ellipse">
+            <a:avLst/>
+          </a:prstGeom>
+        </p:spPr>
+        <p:style>
+          <a:lnRef idx="2">
+            <a:schemeClr val="accent1">
+              <a:shade val="50000"/>
+            </a:schemeClr>
+          </a:lnRef>
+          <a:fillRef idx="1">
+            <a:schemeClr val="accent1"/>
+          </a:fillRef>
+          <a:effectRef idx="0">
+            <a:schemeClr val="accent1"/>
+          </a:effectRef>
+          <a:fontRef idx="minor">
+            <a:schemeClr val="lt1"/>
+          </a:fontRef>
+        </p:style>
+        <p:txBody>
+          <a:bodyPr rtlCol="0" anchor="ctr"/>
+          <a:lstStyle/>
+          <a:p>
+            <a:pPr algn="ctr"/>
+            <a:endParaRPr lang="en-GB"/>
+          </a:p>
+        </p:txBody>
+      </p:sp>
+      <p:sp>
+        <p:nvSpPr>
+          <p:cNvPr id="42" name="Oval 41"/>
+          <p:cNvSpPr/>
+          <p:nvPr/>
+        </p:nvSpPr>
+        <p:spPr>
+          <a:xfrm>
+            <a:off x="4830755" y="4221088"/>
+            <a:ext cx="576064" cy="576064"/>
+          </a:xfrm>
+          <a:prstGeom prst="ellipse">
+            <a:avLst/>
+          </a:prstGeom>
+        </p:spPr>
+        <p:style>
+          <a:lnRef idx="2">
+            <a:schemeClr val="accent1">
+              <a:shade val="50000"/>
+            </a:schemeClr>
+          </a:lnRef>
+          <a:fillRef idx="1">
+            <a:schemeClr val="accent1"/>
+          </a:fillRef>
+          <a:effectRef idx="0">
+            <a:schemeClr val="accent1"/>
+          </a:effectRef>
+          <a:fontRef idx="minor">
+            <a:schemeClr val="lt1"/>
+          </a:fontRef>
+        </p:style>
+        <p:txBody>
+          <a:bodyPr rtlCol="0" anchor="ctr"/>
+          <a:lstStyle/>
+          <a:p>
+            <a:pPr algn="ctr"/>
+            <a:endParaRPr lang="en-GB"/>
+          </a:p>
+        </p:txBody>
+      </p:sp>
+      <p:sp>
+        <p:nvSpPr>
+          <p:cNvPr id="43" name="Oval 42"/>
+          <p:cNvSpPr/>
+          <p:nvPr/>
+        </p:nvSpPr>
+        <p:spPr>
+          <a:xfrm>
+            <a:off x="3851920" y="4221088"/>
+            <a:ext cx="576064" cy="576064"/>
+          </a:xfrm>
+          <a:prstGeom prst="ellipse">
+            <a:avLst/>
+          </a:prstGeom>
+        </p:spPr>
+        <p:style>
+          <a:lnRef idx="2">
+            <a:schemeClr val="accent1">
+              <a:shade val="50000"/>
+            </a:schemeClr>
+          </a:lnRef>
+          <a:fillRef idx="1">
+            <a:schemeClr val="accent1"/>
+          </a:fillRef>
+          <a:effectRef idx="0">
+            <a:schemeClr val="accent1"/>
+          </a:effectRef>
+          <a:fontRef idx="minor">
+            <a:schemeClr val="lt1"/>
+          </a:fontRef>
+        </p:style>
+        <p:txBody>
+          <a:bodyPr rtlCol="0" anchor="ctr"/>
+          <a:lstStyle/>
+          <a:p>
+            <a:pPr algn="ctr"/>
+            <a:endParaRPr lang="en-GB"/>
+          </a:p>
+        </p:txBody>
+      </p:sp>
+      <p:sp>
+        <p:nvSpPr>
+          <p:cNvPr id="44" name="Oval 43"/>
+          <p:cNvSpPr/>
+          <p:nvPr/>
+        </p:nvSpPr>
+        <p:spPr>
+          <a:xfrm>
+            <a:off x="2879846" y="4221088"/>
+            <a:ext cx="576064" cy="576064"/>
+          </a:xfrm>
+          <a:prstGeom prst="ellipse">
+            <a:avLst/>
+          </a:prstGeom>
+        </p:spPr>
+        <p:style>
+          <a:lnRef idx="2">
+            <a:schemeClr val="accent1">
+              <a:shade val="50000"/>
+            </a:schemeClr>
+          </a:lnRef>
+          <a:fillRef idx="1">
+            <a:schemeClr val="accent1"/>
+          </a:fillRef>
+          <a:effectRef idx="0">
+            <a:schemeClr val="accent1"/>
+          </a:effectRef>
+          <a:fontRef idx="minor">
+            <a:schemeClr val="lt1"/>
+          </a:fontRef>
+        </p:style>
+        <p:txBody>
+          <a:bodyPr rtlCol="0" anchor="ctr"/>
+          <a:lstStyle/>
+          <a:p>
+            <a:pPr algn="ctr"/>
+            <a:endParaRPr lang="en-GB"/>
+          </a:p>
+        </p:txBody>
+      </p:sp>
+      <p:sp>
+        <p:nvSpPr>
+          <p:cNvPr id="45" name="Oval 44"/>
+          <p:cNvSpPr/>
+          <p:nvPr/>
+        </p:nvSpPr>
+        <p:spPr>
+          <a:xfrm>
+            <a:off x="2843808" y="3055640"/>
+            <a:ext cx="576064" cy="576064"/>
+          </a:xfrm>
+          <a:prstGeom prst="ellipse">
+            <a:avLst/>
+          </a:prstGeom>
+        </p:spPr>
+        <p:style>
+          <a:lnRef idx="2">
+            <a:schemeClr val="accent1">
+              <a:shade val="50000"/>
+            </a:schemeClr>
+          </a:lnRef>
+          <a:fillRef idx="1">
+            <a:schemeClr val="accent1"/>
+          </a:fillRef>
+          <a:effectRef idx="0">
+            <a:schemeClr val="accent1"/>
+          </a:effectRef>
+          <a:fontRef idx="minor">
+            <a:schemeClr val="lt1"/>
+          </a:fontRef>
+        </p:style>
+        <p:txBody>
+          <a:bodyPr rtlCol="0" anchor="ctr"/>
+          <a:lstStyle/>
+          <a:p>
+            <a:pPr algn="ctr"/>
+            <a:endParaRPr lang="en-GB"/>
+          </a:p>
+        </p:txBody>
+      </p:sp>
+      <p:cxnSp>
+        <p:nvCxnSpPr>
+          <p:cNvPr id="56" name="Straight Connector 55"/>
+          <p:cNvCxnSpPr/>
+          <p:nvPr/>
+        </p:nvCxnSpPr>
+        <p:spPr>
+          <a:xfrm>
+            <a:off x="7092280" y="224644"/>
+            <a:ext cx="0" cy="6192688"/>
+          </a:xfrm>
+          <a:prstGeom prst="line">
+            <a:avLst/>
+          </a:prstGeom>
+        </p:spPr>
+        <p:style>
+          <a:lnRef idx="1">
+            <a:schemeClr val="accent1"/>
+          </a:lnRef>
+          <a:fillRef idx="0">
+            <a:schemeClr val="accent1"/>
+          </a:fillRef>
+          <a:effectRef idx="0">
+            <a:schemeClr val="accent1"/>
+          </a:effectRef>
+          <a:fontRef idx="minor">
+            <a:schemeClr val="tx1"/>
+          </a:fontRef>
+        </p:style>
+      </p:cxnSp>
+      <p:cxnSp>
+        <p:nvCxnSpPr>
+          <p:cNvPr id="58" name="Straight Connector 57"/>
+          <p:cNvCxnSpPr/>
+          <p:nvPr/>
+        </p:nvCxnSpPr>
+        <p:spPr>
+          <a:xfrm>
+            <a:off x="8100392" y="188640"/>
+            <a:ext cx="72008" cy="6264696"/>
+          </a:xfrm>
+          <a:prstGeom prst="line">
+            <a:avLst/>
+          </a:prstGeom>
+        </p:spPr>
+        <p:style>
+          <a:lnRef idx="1">
+            <a:schemeClr val="accent1"/>
+          </a:lnRef>
+          <a:fillRef idx="0">
+            <a:schemeClr val="accent1"/>
+          </a:fillRef>
+          <a:effectRef idx="0">
+            <a:schemeClr val="accent1"/>
+          </a:effectRef>
+          <a:fontRef idx="minor">
+            <a:schemeClr val="tx1"/>
+          </a:fontRef>
+        </p:style>
+      </p:cxnSp>
+      <p:sp>
+        <p:nvSpPr>
+          <p:cNvPr id="46" name="Oval 45"/>
+          <p:cNvSpPr/>
+          <p:nvPr/>
+        </p:nvSpPr>
+        <p:spPr>
+          <a:xfrm>
+            <a:off x="3829337" y="3055640"/>
+            <a:ext cx="576064" cy="576064"/>
+          </a:xfrm>
+          <a:prstGeom prst="ellipse">
+            <a:avLst/>
+          </a:prstGeom>
+          <a:noFill/>
+          <a:ln>
+            <a:prstDash val="dashDot"/>
+          </a:ln>
+        </p:spPr>
+        <p:style>
+          <a:lnRef idx="2">
+            <a:schemeClr val="accent1">
+              <a:shade val="50000"/>
+            </a:schemeClr>
+          </a:lnRef>
+          <a:fillRef idx="1">
+            <a:schemeClr val="accent1"/>
+          </a:fillRef>
+          <a:effectRef idx="0">
+            <a:schemeClr val="accent1"/>
+          </a:effectRef>
+          <a:fontRef idx="minor">
+            <a:schemeClr val="lt1"/>
+          </a:fontRef>
+        </p:style>
+        <p:txBody>
+          <a:bodyPr rtlCol="0" anchor="ctr"/>
+          <a:lstStyle/>
+          <a:p>
+            <a:pPr algn="ctr"/>
+            <a:endParaRPr lang="en-GB"/>
+          </a:p>
+        </p:txBody>
+      </p:sp>
+      <p:sp>
+        <p:nvSpPr>
+          <p:cNvPr id="47" name="TextBox 46"/>
+          <p:cNvSpPr txBox="1"/>
+          <p:nvPr/>
+        </p:nvSpPr>
+        <p:spPr>
+          <a:xfrm>
+            <a:off x="7092280" y="855045"/>
+            <a:ext cx="2016224" cy="584775"/>
+          </a:xfrm>
+          <a:prstGeom prst="rect">
+            <a:avLst/>
+          </a:prstGeom>
+          <a:noFill/>
+        </p:spPr>
+        <p:txBody>
+          <a:bodyPr wrap="square" rtlCol="0">
+            <a:spAutoFit/>
+          </a:bodyPr>
+          <a:lstStyle/>
+          <a:p>
+            <a:r>
+              <a:rPr lang="en-GB" sz="3200" dirty="0"/>
+              <a:t>I</a:t>
+            </a:r>
+            <a:r>
+              <a:rPr lang="en-GB" sz="3200" dirty="0" smtClean="0"/>
+              <a:t>llegal</a:t>
+            </a:r>
+            <a:endParaRPr lang="en-GB" sz="3200" dirty="0"/>
+          </a:p>
+        </p:txBody>
+      </p:sp>
+    </p:spTree>
+    <p:extLst>
+      <p:ext uri="{BB962C8B-B14F-4D97-AF65-F5344CB8AC3E}">
+        <p14:creationId xmlns:p14="http://schemas.microsoft.com/office/powerpoint/2010/main" val="3595576607"/>
+      </p:ext>
+    </p:extLst>
+  </p:cSld>
+  <p:clrMapOvr>
+    <a:masterClrMapping/>
+  </p:clrMapOvr>
+</p:sld>
+</file>
+
+<file path=ppt/slides/slide4.xml><?xml version="1.0" encoding="utf-8"?>
+<p:sld xmlns:a="http://schemas.openxmlformats.org/drawingml/2006/main" xmlns:r="http://schemas.openxmlformats.org/officeDocument/2006/relationships" xmlns:p="http://schemas.openxmlformats.org/presentationml/2006/main">
+  <p:cSld>
+    <p:spTree>
+      <p:nvGrpSpPr>
+        <p:cNvPr id="1" name=""/>
+        <p:cNvGrpSpPr/>
+        <p:nvPr/>
+      </p:nvGrpSpPr>
+      <p:grpSpPr>
+        <a:xfrm>
+          <a:off x="0" y="0"/>
+          <a:ext cx="0" cy="0"/>
+          <a:chOff x="0" y="0"/>
+          <a:chExt cx="0" cy="0"/>
+        </a:xfrm>
+      </p:grpSpPr>
+      <p:cxnSp>
+        <p:nvCxnSpPr>
+          <p:cNvPr id="5" name="Straight Connector 4"/>
+          <p:cNvCxnSpPr/>
+          <p:nvPr/>
+        </p:nvCxnSpPr>
+        <p:spPr>
+          <a:xfrm>
+            <a:off x="1187624" y="260648"/>
+            <a:ext cx="0" cy="6336704"/>
+          </a:xfrm>
+          <a:prstGeom prst="line">
+            <a:avLst/>
+          </a:prstGeom>
+        </p:spPr>
+        <p:style>
+          <a:lnRef idx="1">
+            <a:schemeClr val="accent1"/>
+          </a:lnRef>
+          <a:fillRef idx="0">
+            <a:schemeClr val="accent1"/>
+          </a:fillRef>
+          <a:effectRef idx="0">
+            <a:schemeClr val="accent1"/>
+          </a:effectRef>
+          <a:fontRef idx="minor">
+            <a:schemeClr val="tx1"/>
+          </a:fontRef>
+        </p:style>
+      </p:cxnSp>
+      <p:cxnSp>
+        <p:nvCxnSpPr>
+          <p:cNvPr id="7" name="Straight Connector 6"/>
+          <p:cNvCxnSpPr/>
+          <p:nvPr/>
+        </p:nvCxnSpPr>
+        <p:spPr>
+          <a:xfrm>
+            <a:off x="2158887" y="260648"/>
+            <a:ext cx="0" cy="6408712"/>
+          </a:xfrm>
+          <a:prstGeom prst="line">
+            <a:avLst/>
+          </a:prstGeom>
+        </p:spPr>
+        <p:style>
+          <a:lnRef idx="1">
+            <a:schemeClr val="accent1"/>
+          </a:lnRef>
+          <a:fillRef idx="0">
+            <a:schemeClr val="accent1"/>
+          </a:fillRef>
+          <a:effectRef idx="0">
+            <a:schemeClr val="accent1"/>
+          </a:effectRef>
+          <a:fontRef idx="minor">
+            <a:schemeClr val="tx1"/>
+          </a:fontRef>
+        </p:style>
+      </p:cxnSp>
+      <p:cxnSp>
+        <p:nvCxnSpPr>
+          <p:cNvPr id="9" name="Straight Connector 8"/>
+          <p:cNvCxnSpPr/>
+          <p:nvPr/>
+        </p:nvCxnSpPr>
+        <p:spPr>
+          <a:xfrm>
+            <a:off x="3163753" y="188640"/>
+            <a:ext cx="0" cy="6480720"/>
+          </a:xfrm>
+          <a:prstGeom prst="line">
+            <a:avLst/>
+          </a:prstGeom>
+        </p:spPr>
+        <p:style>
+          <a:lnRef idx="1">
+            <a:schemeClr val="accent1"/>
+          </a:lnRef>
+          <a:fillRef idx="0">
+            <a:schemeClr val="accent1"/>
+          </a:fillRef>
+          <a:effectRef idx="0">
+            <a:schemeClr val="accent1"/>
+          </a:effectRef>
+          <a:fontRef idx="minor">
+            <a:schemeClr val="tx1"/>
+          </a:fontRef>
+        </p:style>
+      </p:cxnSp>
+      <p:cxnSp>
+        <p:nvCxnSpPr>
+          <p:cNvPr id="11" name="Straight Connector 10"/>
+          <p:cNvCxnSpPr/>
+          <p:nvPr/>
+        </p:nvCxnSpPr>
+        <p:spPr>
+          <a:xfrm>
+            <a:off x="4139952" y="260648"/>
+            <a:ext cx="0" cy="6408712"/>
+          </a:xfrm>
+          <a:prstGeom prst="line">
+            <a:avLst/>
+          </a:prstGeom>
+        </p:spPr>
+        <p:style>
+          <a:lnRef idx="1">
+            <a:schemeClr val="accent1"/>
+          </a:lnRef>
+          <a:fillRef idx="0">
+            <a:schemeClr val="accent1"/>
+          </a:fillRef>
+          <a:effectRef idx="0">
+            <a:schemeClr val="accent1"/>
+          </a:effectRef>
+          <a:fontRef idx="minor">
+            <a:schemeClr val="tx1"/>
+          </a:fontRef>
+        </p:style>
+      </p:cxnSp>
+      <p:cxnSp>
+        <p:nvCxnSpPr>
+          <p:cNvPr id="13" name="Straight Connector 12"/>
+          <p:cNvCxnSpPr/>
+          <p:nvPr/>
+        </p:nvCxnSpPr>
+        <p:spPr>
+          <a:xfrm>
+            <a:off x="5148064" y="188640"/>
+            <a:ext cx="0" cy="6408712"/>
+          </a:xfrm>
+          <a:prstGeom prst="line">
+            <a:avLst/>
+          </a:prstGeom>
+        </p:spPr>
+        <p:style>
+          <a:lnRef idx="1">
+            <a:schemeClr val="accent1"/>
+          </a:lnRef>
+          <a:fillRef idx="0">
+            <a:schemeClr val="accent1"/>
+          </a:fillRef>
+          <a:effectRef idx="0">
+            <a:schemeClr val="accent1"/>
+          </a:effectRef>
+          <a:fontRef idx="minor">
+            <a:schemeClr val="tx1"/>
+          </a:fontRef>
+        </p:style>
+      </p:cxnSp>
+      <p:cxnSp>
+        <p:nvCxnSpPr>
+          <p:cNvPr id="19" name="Straight Connector 18"/>
+          <p:cNvCxnSpPr/>
+          <p:nvPr/>
+        </p:nvCxnSpPr>
+        <p:spPr>
+          <a:xfrm>
+            <a:off x="6084168" y="188640"/>
+            <a:ext cx="0" cy="6408712"/>
+          </a:xfrm>
+          <a:prstGeom prst="line">
+            <a:avLst/>
+          </a:prstGeom>
+        </p:spPr>
+        <p:style>
+          <a:lnRef idx="1">
+            <a:schemeClr val="accent1"/>
+          </a:lnRef>
+          <a:fillRef idx="0">
+            <a:schemeClr val="accent1"/>
+          </a:fillRef>
+          <a:effectRef idx="0">
+            <a:schemeClr val="accent1"/>
+          </a:effectRef>
+          <a:fontRef idx="minor">
+            <a:schemeClr val="tx1"/>
+          </a:fontRef>
+        </p:style>
+      </p:cxnSp>
+      <p:cxnSp>
+        <p:nvCxnSpPr>
+          <p:cNvPr id="21" name="Straight Connector 20"/>
+          <p:cNvCxnSpPr/>
+          <p:nvPr/>
+        </p:nvCxnSpPr>
+        <p:spPr>
+          <a:xfrm>
+            <a:off x="611560" y="1484784"/>
+            <a:ext cx="7920880" cy="0"/>
+          </a:xfrm>
+          <a:prstGeom prst="line">
+            <a:avLst/>
+          </a:prstGeom>
+        </p:spPr>
+        <p:style>
+          <a:lnRef idx="1">
+            <a:schemeClr val="accent1"/>
+          </a:lnRef>
+          <a:fillRef idx="0">
+            <a:schemeClr val="accent1"/>
+          </a:fillRef>
+          <a:effectRef idx="0">
+            <a:schemeClr val="accent1"/>
+          </a:effectRef>
+          <a:fontRef idx="minor">
+            <a:schemeClr val="tx1"/>
+          </a:fontRef>
+        </p:style>
+      </p:cxnSp>
+      <p:cxnSp>
+        <p:nvCxnSpPr>
+          <p:cNvPr id="23" name="Straight Connector 22"/>
+          <p:cNvCxnSpPr/>
+          <p:nvPr/>
+        </p:nvCxnSpPr>
+        <p:spPr>
+          <a:xfrm>
+            <a:off x="611560" y="2348880"/>
+            <a:ext cx="8208912" cy="0"/>
+          </a:xfrm>
+          <a:prstGeom prst="line">
+            <a:avLst/>
+          </a:prstGeom>
+        </p:spPr>
+        <p:style>
+          <a:lnRef idx="1">
+            <a:schemeClr val="accent1"/>
+          </a:lnRef>
+          <a:fillRef idx="0">
+            <a:schemeClr val="accent1"/>
+          </a:fillRef>
+          <a:effectRef idx="0">
+            <a:schemeClr val="accent1"/>
+          </a:effectRef>
+          <a:fontRef idx="minor">
+            <a:schemeClr val="tx1"/>
+          </a:fontRef>
+        </p:style>
+      </p:cxnSp>
+      <p:cxnSp>
+        <p:nvCxnSpPr>
+          <p:cNvPr id="25" name="Straight Connector 24"/>
+          <p:cNvCxnSpPr/>
+          <p:nvPr/>
+        </p:nvCxnSpPr>
+        <p:spPr>
+          <a:xfrm flipV="1">
+            <a:off x="467544" y="3350332"/>
+            <a:ext cx="8208912" cy="3330"/>
+          </a:xfrm>
+          <a:prstGeom prst="line">
+            <a:avLst/>
+          </a:prstGeom>
+        </p:spPr>
+        <p:style>
+          <a:lnRef idx="1">
+            <a:schemeClr val="accent1"/>
+          </a:lnRef>
+          <a:fillRef idx="0">
+            <a:schemeClr val="accent1"/>
+          </a:fillRef>
+          <a:effectRef idx="0">
+            <a:schemeClr val="accent1"/>
+          </a:effectRef>
+          <a:fontRef idx="minor">
+            <a:schemeClr val="tx1"/>
+          </a:fontRef>
+        </p:style>
+      </p:cxnSp>
+      <p:cxnSp>
+        <p:nvCxnSpPr>
+          <p:cNvPr id="27" name="Straight Connector 26"/>
+          <p:cNvCxnSpPr/>
+          <p:nvPr/>
+        </p:nvCxnSpPr>
+        <p:spPr>
+          <a:xfrm>
+            <a:off x="467544" y="4509120"/>
+            <a:ext cx="8064896" cy="0"/>
+          </a:xfrm>
+          <a:prstGeom prst="line">
+            <a:avLst/>
+          </a:prstGeom>
+        </p:spPr>
+        <p:style>
+          <a:lnRef idx="1">
+            <a:schemeClr val="accent1"/>
+          </a:lnRef>
+          <a:fillRef idx="0">
+            <a:schemeClr val="accent1"/>
+          </a:fillRef>
+          <a:effectRef idx="0">
+            <a:schemeClr val="accent1"/>
+          </a:effectRef>
+          <a:fontRef idx="minor">
+            <a:schemeClr val="tx1"/>
+          </a:fontRef>
+        </p:style>
+      </p:cxnSp>
+      <p:cxnSp>
+        <p:nvCxnSpPr>
+          <p:cNvPr id="29" name="Straight Connector 28"/>
+          <p:cNvCxnSpPr/>
+          <p:nvPr/>
+        </p:nvCxnSpPr>
+        <p:spPr>
+          <a:xfrm>
+            <a:off x="467544" y="5589240"/>
+            <a:ext cx="7920880" cy="0"/>
+          </a:xfrm>
+          <a:prstGeom prst="line">
+            <a:avLst/>
+          </a:prstGeom>
+        </p:spPr>
+        <p:style>
+          <a:lnRef idx="1">
+            <a:schemeClr val="accent1"/>
+          </a:lnRef>
+          <a:fillRef idx="0">
+            <a:schemeClr val="accent1"/>
+          </a:fillRef>
+          <a:effectRef idx="0">
+            <a:schemeClr val="accent1"/>
+          </a:effectRef>
+          <a:fontRef idx="minor">
+            <a:schemeClr val="tx1"/>
+          </a:fontRef>
+        </p:style>
+      </p:cxnSp>
+      <p:sp>
+        <p:nvSpPr>
+          <p:cNvPr id="30" name="Oval 29"/>
+          <p:cNvSpPr/>
+          <p:nvPr/>
+        </p:nvSpPr>
+        <p:spPr>
+          <a:xfrm>
+            <a:off x="2843808" y="2060848"/>
+            <a:ext cx="576064" cy="576064"/>
+          </a:xfrm>
+          <a:prstGeom prst="ellipse">
+            <a:avLst/>
+          </a:prstGeom>
+        </p:spPr>
+        <p:style>
+          <a:lnRef idx="2">
+            <a:schemeClr val="accent1">
+              <a:shade val="50000"/>
+            </a:schemeClr>
+          </a:lnRef>
+          <a:fillRef idx="1">
+            <a:schemeClr val="accent1"/>
+          </a:fillRef>
+          <a:effectRef idx="0">
+            <a:schemeClr val="accent1"/>
+          </a:effectRef>
+          <a:fontRef idx="minor">
+            <a:schemeClr val="lt1"/>
+          </a:fontRef>
+        </p:style>
+        <p:txBody>
+          <a:bodyPr rtlCol="0" anchor="ctr"/>
+          <a:lstStyle/>
+          <a:p>
+            <a:pPr algn="ctr"/>
+            <a:endParaRPr lang="en-GB"/>
+          </a:p>
+        </p:txBody>
+      </p:sp>
+      <p:sp>
+        <p:nvSpPr>
+          <p:cNvPr id="39" name="Oval 38"/>
+          <p:cNvSpPr/>
+          <p:nvPr/>
+        </p:nvSpPr>
+        <p:spPr>
+          <a:xfrm>
+            <a:off x="3851920" y="2060848"/>
+            <a:ext cx="576064" cy="576064"/>
+          </a:xfrm>
+          <a:prstGeom prst="ellipse">
+            <a:avLst/>
+          </a:prstGeom>
+        </p:spPr>
+        <p:style>
+          <a:lnRef idx="2">
+            <a:schemeClr val="accent1">
+              <a:shade val="50000"/>
+            </a:schemeClr>
+          </a:lnRef>
+          <a:fillRef idx="1">
+            <a:schemeClr val="accent1"/>
+          </a:fillRef>
+          <a:effectRef idx="0">
+            <a:schemeClr val="accent1"/>
+          </a:effectRef>
+          <a:fontRef idx="minor">
+            <a:schemeClr val="lt1"/>
+          </a:fontRef>
+        </p:style>
+        <p:txBody>
+          <a:bodyPr rtlCol="0" anchor="ctr"/>
+          <a:lstStyle/>
+          <a:p>
+            <a:pPr algn="ctr"/>
+            <a:endParaRPr lang="en-GB"/>
+          </a:p>
+        </p:txBody>
+      </p:sp>
+      <p:sp>
+        <p:nvSpPr>
+          <p:cNvPr id="40" name="Oval 39"/>
+          <p:cNvSpPr/>
+          <p:nvPr/>
+        </p:nvSpPr>
+        <p:spPr>
+          <a:xfrm>
+            <a:off x="4860032" y="2060848"/>
+            <a:ext cx="576064" cy="576064"/>
+          </a:xfrm>
+          <a:prstGeom prst="ellipse">
+            <a:avLst/>
+          </a:prstGeom>
+        </p:spPr>
+        <p:style>
+          <a:lnRef idx="2">
+            <a:schemeClr val="accent1">
+              <a:shade val="50000"/>
+            </a:schemeClr>
+          </a:lnRef>
+          <a:fillRef idx="1">
+            <a:schemeClr val="accent1"/>
+          </a:fillRef>
+          <a:effectRef idx="0">
+            <a:schemeClr val="accent1"/>
+          </a:effectRef>
+          <a:fontRef idx="minor">
+            <a:schemeClr val="lt1"/>
+          </a:fontRef>
+        </p:style>
+        <p:txBody>
+          <a:bodyPr rtlCol="0" anchor="ctr"/>
+          <a:lstStyle/>
+          <a:p>
+            <a:pPr algn="ctr"/>
+            <a:endParaRPr lang="en-GB"/>
+          </a:p>
+        </p:txBody>
+      </p:sp>
+      <p:sp>
+        <p:nvSpPr>
+          <p:cNvPr id="41" name="Oval 40"/>
+          <p:cNvSpPr/>
+          <p:nvPr/>
+        </p:nvSpPr>
+        <p:spPr>
+          <a:xfrm>
+            <a:off x="4860032" y="3068960"/>
+            <a:ext cx="576064" cy="576064"/>
+          </a:xfrm>
+          <a:prstGeom prst="ellipse">
+            <a:avLst/>
+          </a:prstGeom>
+        </p:spPr>
+        <p:style>
+          <a:lnRef idx="2">
+            <a:schemeClr val="accent1">
+              <a:shade val="50000"/>
+            </a:schemeClr>
+          </a:lnRef>
+          <a:fillRef idx="1">
+            <a:schemeClr val="accent1"/>
+          </a:fillRef>
+          <a:effectRef idx="0">
+            <a:schemeClr val="accent1"/>
+          </a:effectRef>
+          <a:fontRef idx="minor">
+            <a:schemeClr val="lt1"/>
+          </a:fontRef>
+        </p:style>
+        <p:txBody>
+          <a:bodyPr rtlCol="0" anchor="ctr"/>
+          <a:lstStyle/>
+          <a:p>
+            <a:pPr algn="ctr"/>
+            <a:endParaRPr lang="en-GB"/>
+          </a:p>
+        </p:txBody>
+      </p:sp>
+      <p:sp>
+        <p:nvSpPr>
+          <p:cNvPr id="42" name="Oval 41"/>
+          <p:cNvSpPr/>
+          <p:nvPr/>
+        </p:nvSpPr>
+        <p:spPr>
+          <a:xfrm>
+            <a:off x="4830755" y="4221088"/>
+            <a:ext cx="576064" cy="576064"/>
+          </a:xfrm>
+          <a:prstGeom prst="ellipse">
+            <a:avLst/>
+          </a:prstGeom>
+        </p:spPr>
+        <p:style>
+          <a:lnRef idx="2">
+            <a:schemeClr val="accent1">
+              <a:shade val="50000"/>
+            </a:schemeClr>
+          </a:lnRef>
+          <a:fillRef idx="1">
+            <a:schemeClr val="accent1"/>
+          </a:fillRef>
+          <a:effectRef idx="0">
+            <a:schemeClr val="accent1"/>
+          </a:effectRef>
+          <a:fontRef idx="minor">
+            <a:schemeClr val="lt1"/>
+          </a:fontRef>
+        </p:style>
+        <p:txBody>
+          <a:bodyPr rtlCol="0" anchor="ctr"/>
+          <a:lstStyle/>
+          <a:p>
+            <a:pPr algn="ctr"/>
+            <a:endParaRPr lang="en-GB"/>
+          </a:p>
+        </p:txBody>
+      </p:sp>
+      <p:sp>
+        <p:nvSpPr>
+          <p:cNvPr id="43" name="Oval 42"/>
+          <p:cNvSpPr/>
+          <p:nvPr/>
+        </p:nvSpPr>
+        <p:spPr>
+          <a:xfrm>
+            <a:off x="3851920" y="4221088"/>
+            <a:ext cx="576064" cy="576064"/>
+          </a:xfrm>
+          <a:prstGeom prst="ellipse">
+            <a:avLst/>
+          </a:prstGeom>
+        </p:spPr>
+        <p:style>
+          <a:lnRef idx="2">
+            <a:schemeClr val="accent1">
+              <a:shade val="50000"/>
+            </a:schemeClr>
+          </a:lnRef>
+          <a:fillRef idx="1">
+            <a:schemeClr val="accent1"/>
+          </a:fillRef>
+          <a:effectRef idx="0">
+            <a:schemeClr val="accent1"/>
+          </a:effectRef>
+          <a:fontRef idx="minor">
+            <a:schemeClr val="lt1"/>
+          </a:fontRef>
+        </p:style>
+        <p:txBody>
+          <a:bodyPr rtlCol="0" anchor="ctr"/>
+          <a:lstStyle/>
+          <a:p>
+            <a:pPr algn="ctr"/>
+            <a:endParaRPr lang="en-GB"/>
+          </a:p>
+        </p:txBody>
+      </p:sp>
+      <p:sp>
+        <p:nvSpPr>
+          <p:cNvPr id="44" name="Oval 43"/>
+          <p:cNvSpPr/>
+          <p:nvPr/>
+        </p:nvSpPr>
+        <p:spPr>
+          <a:xfrm>
+            <a:off x="2879846" y="4221088"/>
+            <a:ext cx="576064" cy="576064"/>
+          </a:xfrm>
+          <a:prstGeom prst="ellipse">
+            <a:avLst/>
+          </a:prstGeom>
+        </p:spPr>
+        <p:style>
+          <a:lnRef idx="2">
+            <a:schemeClr val="accent1">
+              <a:shade val="50000"/>
+            </a:schemeClr>
+          </a:lnRef>
+          <a:fillRef idx="1">
+            <a:schemeClr val="accent1"/>
+          </a:fillRef>
+          <a:effectRef idx="0">
+            <a:schemeClr val="accent1"/>
+          </a:effectRef>
+          <a:fontRef idx="minor">
+            <a:schemeClr val="lt1"/>
+          </a:fontRef>
+        </p:style>
+        <p:txBody>
+          <a:bodyPr rtlCol="0" anchor="ctr"/>
+          <a:lstStyle/>
+          <a:p>
+            <a:pPr algn="ctr"/>
+            <a:endParaRPr lang="en-GB"/>
+          </a:p>
+        </p:txBody>
+      </p:sp>
+      <p:sp>
+        <p:nvSpPr>
+          <p:cNvPr id="45" name="Oval 44"/>
+          <p:cNvSpPr/>
+          <p:nvPr/>
+        </p:nvSpPr>
+        <p:spPr>
+          <a:xfrm>
+            <a:off x="2843808" y="3055640"/>
+            <a:ext cx="576064" cy="576064"/>
+          </a:xfrm>
+          <a:prstGeom prst="ellipse">
+            <a:avLst/>
+          </a:prstGeom>
+        </p:spPr>
+        <p:style>
+          <a:lnRef idx="2">
+            <a:schemeClr val="accent1">
+              <a:shade val="50000"/>
+            </a:schemeClr>
+          </a:lnRef>
+          <a:fillRef idx="1">
+            <a:schemeClr val="accent1"/>
+          </a:fillRef>
+          <a:effectRef idx="0">
+            <a:schemeClr val="accent1"/>
+          </a:effectRef>
+          <a:fontRef idx="minor">
+            <a:schemeClr val="lt1"/>
+          </a:fontRef>
+        </p:style>
+        <p:txBody>
+          <a:bodyPr rtlCol="0" anchor="ctr"/>
+          <a:lstStyle/>
+          <a:p>
+            <a:pPr algn="ctr"/>
+            <a:endParaRPr lang="en-GB"/>
+          </a:p>
+        </p:txBody>
+      </p:sp>
+      <p:cxnSp>
+        <p:nvCxnSpPr>
+          <p:cNvPr id="56" name="Straight Connector 55"/>
+          <p:cNvCxnSpPr/>
+          <p:nvPr/>
+        </p:nvCxnSpPr>
+        <p:spPr>
+          <a:xfrm>
+            <a:off x="7092280" y="224644"/>
+            <a:ext cx="0" cy="6192688"/>
+          </a:xfrm>
+          <a:prstGeom prst="line">
+            <a:avLst/>
+          </a:prstGeom>
+        </p:spPr>
+        <p:style>
+          <a:lnRef idx="1">
+            <a:schemeClr val="accent1"/>
+          </a:lnRef>
+          <a:fillRef idx="0">
+            <a:schemeClr val="accent1"/>
+          </a:fillRef>
+          <a:effectRef idx="0">
+            <a:schemeClr val="accent1"/>
+          </a:effectRef>
+          <a:fontRef idx="minor">
+            <a:schemeClr val="tx1"/>
+          </a:fontRef>
+        </p:style>
+      </p:cxnSp>
+      <p:cxnSp>
+        <p:nvCxnSpPr>
+          <p:cNvPr id="58" name="Straight Connector 57"/>
+          <p:cNvCxnSpPr/>
+          <p:nvPr/>
+        </p:nvCxnSpPr>
+        <p:spPr>
+          <a:xfrm>
+            <a:off x="8100392" y="188640"/>
+            <a:ext cx="72008" cy="6264696"/>
+          </a:xfrm>
+          <a:prstGeom prst="line">
+            <a:avLst/>
+          </a:prstGeom>
+        </p:spPr>
+        <p:style>
+          <a:lnRef idx="1">
+            <a:schemeClr val="accent1"/>
+          </a:lnRef>
+          <a:fillRef idx="0">
+            <a:schemeClr val="accent1"/>
+          </a:fillRef>
+          <a:effectRef idx="0">
+            <a:schemeClr val="accent1"/>
+          </a:effectRef>
+          <a:fontRef idx="minor">
+            <a:schemeClr val="tx1"/>
+          </a:fontRef>
+        </p:style>
+      </p:cxnSp>
+      <p:sp>
+        <p:nvSpPr>
+          <p:cNvPr id="64" name="Oval 63"/>
+          <p:cNvSpPr/>
+          <p:nvPr/>
+        </p:nvSpPr>
+        <p:spPr>
+          <a:xfrm>
+            <a:off x="3851920" y="1196752"/>
+            <a:ext cx="576064" cy="576064"/>
+          </a:xfrm>
+          <a:prstGeom prst="ellipse">
+            <a:avLst/>
+          </a:prstGeom>
+          <a:solidFill>
+            <a:schemeClr val="bg1"/>
+          </a:solidFill>
+        </p:spPr>
+        <p:style>
+          <a:lnRef idx="2">
+            <a:schemeClr val="accent1">
+              <a:shade val="50000"/>
+            </a:schemeClr>
+          </a:lnRef>
+          <a:fillRef idx="1">
+            <a:schemeClr val="accent1"/>
+          </a:fillRef>
+          <a:effectRef idx="0">
+            <a:schemeClr val="accent1"/>
+          </a:effectRef>
+          <a:fontRef idx="minor">
+            <a:schemeClr val="lt1"/>
+          </a:fontRef>
+        </p:style>
+        <p:txBody>
+          <a:bodyPr rtlCol="0" anchor="ctr"/>
+          <a:lstStyle/>
+          <a:p>
+            <a:pPr algn="ctr"/>
+            <a:endParaRPr lang="en-GB"/>
+          </a:p>
+        </p:txBody>
+      </p:sp>
+      <p:sp>
+        <p:nvSpPr>
+          <p:cNvPr id="65" name="Oval 64"/>
+          <p:cNvSpPr/>
+          <p:nvPr/>
+        </p:nvSpPr>
+        <p:spPr>
+          <a:xfrm>
+            <a:off x="2843808" y="1196752"/>
+            <a:ext cx="576064" cy="576064"/>
+          </a:xfrm>
+          <a:prstGeom prst="ellipse">
+            <a:avLst/>
+          </a:prstGeom>
+          <a:solidFill>
+            <a:schemeClr val="bg1"/>
+          </a:solidFill>
+        </p:spPr>
+        <p:style>
+          <a:lnRef idx="2">
+            <a:schemeClr val="accent1">
+              <a:shade val="50000"/>
+            </a:schemeClr>
+          </a:lnRef>
+          <a:fillRef idx="1">
+            <a:schemeClr val="accent1"/>
+          </a:fillRef>
+          <a:effectRef idx="0">
+            <a:schemeClr val="accent1"/>
+          </a:effectRef>
+          <a:fontRef idx="minor">
+            <a:schemeClr val="lt1"/>
+          </a:fontRef>
+        </p:style>
+        <p:txBody>
+          <a:bodyPr rtlCol="0" anchor="ctr"/>
+          <a:lstStyle/>
+          <a:p>
+            <a:pPr algn="ctr"/>
+            <a:endParaRPr lang="en-GB"/>
+          </a:p>
+        </p:txBody>
+      </p:sp>
+      <p:sp>
+        <p:nvSpPr>
+          <p:cNvPr id="66" name="Oval 65"/>
+          <p:cNvSpPr/>
+          <p:nvPr/>
+        </p:nvSpPr>
+        <p:spPr>
+          <a:xfrm>
+            <a:off x="1870855" y="1201079"/>
+            <a:ext cx="576064" cy="576064"/>
+          </a:xfrm>
+          <a:prstGeom prst="ellipse">
+            <a:avLst/>
+          </a:prstGeom>
+          <a:solidFill>
+            <a:schemeClr val="bg1"/>
+          </a:solidFill>
+        </p:spPr>
+        <p:style>
+          <a:lnRef idx="2">
+            <a:schemeClr val="accent1">
+              <a:shade val="50000"/>
+            </a:schemeClr>
+          </a:lnRef>
+          <a:fillRef idx="1">
+            <a:schemeClr val="accent1"/>
+          </a:fillRef>
+          <a:effectRef idx="0">
+            <a:schemeClr val="accent1"/>
+          </a:effectRef>
+          <a:fontRef idx="minor">
+            <a:schemeClr val="lt1"/>
+          </a:fontRef>
+        </p:style>
+        <p:txBody>
+          <a:bodyPr rtlCol="0" anchor="ctr"/>
+          <a:lstStyle/>
+          <a:p>
+            <a:pPr algn="ctr"/>
+            <a:endParaRPr lang="en-GB"/>
+          </a:p>
+        </p:txBody>
+      </p:sp>
+      <p:sp>
+        <p:nvSpPr>
+          <p:cNvPr id="67" name="Oval 66"/>
+          <p:cNvSpPr/>
+          <p:nvPr/>
+        </p:nvSpPr>
+        <p:spPr>
+          <a:xfrm>
+            <a:off x="1863350" y="2060848"/>
+            <a:ext cx="576064" cy="576064"/>
+          </a:xfrm>
+          <a:prstGeom prst="ellipse">
+            <a:avLst/>
+          </a:prstGeom>
+          <a:solidFill>
+            <a:schemeClr val="bg1"/>
+          </a:solidFill>
+        </p:spPr>
+        <p:style>
+          <a:lnRef idx="2">
+            <a:schemeClr val="accent1">
+              <a:shade val="50000"/>
+            </a:schemeClr>
+          </a:lnRef>
+          <a:fillRef idx="1">
+            <a:schemeClr val="accent1"/>
+          </a:fillRef>
+          <a:effectRef idx="0">
+            <a:schemeClr val="accent1"/>
+          </a:effectRef>
+          <a:fontRef idx="minor">
+            <a:schemeClr val="lt1"/>
+          </a:fontRef>
+        </p:style>
+        <p:txBody>
+          <a:bodyPr rtlCol="0" anchor="ctr"/>
+          <a:lstStyle/>
+          <a:p>
+            <a:pPr algn="ctr"/>
+            <a:endParaRPr lang="en-GB"/>
+          </a:p>
+        </p:txBody>
+      </p:sp>
+      <p:sp>
+        <p:nvSpPr>
+          <p:cNvPr id="68" name="Oval 67"/>
+          <p:cNvSpPr/>
+          <p:nvPr/>
+        </p:nvSpPr>
+        <p:spPr>
+          <a:xfrm>
+            <a:off x="1863350" y="3055640"/>
+            <a:ext cx="576064" cy="576064"/>
+          </a:xfrm>
+          <a:prstGeom prst="ellipse">
+            <a:avLst/>
+          </a:prstGeom>
+          <a:solidFill>
+            <a:schemeClr val="bg1"/>
+          </a:solidFill>
+        </p:spPr>
+        <p:style>
+          <a:lnRef idx="2">
+            <a:schemeClr val="accent1">
+              <a:shade val="50000"/>
+            </a:schemeClr>
+          </a:lnRef>
+          <a:fillRef idx="1">
+            <a:schemeClr val="accent1"/>
+          </a:fillRef>
+          <a:effectRef idx="0">
+            <a:schemeClr val="accent1"/>
+          </a:effectRef>
+          <a:fontRef idx="minor">
+            <a:schemeClr val="lt1"/>
+          </a:fontRef>
+        </p:style>
+        <p:txBody>
+          <a:bodyPr rtlCol="0" anchor="ctr"/>
+          <a:lstStyle/>
+          <a:p>
+            <a:pPr algn="ctr"/>
+            <a:endParaRPr lang="en-GB"/>
+          </a:p>
+        </p:txBody>
+      </p:sp>
+      <p:sp>
+        <p:nvSpPr>
+          <p:cNvPr id="69" name="Oval 68"/>
+          <p:cNvSpPr/>
+          <p:nvPr/>
+        </p:nvSpPr>
+        <p:spPr>
+          <a:xfrm>
+            <a:off x="1899388" y="4221088"/>
+            <a:ext cx="576064" cy="576064"/>
+          </a:xfrm>
+          <a:prstGeom prst="ellipse">
+            <a:avLst/>
+          </a:prstGeom>
+          <a:solidFill>
+            <a:schemeClr val="bg1"/>
+          </a:solidFill>
+        </p:spPr>
+        <p:style>
+          <a:lnRef idx="2">
+            <a:schemeClr val="accent1">
+              <a:shade val="50000"/>
+            </a:schemeClr>
+          </a:lnRef>
+          <a:fillRef idx="1">
+            <a:schemeClr val="accent1"/>
+          </a:fillRef>
+          <a:effectRef idx="0">
+            <a:schemeClr val="accent1"/>
+          </a:effectRef>
+          <a:fontRef idx="minor">
+            <a:schemeClr val="lt1"/>
+          </a:fontRef>
+        </p:style>
+        <p:txBody>
+          <a:bodyPr rtlCol="0" anchor="ctr"/>
+          <a:lstStyle/>
+          <a:p>
+            <a:pPr algn="ctr"/>
+            <a:endParaRPr lang="en-GB"/>
+          </a:p>
+        </p:txBody>
+      </p:sp>
+      <p:sp>
+        <p:nvSpPr>
+          <p:cNvPr id="70" name="Oval 69"/>
+          <p:cNvSpPr/>
+          <p:nvPr/>
+        </p:nvSpPr>
+        <p:spPr>
+          <a:xfrm>
+            <a:off x="1870855" y="5301208"/>
+            <a:ext cx="576064" cy="576064"/>
+          </a:xfrm>
+          <a:prstGeom prst="ellipse">
+            <a:avLst/>
+          </a:prstGeom>
+          <a:solidFill>
+            <a:schemeClr val="bg1"/>
+          </a:solidFill>
+        </p:spPr>
+        <p:style>
+          <a:lnRef idx="2">
+            <a:schemeClr val="accent1">
+              <a:shade val="50000"/>
+            </a:schemeClr>
+          </a:lnRef>
+          <a:fillRef idx="1">
+            <a:schemeClr val="accent1"/>
+          </a:fillRef>
+          <a:effectRef idx="0">
+            <a:schemeClr val="accent1"/>
+          </a:effectRef>
+          <a:fontRef idx="minor">
+            <a:schemeClr val="lt1"/>
+          </a:fontRef>
+        </p:style>
+        <p:txBody>
+          <a:bodyPr rtlCol="0" anchor="ctr"/>
+          <a:lstStyle/>
+          <a:p>
+            <a:pPr algn="ctr"/>
+            <a:endParaRPr lang="en-GB"/>
+          </a:p>
+        </p:txBody>
+      </p:sp>
+      <p:sp>
+        <p:nvSpPr>
+          <p:cNvPr id="71" name="Oval 70"/>
+          <p:cNvSpPr/>
+          <p:nvPr/>
+        </p:nvSpPr>
+        <p:spPr>
+          <a:xfrm>
+            <a:off x="2904998" y="5301208"/>
+            <a:ext cx="576064" cy="576064"/>
+          </a:xfrm>
+          <a:prstGeom prst="ellipse">
+            <a:avLst/>
+          </a:prstGeom>
+          <a:solidFill>
+            <a:schemeClr val="bg1"/>
+          </a:solidFill>
+        </p:spPr>
+        <p:style>
+          <a:lnRef idx="2">
+            <a:schemeClr val="accent1">
+              <a:shade val="50000"/>
+            </a:schemeClr>
+          </a:lnRef>
+          <a:fillRef idx="1">
+            <a:schemeClr val="accent1"/>
+          </a:fillRef>
+          <a:effectRef idx="0">
+            <a:schemeClr val="accent1"/>
+          </a:effectRef>
+          <a:fontRef idx="minor">
+            <a:schemeClr val="lt1"/>
+          </a:fontRef>
+        </p:style>
+        <p:txBody>
+          <a:bodyPr rtlCol="0" anchor="ctr"/>
+          <a:lstStyle/>
+          <a:p>
+            <a:pPr algn="ctr"/>
+            <a:endParaRPr lang="en-GB"/>
+          </a:p>
+        </p:txBody>
+      </p:sp>
+      <p:sp>
+        <p:nvSpPr>
+          <p:cNvPr id="72" name="Oval 71"/>
+          <p:cNvSpPr/>
+          <p:nvPr/>
+        </p:nvSpPr>
+        <p:spPr>
+          <a:xfrm>
+            <a:off x="3851920" y="5301208"/>
+            <a:ext cx="576064" cy="576064"/>
+          </a:xfrm>
+          <a:prstGeom prst="ellipse">
+            <a:avLst/>
+          </a:prstGeom>
+          <a:solidFill>
+            <a:schemeClr val="bg1"/>
+          </a:solidFill>
+        </p:spPr>
+        <p:style>
+          <a:lnRef idx="2">
+            <a:schemeClr val="accent1">
+              <a:shade val="50000"/>
+            </a:schemeClr>
+          </a:lnRef>
+          <a:fillRef idx="1">
+            <a:schemeClr val="accent1"/>
+          </a:fillRef>
+          <a:effectRef idx="0">
+            <a:schemeClr val="accent1"/>
+          </a:effectRef>
+          <a:fontRef idx="minor">
+            <a:schemeClr val="lt1"/>
+          </a:fontRef>
+        </p:style>
+        <p:txBody>
+          <a:bodyPr rtlCol="0" anchor="ctr"/>
+          <a:lstStyle/>
+          <a:p>
+            <a:pPr algn="ctr"/>
+            <a:endParaRPr lang="en-GB"/>
+          </a:p>
+        </p:txBody>
+      </p:sp>
+      <p:sp>
+        <p:nvSpPr>
+          <p:cNvPr id="73" name="Oval 72"/>
+          <p:cNvSpPr/>
+          <p:nvPr/>
+        </p:nvSpPr>
+        <p:spPr>
+          <a:xfrm>
+            <a:off x="4830755" y="5305535"/>
+            <a:ext cx="576064" cy="576064"/>
+          </a:xfrm>
+          <a:prstGeom prst="ellipse">
+            <a:avLst/>
+          </a:prstGeom>
+          <a:solidFill>
+            <a:schemeClr val="bg1"/>
+          </a:solidFill>
+        </p:spPr>
+        <p:style>
+          <a:lnRef idx="2">
+            <a:schemeClr val="accent1">
+              <a:shade val="50000"/>
+            </a:schemeClr>
+          </a:lnRef>
+          <a:fillRef idx="1">
+            <a:schemeClr val="accent1"/>
+          </a:fillRef>
+          <a:effectRef idx="0">
+            <a:schemeClr val="accent1"/>
+          </a:effectRef>
+          <a:fontRef idx="minor">
+            <a:schemeClr val="lt1"/>
+          </a:fontRef>
+        </p:style>
+        <p:txBody>
+          <a:bodyPr rtlCol="0" anchor="ctr"/>
+          <a:lstStyle/>
+          <a:p>
+            <a:pPr algn="ctr"/>
+            <a:endParaRPr lang="en-GB"/>
+          </a:p>
+        </p:txBody>
+      </p:sp>
+      <p:sp>
+        <p:nvSpPr>
+          <p:cNvPr id="74" name="Oval 73"/>
+          <p:cNvSpPr/>
+          <p:nvPr/>
+        </p:nvSpPr>
+        <p:spPr>
+          <a:xfrm>
+            <a:off x="5796136" y="5294649"/>
+            <a:ext cx="576064" cy="576064"/>
+          </a:xfrm>
+          <a:prstGeom prst="ellipse">
+            <a:avLst/>
+          </a:prstGeom>
+          <a:solidFill>
+            <a:schemeClr val="bg1"/>
+          </a:solidFill>
+        </p:spPr>
+        <p:style>
+          <a:lnRef idx="2">
+            <a:schemeClr val="accent1">
+              <a:shade val="50000"/>
+            </a:schemeClr>
+          </a:lnRef>
+          <a:fillRef idx="1">
+            <a:schemeClr val="accent1"/>
+          </a:fillRef>
+          <a:effectRef idx="0">
+            <a:schemeClr val="accent1"/>
+          </a:effectRef>
+          <a:fontRef idx="minor">
+            <a:schemeClr val="lt1"/>
+          </a:fontRef>
+        </p:style>
+        <p:txBody>
+          <a:bodyPr rtlCol="0" anchor="ctr"/>
+          <a:lstStyle/>
+          <a:p>
+            <a:pPr algn="ctr"/>
+            <a:endParaRPr lang="en-GB"/>
+          </a:p>
+        </p:txBody>
+      </p:sp>
+      <p:sp>
+        <p:nvSpPr>
+          <p:cNvPr id="75" name="Oval 74"/>
+          <p:cNvSpPr/>
+          <p:nvPr/>
+        </p:nvSpPr>
+        <p:spPr>
+          <a:xfrm>
+            <a:off x="5796136" y="4221088"/>
+            <a:ext cx="576064" cy="576064"/>
+          </a:xfrm>
+          <a:prstGeom prst="ellipse">
+            <a:avLst/>
+          </a:prstGeom>
+          <a:solidFill>
+            <a:schemeClr val="bg1"/>
+          </a:solidFill>
+        </p:spPr>
+        <p:style>
+          <a:lnRef idx="2">
+            <a:schemeClr val="accent1">
+              <a:shade val="50000"/>
+            </a:schemeClr>
+          </a:lnRef>
+          <a:fillRef idx="1">
+            <a:schemeClr val="accent1"/>
+          </a:fillRef>
+          <a:effectRef idx="0">
+            <a:schemeClr val="accent1"/>
+          </a:effectRef>
+          <a:fontRef idx="minor">
+            <a:schemeClr val="lt1"/>
+          </a:fontRef>
+        </p:style>
+        <p:txBody>
+          <a:bodyPr rtlCol="0" anchor="ctr"/>
+          <a:lstStyle/>
+          <a:p>
+            <a:pPr algn="ctr"/>
+            <a:endParaRPr lang="en-GB"/>
+          </a:p>
+        </p:txBody>
+      </p:sp>
+      <p:sp>
+        <p:nvSpPr>
+          <p:cNvPr id="76" name="Oval 75"/>
+          <p:cNvSpPr/>
+          <p:nvPr/>
+        </p:nvSpPr>
+        <p:spPr>
+          <a:xfrm>
+            <a:off x="5796136" y="3055640"/>
+            <a:ext cx="576064" cy="576064"/>
+          </a:xfrm>
+          <a:prstGeom prst="ellipse">
+            <a:avLst/>
+          </a:prstGeom>
+          <a:solidFill>
+            <a:schemeClr val="bg1"/>
+          </a:solidFill>
+        </p:spPr>
+        <p:style>
+          <a:lnRef idx="2">
+            <a:schemeClr val="accent1">
+              <a:shade val="50000"/>
+            </a:schemeClr>
+          </a:lnRef>
+          <a:fillRef idx="1">
+            <a:schemeClr val="accent1"/>
+          </a:fillRef>
+          <a:effectRef idx="0">
+            <a:schemeClr val="accent1"/>
+          </a:effectRef>
+          <a:fontRef idx="minor">
+            <a:schemeClr val="lt1"/>
+          </a:fontRef>
+        </p:style>
+        <p:txBody>
+          <a:bodyPr rtlCol="0" anchor="ctr"/>
+          <a:lstStyle/>
+          <a:p>
+            <a:pPr algn="ctr"/>
+            <a:endParaRPr lang="en-GB"/>
+          </a:p>
+        </p:txBody>
+      </p:sp>
+      <p:sp>
+        <p:nvSpPr>
+          <p:cNvPr id="77" name="Oval 76"/>
+          <p:cNvSpPr/>
+          <p:nvPr/>
+        </p:nvSpPr>
+        <p:spPr>
+          <a:xfrm>
+            <a:off x="5796136" y="2054289"/>
+            <a:ext cx="576064" cy="576064"/>
+          </a:xfrm>
+          <a:prstGeom prst="ellipse">
+            <a:avLst/>
+          </a:prstGeom>
+          <a:solidFill>
+            <a:schemeClr val="bg1"/>
+          </a:solidFill>
+        </p:spPr>
+        <p:style>
+          <a:lnRef idx="2">
+            <a:schemeClr val="accent1">
+              <a:shade val="50000"/>
+            </a:schemeClr>
+          </a:lnRef>
+          <a:fillRef idx="1">
+            <a:schemeClr val="accent1"/>
+          </a:fillRef>
+          <a:effectRef idx="0">
+            <a:schemeClr val="accent1"/>
+          </a:effectRef>
+          <a:fontRef idx="minor">
+            <a:schemeClr val="lt1"/>
+          </a:fontRef>
+        </p:style>
+        <p:txBody>
+          <a:bodyPr rtlCol="0" anchor="ctr"/>
+          <a:lstStyle/>
+          <a:p>
+            <a:pPr algn="ctr"/>
+            <a:endParaRPr lang="en-GB"/>
+          </a:p>
+        </p:txBody>
+      </p:sp>
+      <p:sp>
+        <p:nvSpPr>
+          <p:cNvPr id="78" name="Oval 77"/>
+          <p:cNvSpPr/>
+          <p:nvPr/>
+        </p:nvSpPr>
+        <p:spPr>
+          <a:xfrm>
+            <a:off x="5777745" y="1172749"/>
+            <a:ext cx="576064" cy="576064"/>
+          </a:xfrm>
+          <a:prstGeom prst="ellipse">
+            <a:avLst/>
+          </a:prstGeom>
+          <a:solidFill>
+            <a:schemeClr val="bg1"/>
+          </a:solidFill>
+        </p:spPr>
+        <p:style>
+          <a:lnRef idx="2">
+            <a:schemeClr val="accent1">
+              <a:shade val="50000"/>
+            </a:schemeClr>
+          </a:lnRef>
+          <a:fillRef idx="1">
+            <a:schemeClr val="accent1"/>
+          </a:fillRef>
+          <a:effectRef idx="0">
+            <a:schemeClr val="accent1"/>
+          </a:effectRef>
+          <a:fontRef idx="minor">
+            <a:schemeClr val="lt1"/>
+          </a:fontRef>
+        </p:style>
+        <p:txBody>
+          <a:bodyPr rtlCol="0" anchor="ctr"/>
+          <a:lstStyle/>
+          <a:p>
+            <a:pPr algn="ctr"/>
+            <a:endParaRPr lang="en-GB"/>
+          </a:p>
+        </p:txBody>
+      </p:sp>
+      <p:sp>
+        <p:nvSpPr>
+          <p:cNvPr id="79" name="Oval 78"/>
+          <p:cNvSpPr/>
+          <p:nvPr/>
+        </p:nvSpPr>
+        <p:spPr>
+          <a:xfrm>
+            <a:off x="4860032" y="1172749"/>
+            <a:ext cx="576064" cy="576064"/>
+          </a:xfrm>
+          <a:prstGeom prst="ellipse">
+            <a:avLst/>
+          </a:prstGeom>
+          <a:solidFill>
+            <a:schemeClr val="bg1"/>
+          </a:solidFill>
+        </p:spPr>
+        <p:style>
+          <a:lnRef idx="2">
+            <a:schemeClr val="accent1">
+              <a:shade val="50000"/>
+            </a:schemeClr>
+          </a:lnRef>
+          <a:fillRef idx="1">
+            <a:schemeClr val="accent1"/>
+          </a:fillRef>
+          <a:effectRef idx="0">
+            <a:schemeClr val="accent1"/>
+          </a:effectRef>
+          <a:fontRef idx="minor">
+            <a:schemeClr val="lt1"/>
+          </a:fontRef>
+        </p:style>
+        <p:txBody>
+          <a:bodyPr rtlCol="0" anchor="ctr"/>
+          <a:lstStyle/>
+          <a:p>
+            <a:pPr algn="ctr"/>
+            <a:endParaRPr lang="en-GB"/>
+          </a:p>
+        </p:txBody>
+      </p:sp>
+      <p:sp>
+        <p:nvSpPr>
+          <p:cNvPr id="46" name="Oval 45"/>
+          <p:cNvSpPr/>
+          <p:nvPr/>
+        </p:nvSpPr>
+        <p:spPr>
+          <a:xfrm>
+            <a:off x="3829337" y="3055640"/>
+            <a:ext cx="576064" cy="576064"/>
+          </a:xfrm>
+          <a:prstGeom prst="ellipse">
+            <a:avLst/>
+          </a:prstGeom>
+          <a:noFill/>
+          <a:ln>
+            <a:prstDash val="dashDot"/>
+          </a:ln>
+        </p:spPr>
+        <p:style>
+          <a:lnRef idx="2">
+            <a:schemeClr val="accent1">
+              <a:shade val="50000"/>
+            </a:schemeClr>
+          </a:lnRef>
+          <a:fillRef idx="1">
+            <a:schemeClr val="accent1"/>
+          </a:fillRef>
+          <a:effectRef idx="0">
+            <a:schemeClr val="accent1"/>
+          </a:effectRef>
+          <a:fontRef idx="minor">
+            <a:schemeClr val="lt1"/>
+          </a:fontRef>
+        </p:style>
+        <p:txBody>
+          <a:bodyPr rtlCol="0" anchor="ctr"/>
+          <a:lstStyle/>
+          <a:p>
+            <a:pPr algn="ctr"/>
+            <a:endParaRPr lang="en-GB"/>
+          </a:p>
+        </p:txBody>
+      </p:sp>
+      <p:sp>
+        <p:nvSpPr>
+          <p:cNvPr id="47" name="TextBox 46"/>
+          <p:cNvSpPr txBox="1"/>
+          <p:nvPr/>
+        </p:nvSpPr>
+        <p:spPr>
+          <a:xfrm>
+            <a:off x="7092280" y="855045"/>
+            <a:ext cx="2016224" cy="584775"/>
+          </a:xfrm>
+          <a:prstGeom prst="rect">
+            <a:avLst/>
+          </a:prstGeom>
+          <a:noFill/>
+        </p:spPr>
+        <p:txBody>
+          <a:bodyPr wrap="square" rtlCol="0">
+            <a:spAutoFit/>
+          </a:bodyPr>
+          <a:lstStyle/>
+          <a:p>
+            <a:r>
+              <a:rPr lang="en-GB" sz="3200" dirty="0" smtClean="0"/>
+              <a:t>Legal</a:t>
+            </a:r>
+            <a:endParaRPr lang="en-GB" sz="3200" dirty="0"/>
+          </a:p>
+        </p:txBody>
+      </p:sp>
+    </p:spTree>
+    <p:extLst>
+      <p:ext uri="{BB962C8B-B14F-4D97-AF65-F5344CB8AC3E}">
+        <p14:creationId xmlns:p14="http://schemas.microsoft.com/office/powerpoint/2010/main" val="1287573315"/>
+      </p:ext>
+    </p:extLst>
+  </p:cSld>
+  <p:clrMapOvr>
+    <a:masterClrMapping/>
+  </p:clrMapOvr>
+</p:sld>
+</file>
+
+<file path=ppt/slides/slide5.xml><?xml version="1.0" encoding="utf-8"?>
+<p:sld xmlns:a="http://schemas.openxmlformats.org/drawingml/2006/main" xmlns:r="http://schemas.openxmlformats.org/officeDocument/2006/relationships" xmlns:p="http://schemas.openxmlformats.org/presentationml/2006/main">
+  <p:cSld>
+    <p:spTree>
+      <p:nvGrpSpPr>
+        <p:cNvPr id="1" name=""/>
+        <p:cNvGrpSpPr/>
+        <p:nvPr/>
+      </p:nvGrpSpPr>
+      <p:grpSpPr>
+        <a:xfrm>
+          <a:off x="0" y="0"/>
+          <a:ext cx="0" cy="0"/>
+          <a:chOff x="0" y="0"/>
+          <a:chExt cx="0" cy="0"/>
+        </a:xfrm>
+      </p:grpSpPr>
+      <p:cxnSp>
+        <p:nvCxnSpPr>
+          <p:cNvPr id="5" name="Straight Connector 4"/>
+          <p:cNvCxnSpPr/>
+          <p:nvPr/>
+        </p:nvCxnSpPr>
+        <p:spPr>
+          <a:xfrm>
+            <a:off x="1187624" y="260648"/>
+            <a:ext cx="0" cy="6336704"/>
+          </a:xfrm>
+          <a:prstGeom prst="line">
+            <a:avLst/>
+          </a:prstGeom>
+        </p:spPr>
+        <p:style>
+          <a:lnRef idx="1">
+            <a:schemeClr val="accent1"/>
+          </a:lnRef>
+          <a:fillRef idx="0">
+            <a:schemeClr val="accent1"/>
+          </a:fillRef>
+          <a:effectRef idx="0">
+            <a:schemeClr val="accent1"/>
+          </a:effectRef>
+          <a:fontRef idx="minor">
+            <a:schemeClr val="tx1"/>
+          </a:fontRef>
+        </p:style>
+      </p:cxnSp>
+      <p:cxnSp>
+        <p:nvCxnSpPr>
+          <p:cNvPr id="7" name="Straight Connector 6"/>
+          <p:cNvCxnSpPr/>
+          <p:nvPr/>
+        </p:nvCxnSpPr>
+        <p:spPr>
+          <a:xfrm>
+            <a:off x="2158887" y="260648"/>
+            <a:ext cx="0" cy="6408712"/>
+          </a:xfrm>
+          <a:prstGeom prst="line">
+            <a:avLst/>
+          </a:prstGeom>
+        </p:spPr>
+        <p:style>
+          <a:lnRef idx="1">
+            <a:schemeClr val="accent1"/>
+          </a:lnRef>
+          <a:fillRef idx="0">
+            <a:schemeClr val="accent1"/>
+          </a:fillRef>
+          <a:effectRef idx="0">
+            <a:schemeClr val="accent1"/>
+          </a:effectRef>
+          <a:fontRef idx="minor">
+            <a:schemeClr val="tx1"/>
+          </a:fontRef>
+        </p:style>
+      </p:cxnSp>
+      <p:cxnSp>
+        <p:nvCxnSpPr>
+          <p:cNvPr id="9" name="Straight Connector 8"/>
+          <p:cNvCxnSpPr/>
+          <p:nvPr/>
+        </p:nvCxnSpPr>
+        <p:spPr>
+          <a:xfrm>
+            <a:off x="3163753" y="188640"/>
+            <a:ext cx="0" cy="6480720"/>
+          </a:xfrm>
+          <a:prstGeom prst="line">
+            <a:avLst/>
+          </a:prstGeom>
+        </p:spPr>
+        <p:style>
+          <a:lnRef idx="1">
+            <a:schemeClr val="accent1"/>
+          </a:lnRef>
+          <a:fillRef idx="0">
+            <a:schemeClr val="accent1"/>
+          </a:fillRef>
+          <a:effectRef idx="0">
+            <a:schemeClr val="accent1"/>
+          </a:effectRef>
+          <a:fontRef idx="minor">
+            <a:schemeClr val="tx1"/>
+          </a:fontRef>
+        </p:style>
+      </p:cxnSp>
+      <p:cxnSp>
+        <p:nvCxnSpPr>
+          <p:cNvPr id="11" name="Straight Connector 10"/>
+          <p:cNvCxnSpPr/>
+          <p:nvPr/>
+        </p:nvCxnSpPr>
+        <p:spPr>
+          <a:xfrm>
+            <a:off x="4139952" y="260648"/>
+            <a:ext cx="0" cy="6408712"/>
+          </a:xfrm>
+          <a:prstGeom prst="line">
+            <a:avLst/>
+          </a:prstGeom>
+        </p:spPr>
+        <p:style>
+          <a:lnRef idx="1">
+            <a:schemeClr val="accent1"/>
+          </a:lnRef>
+          <a:fillRef idx="0">
+            <a:schemeClr val="accent1"/>
+          </a:fillRef>
+          <a:effectRef idx="0">
+            <a:schemeClr val="accent1"/>
+          </a:effectRef>
+          <a:fontRef idx="minor">
+            <a:schemeClr val="tx1"/>
+          </a:fontRef>
+        </p:style>
+      </p:cxnSp>
+      <p:cxnSp>
+        <p:nvCxnSpPr>
+          <p:cNvPr id="13" name="Straight Connector 12"/>
+          <p:cNvCxnSpPr/>
+          <p:nvPr/>
+        </p:nvCxnSpPr>
+        <p:spPr>
+          <a:xfrm>
+            <a:off x="5148064" y="188640"/>
+            <a:ext cx="0" cy="6408712"/>
+          </a:xfrm>
+          <a:prstGeom prst="line">
+            <a:avLst/>
+          </a:prstGeom>
+        </p:spPr>
+        <p:style>
+          <a:lnRef idx="1">
+            <a:schemeClr val="accent1"/>
+          </a:lnRef>
+          <a:fillRef idx="0">
+            <a:schemeClr val="accent1"/>
+          </a:fillRef>
+          <a:effectRef idx="0">
+            <a:schemeClr val="accent1"/>
+          </a:effectRef>
+          <a:fontRef idx="minor">
+            <a:schemeClr val="tx1"/>
+          </a:fontRef>
+        </p:style>
+      </p:cxnSp>
+      <p:cxnSp>
+        <p:nvCxnSpPr>
+          <p:cNvPr id="19" name="Straight Connector 18"/>
+          <p:cNvCxnSpPr/>
+          <p:nvPr/>
+        </p:nvCxnSpPr>
+        <p:spPr>
+          <a:xfrm>
+            <a:off x="6084168" y="188640"/>
+            <a:ext cx="0" cy="6408712"/>
+          </a:xfrm>
+          <a:prstGeom prst="line">
+            <a:avLst/>
+          </a:prstGeom>
+        </p:spPr>
+        <p:style>
+          <a:lnRef idx="1">
+            <a:schemeClr val="accent1"/>
+          </a:lnRef>
+          <a:fillRef idx="0">
+            <a:schemeClr val="accent1"/>
+          </a:fillRef>
+          <a:effectRef idx="0">
+            <a:schemeClr val="accent1"/>
+          </a:effectRef>
+          <a:fontRef idx="minor">
+            <a:schemeClr val="tx1"/>
+          </a:fontRef>
+        </p:style>
+      </p:cxnSp>
+      <p:cxnSp>
+        <p:nvCxnSpPr>
+          <p:cNvPr id="21" name="Straight Connector 20"/>
+          <p:cNvCxnSpPr/>
+          <p:nvPr/>
+        </p:nvCxnSpPr>
+        <p:spPr>
+          <a:xfrm>
+            <a:off x="611560" y="1484784"/>
+            <a:ext cx="7920880" cy="0"/>
+          </a:xfrm>
+          <a:prstGeom prst="line">
+            <a:avLst/>
+          </a:prstGeom>
+        </p:spPr>
+        <p:style>
+          <a:lnRef idx="1">
+            <a:schemeClr val="accent1"/>
+          </a:lnRef>
+          <a:fillRef idx="0">
+            <a:schemeClr val="accent1"/>
+          </a:fillRef>
+          <a:effectRef idx="0">
+            <a:schemeClr val="accent1"/>
+          </a:effectRef>
+          <a:fontRef idx="minor">
+            <a:schemeClr val="tx1"/>
+          </a:fontRef>
+        </p:style>
+      </p:cxnSp>
+      <p:cxnSp>
+        <p:nvCxnSpPr>
+          <p:cNvPr id="23" name="Straight Connector 22"/>
+          <p:cNvCxnSpPr/>
+          <p:nvPr/>
+        </p:nvCxnSpPr>
+        <p:spPr>
+          <a:xfrm>
+            <a:off x="611560" y="2348880"/>
+            <a:ext cx="8208912" cy="0"/>
+          </a:xfrm>
+          <a:prstGeom prst="line">
+            <a:avLst/>
+          </a:prstGeom>
+        </p:spPr>
+        <p:style>
+          <a:lnRef idx="1">
+            <a:schemeClr val="accent1"/>
+          </a:lnRef>
+          <a:fillRef idx="0">
+            <a:schemeClr val="accent1"/>
+          </a:fillRef>
+          <a:effectRef idx="0">
+            <a:schemeClr val="accent1"/>
+          </a:effectRef>
+          <a:fontRef idx="minor">
+            <a:schemeClr val="tx1"/>
+          </a:fontRef>
+        </p:style>
+      </p:cxnSp>
+      <p:cxnSp>
+        <p:nvCxnSpPr>
+          <p:cNvPr id="25" name="Straight Connector 24"/>
+          <p:cNvCxnSpPr/>
+          <p:nvPr/>
+        </p:nvCxnSpPr>
+        <p:spPr>
+          <a:xfrm flipV="1">
+            <a:off x="467544" y="3350332"/>
+            <a:ext cx="8208912" cy="3330"/>
+          </a:xfrm>
+          <a:prstGeom prst="line">
+            <a:avLst/>
+          </a:prstGeom>
+        </p:spPr>
+        <p:style>
+          <a:lnRef idx="1">
+            <a:schemeClr val="accent1"/>
+          </a:lnRef>
+          <a:fillRef idx="0">
+            <a:schemeClr val="accent1"/>
+          </a:fillRef>
+          <a:effectRef idx="0">
+            <a:schemeClr val="accent1"/>
+          </a:effectRef>
+          <a:fontRef idx="minor">
+            <a:schemeClr val="tx1"/>
+          </a:fontRef>
+        </p:style>
+      </p:cxnSp>
+      <p:cxnSp>
+        <p:nvCxnSpPr>
+          <p:cNvPr id="27" name="Straight Connector 26"/>
+          <p:cNvCxnSpPr/>
+          <p:nvPr/>
+        </p:nvCxnSpPr>
+        <p:spPr>
+          <a:xfrm>
+            <a:off x="467544" y="4509120"/>
+            <a:ext cx="8064896" cy="0"/>
+          </a:xfrm>
+          <a:prstGeom prst="line">
+            <a:avLst/>
+          </a:prstGeom>
+        </p:spPr>
+        <p:style>
+          <a:lnRef idx="1">
+            <a:schemeClr val="accent1"/>
+          </a:lnRef>
+          <a:fillRef idx="0">
+            <a:schemeClr val="accent1"/>
+          </a:fillRef>
+          <a:effectRef idx="0">
+            <a:schemeClr val="accent1"/>
+          </a:effectRef>
+          <a:fontRef idx="minor">
+            <a:schemeClr val="tx1"/>
+          </a:fontRef>
+        </p:style>
+      </p:cxnSp>
+      <p:cxnSp>
+        <p:nvCxnSpPr>
+          <p:cNvPr id="29" name="Straight Connector 28"/>
+          <p:cNvCxnSpPr/>
+          <p:nvPr/>
+        </p:nvCxnSpPr>
+        <p:spPr>
+          <a:xfrm>
+            <a:off x="467544" y="5589240"/>
+            <a:ext cx="7920880" cy="0"/>
+          </a:xfrm>
+          <a:prstGeom prst="line">
+            <a:avLst/>
+          </a:prstGeom>
+        </p:spPr>
+        <p:style>
+          <a:lnRef idx="1">
+            <a:schemeClr val="accent1"/>
+          </a:lnRef>
+          <a:fillRef idx="0">
+            <a:schemeClr val="accent1"/>
+          </a:fillRef>
+          <a:effectRef idx="0">
+            <a:schemeClr val="accent1"/>
+          </a:effectRef>
+          <a:fontRef idx="minor">
+            <a:schemeClr val="tx1"/>
+          </a:fontRef>
+        </p:style>
+      </p:cxnSp>
+      <p:cxnSp>
+        <p:nvCxnSpPr>
+          <p:cNvPr id="56" name="Straight Connector 55"/>
+          <p:cNvCxnSpPr/>
+          <p:nvPr/>
+        </p:nvCxnSpPr>
+        <p:spPr>
+          <a:xfrm>
+            <a:off x="7092280" y="224644"/>
+            <a:ext cx="0" cy="6192688"/>
+          </a:xfrm>
+          <a:prstGeom prst="line">
+            <a:avLst/>
+          </a:prstGeom>
+        </p:spPr>
+        <p:style>
+          <a:lnRef idx="1">
+            <a:schemeClr val="accent1"/>
+          </a:lnRef>
+          <a:fillRef idx="0">
+            <a:schemeClr val="accent1"/>
+          </a:fillRef>
+          <a:effectRef idx="0">
+            <a:schemeClr val="accent1"/>
+          </a:effectRef>
+          <a:fontRef idx="minor">
+            <a:schemeClr val="tx1"/>
+          </a:fontRef>
+        </p:style>
+      </p:cxnSp>
+      <p:cxnSp>
+        <p:nvCxnSpPr>
+          <p:cNvPr id="58" name="Straight Connector 57"/>
+          <p:cNvCxnSpPr/>
+          <p:nvPr/>
+        </p:nvCxnSpPr>
+        <p:spPr>
+          <a:xfrm>
+            <a:off x="8100392" y="188640"/>
+            <a:ext cx="72008" cy="6264696"/>
+          </a:xfrm>
+          <a:prstGeom prst="line">
+            <a:avLst/>
+          </a:prstGeom>
+        </p:spPr>
+        <p:style>
+          <a:lnRef idx="1">
+            <a:schemeClr val="accent1"/>
+          </a:lnRef>
+          <a:fillRef idx="0">
+            <a:schemeClr val="accent1"/>
+          </a:fillRef>
+          <a:effectRef idx="0">
+            <a:schemeClr val="accent1"/>
+          </a:effectRef>
+          <a:fontRef idx="minor">
+            <a:schemeClr val="tx1"/>
+          </a:fontRef>
+        </p:style>
+      </p:cxnSp>
+      <p:sp>
+        <p:nvSpPr>
+          <p:cNvPr id="64" name="Oval 63"/>
+          <p:cNvSpPr/>
+          <p:nvPr/>
+        </p:nvSpPr>
+        <p:spPr>
+          <a:xfrm>
+            <a:off x="3851920" y="1196752"/>
+            <a:ext cx="576064" cy="576064"/>
+          </a:xfrm>
+          <a:prstGeom prst="ellipse">
+            <a:avLst/>
+          </a:prstGeom>
+          <a:solidFill>
+            <a:schemeClr val="bg1"/>
+          </a:solidFill>
+        </p:spPr>
+        <p:style>
+          <a:lnRef idx="2">
+            <a:schemeClr val="accent1">
+              <a:shade val="50000"/>
+            </a:schemeClr>
+          </a:lnRef>
+          <a:fillRef idx="1">
+            <a:schemeClr val="accent1"/>
+          </a:fillRef>
+          <a:effectRef idx="0">
+            <a:schemeClr val="accent1"/>
+          </a:effectRef>
+          <a:fontRef idx="minor">
+            <a:schemeClr val="lt1"/>
+          </a:fontRef>
+        </p:style>
+        <p:txBody>
+          <a:bodyPr rtlCol="0" anchor="ctr"/>
+          <a:lstStyle/>
+          <a:p>
+            <a:pPr algn="ctr"/>
+            <a:endParaRPr lang="en-GB"/>
+          </a:p>
+        </p:txBody>
+      </p:sp>
+      <p:sp>
+        <p:nvSpPr>
+          <p:cNvPr id="65" name="Oval 64"/>
+          <p:cNvSpPr/>
+          <p:nvPr/>
+        </p:nvSpPr>
+        <p:spPr>
+          <a:xfrm>
+            <a:off x="2843808" y="1196752"/>
+            <a:ext cx="576064" cy="576064"/>
+          </a:xfrm>
+          <a:prstGeom prst="ellipse">
+            <a:avLst/>
+          </a:prstGeom>
+          <a:solidFill>
+            <a:schemeClr val="bg1"/>
+          </a:solidFill>
+        </p:spPr>
+        <p:style>
+          <a:lnRef idx="2">
+            <a:schemeClr val="accent1">
+              <a:shade val="50000"/>
+            </a:schemeClr>
+          </a:lnRef>
+          <a:fillRef idx="1">
+            <a:schemeClr val="accent1"/>
+          </a:fillRef>
+          <a:effectRef idx="0">
+            <a:schemeClr val="accent1"/>
+          </a:effectRef>
+          <a:fontRef idx="minor">
+            <a:schemeClr val="lt1"/>
+          </a:fontRef>
+        </p:style>
+        <p:txBody>
+          <a:bodyPr rtlCol="0" anchor="ctr"/>
+          <a:lstStyle/>
+          <a:p>
+            <a:pPr algn="ctr"/>
+            <a:endParaRPr lang="en-GB"/>
+          </a:p>
+        </p:txBody>
+      </p:sp>
+      <p:sp>
+        <p:nvSpPr>
+          <p:cNvPr id="66" name="Oval 65"/>
+          <p:cNvSpPr/>
+          <p:nvPr/>
+        </p:nvSpPr>
+        <p:spPr>
+          <a:xfrm>
+            <a:off x="1870855" y="1201079"/>
+            <a:ext cx="576064" cy="576064"/>
+          </a:xfrm>
+          <a:prstGeom prst="ellipse">
+            <a:avLst/>
+          </a:prstGeom>
+          <a:solidFill>
+            <a:schemeClr val="bg1"/>
+          </a:solidFill>
+        </p:spPr>
+        <p:style>
+          <a:lnRef idx="2">
+            <a:schemeClr val="accent1">
+              <a:shade val="50000"/>
+            </a:schemeClr>
+          </a:lnRef>
+          <a:fillRef idx="1">
+            <a:schemeClr val="accent1"/>
+          </a:fillRef>
+          <a:effectRef idx="0">
+            <a:schemeClr val="accent1"/>
+          </a:effectRef>
+          <a:fontRef idx="minor">
+            <a:schemeClr val="lt1"/>
+          </a:fontRef>
+        </p:style>
+        <p:txBody>
+          <a:bodyPr rtlCol="0" anchor="ctr"/>
+          <a:lstStyle/>
+          <a:p>
+            <a:pPr algn="ctr"/>
+            <a:endParaRPr lang="en-GB"/>
+          </a:p>
+        </p:txBody>
+      </p:sp>
+      <p:sp>
+        <p:nvSpPr>
+          <p:cNvPr id="67" name="Oval 66"/>
+          <p:cNvSpPr/>
+          <p:nvPr/>
+        </p:nvSpPr>
+        <p:spPr>
+          <a:xfrm>
+            <a:off x="1863350" y="2060848"/>
+            <a:ext cx="576064" cy="576064"/>
+          </a:xfrm>
+          <a:prstGeom prst="ellipse">
+            <a:avLst/>
+          </a:prstGeom>
+          <a:solidFill>
+            <a:schemeClr val="bg1"/>
+          </a:solidFill>
+        </p:spPr>
+        <p:style>
+          <a:lnRef idx="2">
+            <a:schemeClr val="accent1">
+              <a:shade val="50000"/>
+            </a:schemeClr>
+          </a:lnRef>
+          <a:fillRef idx="1">
+            <a:schemeClr val="accent1"/>
+          </a:fillRef>
+          <a:effectRef idx="0">
+            <a:schemeClr val="accent1"/>
+          </a:effectRef>
+          <a:fontRef idx="minor">
+            <a:schemeClr val="lt1"/>
+          </a:fontRef>
+        </p:style>
+        <p:txBody>
+          <a:bodyPr rtlCol="0" anchor="ctr"/>
+          <a:lstStyle/>
+          <a:p>
+            <a:pPr algn="ctr"/>
+            <a:endParaRPr lang="en-GB"/>
+          </a:p>
+        </p:txBody>
+      </p:sp>
+      <p:sp>
+        <p:nvSpPr>
+          <p:cNvPr id="68" name="Oval 67"/>
+          <p:cNvSpPr/>
+          <p:nvPr/>
+        </p:nvSpPr>
+        <p:spPr>
+          <a:xfrm>
+            <a:off x="1863350" y="3055640"/>
+            <a:ext cx="576064" cy="576064"/>
+          </a:xfrm>
+          <a:prstGeom prst="ellipse">
+            <a:avLst/>
+          </a:prstGeom>
+          <a:solidFill>
+            <a:schemeClr val="bg1"/>
+          </a:solidFill>
+        </p:spPr>
+        <p:style>
+          <a:lnRef idx="2">
+            <a:schemeClr val="accent1">
+              <a:shade val="50000"/>
+            </a:schemeClr>
+          </a:lnRef>
+          <a:fillRef idx="1">
+            <a:schemeClr val="accent1"/>
+          </a:fillRef>
+          <a:effectRef idx="0">
+            <a:schemeClr val="accent1"/>
+          </a:effectRef>
+          <a:fontRef idx="minor">
+            <a:schemeClr val="lt1"/>
+          </a:fontRef>
+        </p:style>
+        <p:txBody>
+          <a:bodyPr rtlCol="0" anchor="ctr"/>
+          <a:lstStyle/>
+          <a:p>
+            <a:pPr algn="ctr"/>
+            <a:endParaRPr lang="en-GB"/>
+          </a:p>
+        </p:txBody>
+      </p:sp>
+      <p:sp>
+        <p:nvSpPr>
+          <p:cNvPr id="69" name="Oval 68"/>
+          <p:cNvSpPr/>
+          <p:nvPr/>
+        </p:nvSpPr>
+        <p:spPr>
+          <a:xfrm>
+            <a:off x="1899388" y="4221088"/>
+            <a:ext cx="576064" cy="576064"/>
+          </a:xfrm>
+          <a:prstGeom prst="ellipse">
+            <a:avLst/>
+          </a:prstGeom>
+          <a:solidFill>
+            <a:schemeClr val="bg1"/>
+          </a:solidFill>
+        </p:spPr>
+        <p:style>
+          <a:lnRef idx="2">
+            <a:schemeClr val="accent1">
+              <a:shade val="50000"/>
+            </a:schemeClr>
+          </a:lnRef>
+          <a:fillRef idx="1">
+            <a:schemeClr val="accent1"/>
+          </a:fillRef>
+          <a:effectRef idx="0">
+            <a:schemeClr val="accent1"/>
+          </a:effectRef>
+          <a:fontRef idx="minor">
+            <a:schemeClr val="lt1"/>
+          </a:fontRef>
+        </p:style>
+        <p:txBody>
+          <a:bodyPr rtlCol="0" anchor="ctr"/>
+          <a:lstStyle/>
+          <a:p>
+            <a:pPr algn="ctr"/>
+            <a:endParaRPr lang="en-GB"/>
+          </a:p>
+        </p:txBody>
+      </p:sp>
+      <p:sp>
+        <p:nvSpPr>
+          <p:cNvPr id="70" name="Oval 69"/>
+          <p:cNvSpPr/>
+          <p:nvPr/>
+        </p:nvSpPr>
+        <p:spPr>
+          <a:xfrm>
+            <a:off x="1870855" y="5301208"/>
+            <a:ext cx="576064" cy="576064"/>
+          </a:xfrm>
+          <a:prstGeom prst="ellipse">
+            <a:avLst/>
+          </a:prstGeom>
+          <a:solidFill>
+            <a:schemeClr val="bg1"/>
+          </a:solidFill>
+        </p:spPr>
+        <p:style>
+          <a:lnRef idx="2">
+            <a:schemeClr val="accent1">
+              <a:shade val="50000"/>
+            </a:schemeClr>
+          </a:lnRef>
+          <a:fillRef idx="1">
+            <a:schemeClr val="accent1"/>
+          </a:fillRef>
+          <a:effectRef idx="0">
+            <a:schemeClr val="accent1"/>
+          </a:effectRef>
+          <a:fontRef idx="minor">
+            <a:schemeClr val="lt1"/>
+          </a:fontRef>
+        </p:style>
+        <p:txBody>
+          <a:bodyPr rtlCol="0" anchor="ctr"/>
+          <a:lstStyle/>
+          <a:p>
+            <a:pPr algn="ctr"/>
+            <a:endParaRPr lang="en-GB"/>
+          </a:p>
+        </p:txBody>
+      </p:sp>
+      <p:sp>
+        <p:nvSpPr>
+          <p:cNvPr id="71" name="Oval 70"/>
+          <p:cNvSpPr/>
+          <p:nvPr/>
+        </p:nvSpPr>
+        <p:spPr>
+          <a:xfrm>
+            <a:off x="2904998" y="5301208"/>
+            <a:ext cx="576064" cy="576064"/>
+          </a:xfrm>
+          <a:prstGeom prst="ellipse">
+            <a:avLst/>
+          </a:prstGeom>
+          <a:solidFill>
+            <a:schemeClr val="bg1"/>
+          </a:solidFill>
+        </p:spPr>
+        <p:style>
+          <a:lnRef idx="2">
+            <a:schemeClr val="accent1">
+              <a:shade val="50000"/>
+            </a:schemeClr>
+          </a:lnRef>
+          <a:fillRef idx="1">
+            <a:schemeClr val="accent1"/>
+          </a:fillRef>
+          <a:effectRef idx="0">
+            <a:schemeClr val="accent1"/>
+          </a:effectRef>
+          <a:fontRef idx="minor">
+            <a:schemeClr val="lt1"/>
+          </a:fontRef>
+        </p:style>
+        <p:txBody>
+          <a:bodyPr rtlCol="0" anchor="ctr"/>
+          <a:lstStyle/>
+          <a:p>
+            <a:pPr algn="ctr"/>
+            <a:endParaRPr lang="en-GB"/>
+          </a:p>
+        </p:txBody>
+      </p:sp>
+      <p:sp>
+        <p:nvSpPr>
+          <p:cNvPr id="72" name="Oval 71"/>
+          <p:cNvSpPr/>
+          <p:nvPr/>
+        </p:nvSpPr>
+        <p:spPr>
+          <a:xfrm>
+            <a:off x="3851920" y="5301208"/>
+            <a:ext cx="576064" cy="576064"/>
+          </a:xfrm>
+          <a:prstGeom prst="ellipse">
+            <a:avLst/>
+          </a:prstGeom>
+          <a:solidFill>
+            <a:schemeClr val="bg1"/>
+          </a:solidFill>
+        </p:spPr>
+        <p:style>
+          <a:lnRef idx="2">
+            <a:schemeClr val="accent1">
+              <a:shade val="50000"/>
+            </a:schemeClr>
+          </a:lnRef>
+          <a:fillRef idx="1">
+            <a:schemeClr val="accent1"/>
+          </a:fillRef>
+          <a:effectRef idx="0">
+            <a:schemeClr val="accent1"/>
+          </a:effectRef>
+          <a:fontRef idx="minor">
+            <a:schemeClr val="lt1"/>
+          </a:fontRef>
+        </p:style>
+        <p:txBody>
+          <a:bodyPr rtlCol="0" anchor="ctr"/>
+          <a:lstStyle/>
+          <a:p>
+            <a:pPr algn="ctr"/>
+            <a:endParaRPr lang="en-GB"/>
+          </a:p>
+        </p:txBody>
+      </p:sp>
+      <p:sp>
+        <p:nvSpPr>
+          <p:cNvPr id="73" name="Oval 72"/>
+          <p:cNvSpPr/>
+          <p:nvPr/>
+        </p:nvSpPr>
+        <p:spPr>
+          <a:xfrm>
+            <a:off x="4830755" y="5305535"/>
+            <a:ext cx="576064" cy="576064"/>
+          </a:xfrm>
+          <a:prstGeom prst="ellipse">
+            <a:avLst/>
+          </a:prstGeom>
+          <a:solidFill>
+            <a:schemeClr val="bg1"/>
+          </a:solidFill>
+        </p:spPr>
+        <p:style>
+          <a:lnRef idx="2">
+            <a:schemeClr val="accent1">
+              <a:shade val="50000"/>
+            </a:schemeClr>
+          </a:lnRef>
+          <a:fillRef idx="1">
+            <a:schemeClr val="accent1"/>
+          </a:fillRef>
+          <a:effectRef idx="0">
+            <a:schemeClr val="accent1"/>
+          </a:effectRef>
+          <a:fontRef idx="minor">
+            <a:schemeClr val="lt1"/>
+          </a:fontRef>
+        </p:style>
+        <p:txBody>
+          <a:bodyPr rtlCol="0" anchor="ctr"/>
+          <a:lstStyle/>
+          <a:p>
+            <a:pPr algn="ctr"/>
+            <a:endParaRPr lang="en-GB"/>
+          </a:p>
+        </p:txBody>
+      </p:sp>
+      <p:sp>
+        <p:nvSpPr>
+          <p:cNvPr id="74" name="Oval 73"/>
+          <p:cNvSpPr/>
+          <p:nvPr/>
+        </p:nvSpPr>
+        <p:spPr>
+          <a:xfrm>
+            <a:off x="5796136" y="5294649"/>
+            <a:ext cx="576064" cy="576064"/>
+          </a:xfrm>
+          <a:prstGeom prst="ellipse">
+            <a:avLst/>
+          </a:prstGeom>
+          <a:solidFill>
+            <a:schemeClr val="bg1"/>
+          </a:solidFill>
+        </p:spPr>
+        <p:style>
+          <a:lnRef idx="2">
+            <a:schemeClr val="accent1">
+              <a:shade val="50000"/>
+            </a:schemeClr>
+          </a:lnRef>
+          <a:fillRef idx="1">
+            <a:schemeClr val="accent1"/>
+          </a:fillRef>
+          <a:effectRef idx="0">
+            <a:schemeClr val="accent1"/>
+          </a:effectRef>
+          <a:fontRef idx="minor">
+            <a:schemeClr val="lt1"/>
+          </a:fontRef>
+        </p:style>
+        <p:txBody>
+          <a:bodyPr rtlCol="0" anchor="ctr"/>
+          <a:lstStyle/>
+          <a:p>
+            <a:pPr algn="ctr"/>
+            <a:endParaRPr lang="en-GB"/>
+          </a:p>
+        </p:txBody>
+      </p:sp>
+      <p:sp>
+        <p:nvSpPr>
+          <p:cNvPr id="75" name="Oval 74"/>
+          <p:cNvSpPr/>
+          <p:nvPr/>
+        </p:nvSpPr>
+        <p:spPr>
+          <a:xfrm>
+            <a:off x="5796136" y="4221088"/>
+            <a:ext cx="576064" cy="576064"/>
+          </a:xfrm>
+          <a:prstGeom prst="ellipse">
+            <a:avLst/>
+          </a:prstGeom>
+          <a:solidFill>
+            <a:schemeClr val="bg1"/>
+          </a:solidFill>
+        </p:spPr>
+        <p:style>
+          <a:lnRef idx="2">
+            <a:schemeClr val="accent1">
+              <a:shade val="50000"/>
+            </a:schemeClr>
+          </a:lnRef>
+          <a:fillRef idx="1">
+            <a:schemeClr val="accent1"/>
+          </a:fillRef>
+          <a:effectRef idx="0">
+            <a:schemeClr val="accent1"/>
+          </a:effectRef>
+          <a:fontRef idx="minor">
+            <a:schemeClr val="lt1"/>
+          </a:fontRef>
+        </p:style>
+        <p:txBody>
+          <a:bodyPr rtlCol="0" anchor="ctr"/>
+          <a:lstStyle/>
+          <a:p>
+            <a:pPr algn="ctr"/>
+            <a:endParaRPr lang="en-GB"/>
+          </a:p>
+        </p:txBody>
+      </p:sp>
+      <p:sp>
+        <p:nvSpPr>
+          <p:cNvPr id="76" name="Oval 75"/>
+          <p:cNvSpPr/>
+          <p:nvPr/>
+        </p:nvSpPr>
+        <p:spPr>
+          <a:xfrm>
+            <a:off x="5796136" y="3055640"/>
+            <a:ext cx="576064" cy="576064"/>
+          </a:xfrm>
+          <a:prstGeom prst="ellipse">
+            <a:avLst/>
+          </a:prstGeom>
+          <a:solidFill>
+            <a:schemeClr val="bg1"/>
+          </a:solidFill>
+        </p:spPr>
+        <p:style>
+          <a:lnRef idx="2">
+            <a:schemeClr val="accent1">
+              <a:shade val="50000"/>
+            </a:schemeClr>
+          </a:lnRef>
+          <a:fillRef idx="1">
+            <a:schemeClr val="accent1"/>
+          </a:fillRef>
+          <a:effectRef idx="0">
+            <a:schemeClr val="accent1"/>
+          </a:effectRef>
+          <a:fontRef idx="minor">
+            <a:schemeClr val="lt1"/>
+          </a:fontRef>
+        </p:style>
+        <p:txBody>
+          <a:bodyPr rtlCol="0" anchor="ctr"/>
+          <a:lstStyle/>
+          <a:p>
+            <a:pPr algn="ctr"/>
+            <a:endParaRPr lang="en-GB"/>
+          </a:p>
+        </p:txBody>
+      </p:sp>
+      <p:sp>
+        <p:nvSpPr>
+          <p:cNvPr id="77" name="Oval 76"/>
+          <p:cNvSpPr/>
+          <p:nvPr/>
+        </p:nvSpPr>
+        <p:spPr>
+          <a:xfrm>
+            <a:off x="5796136" y="2054289"/>
+            <a:ext cx="576064" cy="576064"/>
+          </a:xfrm>
+          <a:prstGeom prst="ellipse">
+            <a:avLst/>
+          </a:prstGeom>
+          <a:solidFill>
+            <a:schemeClr val="bg1"/>
+          </a:solidFill>
+        </p:spPr>
+        <p:style>
+          <a:lnRef idx="2">
+            <a:schemeClr val="accent1">
+              <a:shade val="50000"/>
+            </a:schemeClr>
+          </a:lnRef>
+          <a:fillRef idx="1">
+            <a:schemeClr val="accent1"/>
+          </a:fillRef>
+          <a:effectRef idx="0">
+            <a:schemeClr val="accent1"/>
+          </a:effectRef>
+          <a:fontRef idx="minor">
+            <a:schemeClr val="lt1"/>
+          </a:fontRef>
+        </p:style>
+        <p:txBody>
+          <a:bodyPr rtlCol="0" anchor="ctr"/>
+          <a:lstStyle/>
+          <a:p>
+            <a:pPr algn="ctr"/>
+            <a:endParaRPr lang="en-GB"/>
+          </a:p>
+        </p:txBody>
+      </p:sp>
+      <p:sp>
+        <p:nvSpPr>
+          <p:cNvPr id="78" name="Oval 77"/>
+          <p:cNvSpPr/>
+          <p:nvPr/>
+        </p:nvSpPr>
+        <p:spPr>
+          <a:xfrm>
+            <a:off x="5777745" y="1172749"/>
+            <a:ext cx="576064" cy="576064"/>
+          </a:xfrm>
+          <a:prstGeom prst="ellipse">
+            <a:avLst/>
+          </a:prstGeom>
+          <a:solidFill>
+            <a:schemeClr val="bg1"/>
+          </a:solidFill>
+        </p:spPr>
+        <p:style>
+          <a:lnRef idx="2">
+            <a:schemeClr val="accent1">
+              <a:shade val="50000"/>
+            </a:schemeClr>
+          </a:lnRef>
+          <a:fillRef idx="1">
+            <a:schemeClr val="accent1"/>
+          </a:fillRef>
+          <a:effectRef idx="0">
+            <a:schemeClr val="accent1"/>
+          </a:effectRef>
+          <a:fontRef idx="minor">
+            <a:schemeClr val="lt1"/>
+          </a:fontRef>
+        </p:style>
+        <p:txBody>
+          <a:bodyPr rtlCol="0" anchor="ctr"/>
+          <a:lstStyle/>
+          <a:p>
+            <a:pPr algn="ctr"/>
+            <a:endParaRPr lang="en-GB"/>
+          </a:p>
+        </p:txBody>
+      </p:sp>
+      <p:sp>
+        <p:nvSpPr>
+          <p:cNvPr id="79" name="Oval 78"/>
+          <p:cNvSpPr/>
+          <p:nvPr/>
+        </p:nvSpPr>
+        <p:spPr>
+          <a:xfrm>
+            <a:off x="4860032" y="1172749"/>
+            <a:ext cx="576064" cy="576064"/>
+          </a:xfrm>
+          <a:prstGeom prst="ellipse">
+            <a:avLst/>
+          </a:prstGeom>
+          <a:solidFill>
+            <a:schemeClr val="bg1"/>
+          </a:solidFill>
+        </p:spPr>
+        <p:style>
+          <a:lnRef idx="2">
+            <a:schemeClr val="accent1">
+              <a:shade val="50000"/>
+            </a:schemeClr>
+          </a:lnRef>
+          <a:fillRef idx="1">
+            <a:schemeClr val="accent1"/>
+          </a:fillRef>
+          <a:effectRef idx="0">
+            <a:schemeClr val="accent1"/>
+          </a:effectRef>
+          <a:fontRef idx="minor">
+            <a:schemeClr val="lt1"/>
+          </a:fontRef>
+        </p:style>
+        <p:txBody>
+          <a:bodyPr rtlCol="0" anchor="ctr"/>
+          <a:lstStyle/>
+          <a:p>
+            <a:pPr algn="ctr"/>
+            <a:endParaRPr lang="en-GB"/>
+          </a:p>
+        </p:txBody>
+      </p:sp>
+      <p:sp>
+        <p:nvSpPr>
+          <p:cNvPr id="46" name="Oval 45"/>
+          <p:cNvSpPr/>
+          <p:nvPr/>
+        </p:nvSpPr>
+        <p:spPr>
+          <a:xfrm>
+            <a:off x="3855436" y="3068960"/>
+            <a:ext cx="576064" cy="576064"/>
+          </a:xfrm>
+          <a:prstGeom prst="ellipse">
+            <a:avLst/>
+          </a:prstGeom>
+          <a:solidFill>
+            <a:schemeClr val="bg1"/>
+          </a:solidFill>
+        </p:spPr>
+        <p:style>
+          <a:lnRef idx="2">
+            <a:schemeClr val="accent1">
+              <a:shade val="50000"/>
+            </a:schemeClr>
+          </a:lnRef>
+          <a:fillRef idx="1">
+            <a:schemeClr val="accent1"/>
+          </a:fillRef>
+          <a:effectRef idx="0">
+            <a:schemeClr val="accent1"/>
+          </a:effectRef>
+          <a:fontRef idx="minor">
+            <a:schemeClr val="lt1"/>
+          </a:fontRef>
+        </p:style>
+        <p:txBody>
+          <a:bodyPr rtlCol="0" anchor="ctr"/>
+          <a:lstStyle/>
+          <a:p>
+            <a:pPr algn="ctr"/>
+            <a:endParaRPr lang="en-GB"/>
+          </a:p>
+        </p:txBody>
+      </p:sp>
+      <p:sp>
+        <p:nvSpPr>
+          <p:cNvPr id="47" name="TextBox 46"/>
+          <p:cNvSpPr txBox="1"/>
+          <p:nvPr/>
+        </p:nvSpPr>
+        <p:spPr>
+          <a:xfrm>
+            <a:off x="7092280" y="855045"/>
+            <a:ext cx="2016224" cy="584775"/>
+          </a:xfrm>
+          <a:prstGeom prst="rect">
+            <a:avLst/>
+          </a:prstGeom>
+          <a:noFill/>
+        </p:spPr>
+        <p:txBody>
+          <a:bodyPr wrap="square" rtlCol="0">
+            <a:spAutoFit/>
+          </a:bodyPr>
+          <a:lstStyle/>
+          <a:p>
+            <a:r>
+              <a:rPr lang="en-GB" sz="3200" dirty="0" smtClean="0"/>
+              <a:t>Outcome</a:t>
+            </a:r>
+            <a:endParaRPr lang="en-GB" sz="3200" dirty="0"/>
+          </a:p>
+        </p:txBody>
+      </p:sp>
+    </p:spTree>
+    <p:extLst>
+      <p:ext uri="{BB962C8B-B14F-4D97-AF65-F5344CB8AC3E}">
+        <p14:creationId xmlns:p14="http://schemas.microsoft.com/office/powerpoint/2010/main" val="2825646462"/>
+      </p:ext>
+    </p:extLst>
+  </p:cSld>
+  <p:clrMapOvr>
+    <a:masterClrMapping/>
+  </p:clrMapOvr>
+</p:sld>
+</file>
+
+<file path=ppt/slides/slide6.xml><?xml version="1.0" encoding="utf-8"?>
+<p:sld xmlns:a="http://schemas.openxmlformats.org/drawingml/2006/main" xmlns:r="http://schemas.openxmlformats.org/officeDocument/2006/relationships" xmlns:p="http://schemas.openxmlformats.org/presentationml/2006/main">
+  <p:cSld>
+    <p:spTree>
+      <p:nvGrpSpPr>
+        <p:cNvPr id="1" name=""/>
+        <p:cNvGrpSpPr/>
+        <p:nvPr/>
+      </p:nvGrpSpPr>
+      <p:grpSpPr>
+        <a:xfrm>
+          <a:off x="0" y="0"/>
+          <a:ext cx="0" cy="0"/>
+          <a:chOff x="0" y="0"/>
+          <a:chExt cx="0" cy="0"/>
+        </a:xfrm>
+      </p:grpSpPr>
+      <p:cxnSp>
+        <p:nvCxnSpPr>
+          <p:cNvPr id="5" name="Straight Connector 4"/>
+          <p:cNvCxnSpPr/>
+          <p:nvPr/>
+        </p:nvCxnSpPr>
+        <p:spPr>
+          <a:xfrm>
+            <a:off x="1187624" y="260648"/>
+            <a:ext cx="0" cy="6336704"/>
+          </a:xfrm>
+          <a:prstGeom prst="line">
+            <a:avLst/>
+          </a:prstGeom>
+        </p:spPr>
+        <p:style>
+          <a:lnRef idx="1">
+            <a:schemeClr val="accent1"/>
+          </a:lnRef>
+          <a:fillRef idx="0">
+            <a:schemeClr val="accent1"/>
+          </a:fillRef>
+          <a:effectRef idx="0">
+            <a:schemeClr val="accent1"/>
+          </a:effectRef>
+          <a:fontRef idx="minor">
+            <a:schemeClr val="tx1"/>
+          </a:fontRef>
+        </p:style>
+      </p:cxnSp>
+      <p:cxnSp>
+        <p:nvCxnSpPr>
+          <p:cNvPr id="7" name="Straight Connector 6"/>
+          <p:cNvCxnSpPr/>
+          <p:nvPr/>
+        </p:nvCxnSpPr>
+        <p:spPr>
+          <a:xfrm>
+            <a:off x="2158887" y="260648"/>
+            <a:ext cx="0" cy="6408712"/>
+          </a:xfrm>
+          <a:prstGeom prst="line">
+            <a:avLst/>
+          </a:prstGeom>
+        </p:spPr>
+        <p:style>
+          <a:lnRef idx="1">
+            <a:schemeClr val="accent1"/>
+          </a:lnRef>
+          <a:fillRef idx="0">
+            <a:schemeClr val="accent1"/>
+          </a:fillRef>
+          <a:effectRef idx="0">
+            <a:schemeClr val="accent1"/>
+          </a:effectRef>
+          <a:fontRef idx="minor">
+            <a:schemeClr val="tx1"/>
+          </a:fontRef>
+        </p:style>
+      </p:cxnSp>
+      <p:cxnSp>
+        <p:nvCxnSpPr>
+          <p:cNvPr id="9" name="Straight Connector 8"/>
+          <p:cNvCxnSpPr/>
+          <p:nvPr/>
+        </p:nvCxnSpPr>
+        <p:spPr>
+          <a:xfrm>
+            <a:off x="3163753" y="188640"/>
+            <a:ext cx="0" cy="6480720"/>
+          </a:xfrm>
+          <a:prstGeom prst="line">
+            <a:avLst/>
+          </a:prstGeom>
+        </p:spPr>
+        <p:style>
+          <a:lnRef idx="1">
+            <a:schemeClr val="accent1"/>
+          </a:lnRef>
+          <a:fillRef idx="0">
+            <a:schemeClr val="accent1"/>
+          </a:fillRef>
+          <a:effectRef idx="0">
+            <a:schemeClr val="accent1"/>
+          </a:effectRef>
+          <a:fontRef idx="minor">
+            <a:schemeClr val="tx1"/>
+          </a:fontRef>
+        </p:style>
+      </p:cxnSp>
+      <p:cxnSp>
+        <p:nvCxnSpPr>
+          <p:cNvPr id="11" name="Straight Connector 10"/>
+          <p:cNvCxnSpPr/>
+          <p:nvPr/>
+        </p:nvCxnSpPr>
+        <p:spPr>
+          <a:xfrm>
+            <a:off x="4139952" y="260648"/>
+            <a:ext cx="0" cy="6408712"/>
+          </a:xfrm>
+          <a:prstGeom prst="line">
+            <a:avLst/>
+          </a:prstGeom>
+        </p:spPr>
+        <p:style>
+          <a:lnRef idx="1">
+            <a:schemeClr val="accent1"/>
+          </a:lnRef>
+          <a:fillRef idx="0">
+            <a:schemeClr val="accent1"/>
+          </a:fillRef>
+          <a:effectRef idx="0">
+            <a:schemeClr val="accent1"/>
+          </a:effectRef>
+          <a:fontRef idx="minor">
+            <a:schemeClr val="tx1"/>
+          </a:fontRef>
+        </p:style>
+      </p:cxnSp>
+      <p:cxnSp>
+        <p:nvCxnSpPr>
+          <p:cNvPr id="13" name="Straight Connector 12"/>
+          <p:cNvCxnSpPr/>
+          <p:nvPr/>
+        </p:nvCxnSpPr>
+        <p:spPr>
+          <a:xfrm>
+            <a:off x="5148064" y="188640"/>
+            <a:ext cx="0" cy="6408712"/>
+          </a:xfrm>
+          <a:prstGeom prst="line">
+            <a:avLst/>
+          </a:prstGeom>
+        </p:spPr>
+        <p:style>
+          <a:lnRef idx="1">
+            <a:schemeClr val="accent1"/>
+          </a:lnRef>
+          <a:fillRef idx="0">
+            <a:schemeClr val="accent1"/>
+          </a:fillRef>
+          <a:effectRef idx="0">
+            <a:schemeClr val="accent1"/>
+          </a:effectRef>
+          <a:fontRef idx="minor">
+            <a:schemeClr val="tx1"/>
+          </a:fontRef>
+        </p:style>
+      </p:cxnSp>
+      <p:cxnSp>
+        <p:nvCxnSpPr>
+          <p:cNvPr id="19" name="Straight Connector 18"/>
+          <p:cNvCxnSpPr/>
+          <p:nvPr/>
+        </p:nvCxnSpPr>
+        <p:spPr>
+          <a:xfrm>
+            <a:off x="6084168" y="188640"/>
+            <a:ext cx="0" cy="6408712"/>
+          </a:xfrm>
+          <a:prstGeom prst="line">
+            <a:avLst/>
+          </a:prstGeom>
+        </p:spPr>
+        <p:style>
+          <a:lnRef idx="1">
+            <a:schemeClr val="accent1"/>
+          </a:lnRef>
+          <a:fillRef idx="0">
+            <a:schemeClr val="accent1"/>
+          </a:fillRef>
+          <a:effectRef idx="0">
+            <a:schemeClr val="accent1"/>
+          </a:effectRef>
+          <a:fontRef idx="minor">
+            <a:schemeClr val="tx1"/>
+          </a:fontRef>
+        </p:style>
+      </p:cxnSp>
+      <p:cxnSp>
+        <p:nvCxnSpPr>
+          <p:cNvPr id="21" name="Straight Connector 20"/>
+          <p:cNvCxnSpPr/>
+          <p:nvPr/>
+        </p:nvCxnSpPr>
+        <p:spPr>
+          <a:xfrm>
+            <a:off x="916293" y="1473053"/>
+            <a:ext cx="7920880" cy="0"/>
+          </a:xfrm>
+          <a:prstGeom prst="line">
+            <a:avLst/>
+          </a:prstGeom>
+        </p:spPr>
+        <p:style>
+          <a:lnRef idx="1">
+            <a:schemeClr val="accent1"/>
+          </a:lnRef>
+          <a:fillRef idx="0">
+            <a:schemeClr val="accent1"/>
+          </a:fillRef>
+          <a:effectRef idx="0">
+            <a:schemeClr val="accent1"/>
+          </a:effectRef>
+          <a:fontRef idx="minor">
+            <a:schemeClr val="tx1"/>
+          </a:fontRef>
+        </p:style>
+      </p:cxnSp>
+      <p:cxnSp>
+        <p:nvCxnSpPr>
+          <p:cNvPr id="23" name="Straight Connector 22"/>
+          <p:cNvCxnSpPr/>
+          <p:nvPr/>
+        </p:nvCxnSpPr>
+        <p:spPr>
+          <a:xfrm>
+            <a:off x="611560" y="2348880"/>
+            <a:ext cx="8208912" cy="0"/>
+          </a:xfrm>
+          <a:prstGeom prst="line">
+            <a:avLst/>
+          </a:prstGeom>
+        </p:spPr>
+        <p:style>
+          <a:lnRef idx="1">
+            <a:schemeClr val="accent1"/>
+          </a:lnRef>
+          <a:fillRef idx="0">
+            <a:schemeClr val="accent1"/>
+          </a:fillRef>
+          <a:effectRef idx="0">
+            <a:schemeClr val="accent1"/>
+          </a:effectRef>
+          <a:fontRef idx="minor">
+            <a:schemeClr val="tx1"/>
+          </a:fontRef>
+        </p:style>
+      </p:cxnSp>
+      <p:cxnSp>
+        <p:nvCxnSpPr>
+          <p:cNvPr id="25" name="Straight Connector 24"/>
+          <p:cNvCxnSpPr/>
+          <p:nvPr/>
+        </p:nvCxnSpPr>
+        <p:spPr>
+          <a:xfrm flipV="1">
+            <a:off x="467544" y="3350332"/>
+            <a:ext cx="8208912" cy="3330"/>
+          </a:xfrm>
+          <a:prstGeom prst="line">
+            <a:avLst/>
+          </a:prstGeom>
+        </p:spPr>
+        <p:style>
+          <a:lnRef idx="1">
+            <a:schemeClr val="accent1"/>
+          </a:lnRef>
+          <a:fillRef idx="0">
+            <a:schemeClr val="accent1"/>
+          </a:fillRef>
+          <a:effectRef idx="0">
+            <a:schemeClr val="accent1"/>
+          </a:effectRef>
+          <a:fontRef idx="minor">
+            <a:schemeClr val="tx1"/>
+          </a:fontRef>
+        </p:style>
+      </p:cxnSp>
+      <p:cxnSp>
+        <p:nvCxnSpPr>
+          <p:cNvPr id="27" name="Straight Connector 26"/>
+          <p:cNvCxnSpPr/>
+          <p:nvPr/>
+        </p:nvCxnSpPr>
+        <p:spPr>
+          <a:xfrm>
+            <a:off x="467544" y="4293096"/>
+            <a:ext cx="8064896" cy="0"/>
+          </a:xfrm>
+          <a:prstGeom prst="line">
+            <a:avLst/>
+          </a:prstGeom>
+        </p:spPr>
+        <p:style>
+          <a:lnRef idx="1">
+            <a:schemeClr val="accent1"/>
+          </a:lnRef>
+          <a:fillRef idx="0">
+            <a:schemeClr val="accent1"/>
+          </a:fillRef>
+          <a:effectRef idx="0">
+            <a:schemeClr val="accent1"/>
+          </a:effectRef>
+          <a:fontRef idx="minor">
+            <a:schemeClr val="tx1"/>
+          </a:fontRef>
+        </p:style>
+      </p:cxnSp>
+      <p:cxnSp>
+        <p:nvCxnSpPr>
+          <p:cNvPr id="29" name="Straight Connector 28"/>
+          <p:cNvCxnSpPr/>
+          <p:nvPr/>
+        </p:nvCxnSpPr>
+        <p:spPr>
+          <a:xfrm>
+            <a:off x="467544" y="5373216"/>
+            <a:ext cx="7920880" cy="0"/>
+          </a:xfrm>
+          <a:prstGeom prst="line">
+            <a:avLst/>
+          </a:prstGeom>
+        </p:spPr>
+        <p:style>
+          <a:lnRef idx="1">
+            <a:schemeClr val="accent1"/>
+          </a:lnRef>
+          <a:fillRef idx="0">
+            <a:schemeClr val="accent1"/>
+          </a:fillRef>
+          <a:effectRef idx="0">
+            <a:schemeClr val="accent1"/>
+          </a:effectRef>
+          <a:fontRef idx="minor">
+            <a:schemeClr val="tx1"/>
+          </a:fontRef>
+        </p:style>
+      </p:cxnSp>
+      <p:cxnSp>
+        <p:nvCxnSpPr>
+          <p:cNvPr id="56" name="Straight Connector 55"/>
+          <p:cNvCxnSpPr/>
+          <p:nvPr/>
+        </p:nvCxnSpPr>
+        <p:spPr>
+          <a:xfrm>
+            <a:off x="7092280" y="224644"/>
+            <a:ext cx="0" cy="6192688"/>
+          </a:xfrm>
+          <a:prstGeom prst="line">
+            <a:avLst/>
+          </a:prstGeom>
+        </p:spPr>
+        <p:style>
+          <a:lnRef idx="1">
+            <a:schemeClr val="accent1"/>
+          </a:lnRef>
+          <a:fillRef idx="0">
+            <a:schemeClr val="accent1"/>
+          </a:fillRef>
+          <a:effectRef idx="0">
+            <a:schemeClr val="accent1"/>
+          </a:effectRef>
+          <a:fontRef idx="minor">
+            <a:schemeClr val="tx1"/>
+          </a:fontRef>
+        </p:style>
+      </p:cxnSp>
+      <p:cxnSp>
+        <p:nvCxnSpPr>
+          <p:cNvPr id="58" name="Straight Connector 57"/>
+          <p:cNvCxnSpPr/>
+          <p:nvPr/>
+        </p:nvCxnSpPr>
+        <p:spPr>
+          <a:xfrm>
+            <a:off x="8100392" y="188640"/>
+            <a:ext cx="72008" cy="6264696"/>
+          </a:xfrm>
+          <a:prstGeom prst="line">
+            <a:avLst/>
+          </a:prstGeom>
+        </p:spPr>
+        <p:style>
+          <a:lnRef idx="1">
+            <a:schemeClr val="accent1"/>
+          </a:lnRef>
+          <a:fillRef idx="0">
+            <a:schemeClr val="accent1"/>
+          </a:fillRef>
+          <a:effectRef idx="0">
+            <a:schemeClr val="accent1"/>
+          </a:effectRef>
+          <a:fontRef idx="minor">
+            <a:schemeClr val="tx1"/>
+          </a:fontRef>
+        </p:style>
+      </p:cxnSp>
+      <p:cxnSp>
+        <p:nvCxnSpPr>
+          <p:cNvPr id="32" name="Straight Connector 31"/>
+          <p:cNvCxnSpPr/>
+          <p:nvPr/>
+        </p:nvCxnSpPr>
+        <p:spPr>
+          <a:xfrm>
+            <a:off x="611560" y="548680"/>
+            <a:ext cx="7920880" cy="0"/>
+          </a:xfrm>
+          <a:prstGeom prst="line">
+            <a:avLst/>
+          </a:prstGeom>
+        </p:spPr>
+        <p:style>
+          <a:lnRef idx="1">
+            <a:schemeClr val="accent1"/>
+          </a:lnRef>
+          <a:fillRef idx="0">
+            <a:schemeClr val="accent1"/>
+          </a:fillRef>
+          <a:effectRef idx="0">
+            <a:schemeClr val="accent1"/>
+          </a:effectRef>
+          <a:fontRef idx="minor">
+            <a:schemeClr val="tx1"/>
+          </a:fontRef>
+        </p:style>
+      </p:cxnSp>
+      <p:sp>
+        <p:nvSpPr>
+          <p:cNvPr id="34" name="Oval 33"/>
+          <p:cNvSpPr/>
+          <p:nvPr/>
+        </p:nvSpPr>
+        <p:spPr>
+          <a:xfrm>
+            <a:off x="1870855" y="1196752"/>
+            <a:ext cx="576064" cy="576064"/>
+          </a:xfrm>
+          <a:prstGeom prst="ellipse">
+            <a:avLst/>
+          </a:prstGeom>
+          <a:solidFill>
+            <a:schemeClr val="bg1"/>
+          </a:solidFill>
+        </p:spPr>
+        <p:style>
+          <a:lnRef idx="2">
+            <a:schemeClr val="accent1">
+              <a:shade val="50000"/>
+            </a:schemeClr>
+          </a:lnRef>
+          <a:fillRef idx="1">
+            <a:schemeClr val="accent1"/>
+          </a:fillRef>
+          <a:effectRef idx="0">
+            <a:schemeClr val="accent1"/>
+          </a:effectRef>
+          <a:fontRef idx="minor">
+            <a:schemeClr val="lt1"/>
+          </a:fontRef>
+        </p:style>
+        <p:txBody>
+          <a:bodyPr rtlCol="0" anchor="ctr"/>
+          <a:lstStyle/>
+          <a:p>
+            <a:pPr algn="ctr"/>
+            <a:endParaRPr lang="en-GB"/>
+          </a:p>
+        </p:txBody>
+      </p:sp>
+      <p:sp>
+        <p:nvSpPr>
+          <p:cNvPr id="36" name="Oval 35"/>
+          <p:cNvSpPr/>
+          <p:nvPr/>
+        </p:nvSpPr>
+        <p:spPr>
+          <a:xfrm>
+            <a:off x="898171" y="2060848"/>
+            <a:ext cx="576064" cy="576064"/>
+          </a:xfrm>
+          <a:prstGeom prst="ellipse">
+            <a:avLst/>
+          </a:prstGeom>
+          <a:solidFill>
+            <a:schemeClr val="bg1"/>
+          </a:solidFill>
+        </p:spPr>
+        <p:style>
+          <a:lnRef idx="2">
+            <a:schemeClr val="accent1">
+              <a:shade val="50000"/>
+            </a:schemeClr>
+          </a:lnRef>
+          <a:fillRef idx="1">
+            <a:schemeClr val="accent1"/>
+          </a:fillRef>
+          <a:effectRef idx="0">
+            <a:schemeClr val="accent1"/>
+          </a:effectRef>
+          <a:fontRef idx="minor">
+            <a:schemeClr val="lt1"/>
+          </a:fontRef>
+        </p:style>
+        <p:txBody>
+          <a:bodyPr rtlCol="0" anchor="ctr"/>
+          <a:lstStyle/>
+          <a:p>
+            <a:pPr algn="ctr"/>
+            <a:endParaRPr lang="en-GB"/>
+          </a:p>
+        </p:txBody>
+      </p:sp>
+      <p:sp>
+        <p:nvSpPr>
+          <p:cNvPr id="37" name="Oval 36"/>
+          <p:cNvSpPr/>
+          <p:nvPr/>
+        </p:nvSpPr>
+        <p:spPr>
+          <a:xfrm>
+            <a:off x="2875586" y="2072579"/>
+            <a:ext cx="576064" cy="576064"/>
+          </a:xfrm>
+          <a:prstGeom prst="ellipse">
+            <a:avLst/>
+          </a:prstGeom>
+          <a:solidFill>
+            <a:schemeClr val="bg1"/>
+          </a:solidFill>
+        </p:spPr>
+        <p:style>
+          <a:lnRef idx="2">
+            <a:schemeClr val="accent1">
+              <a:shade val="50000"/>
+            </a:schemeClr>
+          </a:lnRef>
+          <a:fillRef idx="1">
+            <a:schemeClr val="accent1"/>
+          </a:fillRef>
+          <a:effectRef idx="0">
+            <a:schemeClr val="accent1"/>
+          </a:effectRef>
+          <a:fontRef idx="minor">
+            <a:schemeClr val="lt1"/>
+          </a:fontRef>
+        </p:style>
+        <p:txBody>
+          <a:bodyPr rtlCol="0" anchor="ctr"/>
+          <a:lstStyle/>
+          <a:p>
+            <a:pPr algn="ctr"/>
+            <a:endParaRPr lang="en-GB"/>
+          </a:p>
+        </p:txBody>
+      </p:sp>
+      <p:sp>
+        <p:nvSpPr>
+          <p:cNvPr id="39" name="TextBox 38"/>
+          <p:cNvSpPr txBox="1"/>
+          <p:nvPr/>
+        </p:nvSpPr>
+        <p:spPr>
+          <a:xfrm>
+            <a:off x="3563888" y="255722"/>
+            <a:ext cx="2016224" cy="584775"/>
+          </a:xfrm>
+          <a:prstGeom prst="rect">
+            <a:avLst/>
+          </a:prstGeom>
+          <a:noFill/>
+        </p:spPr>
+        <p:txBody>
+          <a:bodyPr wrap="square" rtlCol="0">
+            <a:spAutoFit/>
+          </a:bodyPr>
+          <a:lstStyle/>
+          <a:p>
+            <a:r>
+              <a:rPr lang="en-GB" sz="3200" dirty="0" err="1" smtClean="0"/>
+              <a:t>Ko</a:t>
+            </a:r>
+            <a:r>
+              <a:rPr lang="en-GB" sz="3200" dirty="0" smtClean="0"/>
+              <a:t> Rule</a:t>
+            </a:r>
+            <a:endParaRPr lang="en-GB" sz="3200" dirty="0"/>
+          </a:p>
+        </p:txBody>
+      </p:sp>
+      <p:sp>
+        <p:nvSpPr>
+          <p:cNvPr id="40" name="Oval 39"/>
+          <p:cNvSpPr/>
+          <p:nvPr/>
+        </p:nvSpPr>
+        <p:spPr>
+          <a:xfrm>
+            <a:off x="891275" y="3062300"/>
+            <a:ext cx="576064" cy="576064"/>
+          </a:xfrm>
+          <a:prstGeom prst="ellipse">
+            <a:avLst/>
+          </a:prstGeom>
+        </p:spPr>
+        <p:style>
+          <a:lnRef idx="2">
+            <a:schemeClr val="accent1">
+              <a:shade val="50000"/>
+            </a:schemeClr>
+          </a:lnRef>
+          <a:fillRef idx="1">
+            <a:schemeClr val="accent1"/>
+          </a:fillRef>
+          <a:effectRef idx="0">
+            <a:schemeClr val="accent1"/>
+          </a:effectRef>
+          <a:fontRef idx="minor">
+            <a:schemeClr val="lt1"/>
+          </a:fontRef>
+        </p:style>
+        <p:txBody>
+          <a:bodyPr rtlCol="0" anchor="ctr"/>
+          <a:lstStyle/>
+          <a:p>
+            <a:pPr algn="ctr"/>
+            <a:endParaRPr lang="en-GB"/>
+          </a:p>
+        </p:txBody>
+      </p:sp>
+      <p:sp>
+        <p:nvSpPr>
+          <p:cNvPr id="41" name="Oval 40"/>
+          <p:cNvSpPr/>
+          <p:nvPr/>
+        </p:nvSpPr>
+        <p:spPr>
+          <a:xfrm>
+            <a:off x="2875586" y="3060576"/>
+            <a:ext cx="576064" cy="576064"/>
+          </a:xfrm>
+          <a:prstGeom prst="ellipse">
+            <a:avLst/>
+          </a:prstGeom>
+        </p:spPr>
+        <p:style>
+          <a:lnRef idx="2">
+            <a:schemeClr val="accent1">
+              <a:shade val="50000"/>
+            </a:schemeClr>
+          </a:lnRef>
+          <a:fillRef idx="1">
+            <a:schemeClr val="accent1"/>
+          </a:fillRef>
+          <a:effectRef idx="0">
+            <a:schemeClr val="accent1"/>
+          </a:effectRef>
+          <a:fontRef idx="minor">
+            <a:schemeClr val="lt1"/>
+          </a:fontRef>
+        </p:style>
+        <p:txBody>
+          <a:bodyPr rtlCol="0" anchor="ctr"/>
+          <a:lstStyle/>
+          <a:p>
+            <a:pPr algn="ctr"/>
+            <a:endParaRPr lang="en-GB"/>
+          </a:p>
+        </p:txBody>
+      </p:sp>
+      <p:sp>
+        <p:nvSpPr>
+          <p:cNvPr id="42" name="Oval 41"/>
+          <p:cNvSpPr/>
+          <p:nvPr/>
+        </p:nvSpPr>
+        <p:spPr>
+          <a:xfrm>
+            <a:off x="1874370" y="4005064"/>
+            <a:ext cx="576064" cy="576064"/>
+          </a:xfrm>
+          <a:prstGeom prst="ellipse">
+            <a:avLst/>
+          </a:prstGeom>
+        </p:spPr>
+        <p:style>
+          <a:lnRef idx="2">
+            <a:schemeClr val="accent1">
+              <a:shade val="50000"/>
+            </a:schemeClr>
+          </a:lnRef>
+          <a:fillRef idx="1">
+            <a:schemeClr val="accent1"/>
+          </a:fillRef>
+          <a:effectRef idx="0">
+            <a:schemeClr val="accent1"/>
+          </a:effectRef>
+          <a:fontRef idx="minor">
+            <a:schemeClr val="lt1"/>
+          </a:fontRef>
+        </p:style>
+        <p:txBody>
+          <a:bodyPr rtlCol="0" anchor="ctr"/>
+          <a:lstStyle/>
+          <a:p>
+            <a:pPr algn="ctr"/>
+            <a:endParaRPr lang="en-GB"/>
+          </a:p>
+        </p:txBody>
+      </p:sp>
+      <p:sp>
+        <p:nvSpPr>
+          <p:cNvPr id="43" name="Oval 42"/>
+          <p:cNvSpPr/>
+          <p:nvPr/>
+        </p:nvSpPr>
+        <p:spPr>
+          <a:xfrm>
+            <a:off x="6803504" y="1185021"/>
+            <a:ext cx="576064" cy="576064"/>
+          </a:xfrm>
+          <a:prstGeom prst="ellipse">
+            <a:avLst/>
+          </a:prstGeom>
+          <a:solidFill>
+            <a:schemeClr val="bg1"/>
+          </a:solidFill>
+        </p:spPr>
+        <p:style>
+          <a:lnRef idx="2">
+            <a:schemeClr val="accent1">
+              <a:shade val="50000"/>
+            </a:schemeClr>
+          </a:lnRef>
+          <a:fillRef idx="1">
+            <a:schemeClr val="accent1"/>
+          </a:fillRef>
+          <a:effectRef idx="0">
+            <a:schemeClr val="accent1"/>
+          </a:effectRef>
+          <a:fontRef idx="minor">
+            <a:schemeClr val="lt1"/>
+          </a:fontRef>
+        </p:style>
+        <p:txBody>
+          <a:bodyPr rtlCol="0" anchor="ctr"/>
+          <a:lstStyle/>
+          <a:p>
+            <a:pPr algn="ctr"/>
+            <a:endParaRPr lang="en-GB"/>
+          </a:p>
+        </p:txBody>
+      </p:sp>
+      <p:sp>
+        <p:nvSpPr>
+          <p:cNvPr id="44" name="Oval 43"/>
+          <p:cNvSpPr/>
+          <p:nvPr/>
+        </p:nvSpPr>
+        <p:spPr>
+          <a:xfrm>
+            <a:off x="5830820" y="2049117"/>
+            <a:ext cx="576064" cy="576064"/>
+          </a:xfrm>
+          <a:prstGeom prst="ellipse">
+            <a:avLst/>
+          </a:prstGeom>
+          <a:solidFill>
+            <a:schemeClr val="bg1"/>
+          </a:solidFill>
+        </p:spPr>
+        <p:style>
+          <a:lnRef idx="2">
+            <a:schemeClr val="accent1">
+              <a:shade val="50000"/>
+            </a:schemeClr>
+          </a:lnRef>
+          <a:fillRef idx="1">
+            <a:schemeClr val="accent1"/>
+          </a:fillRef>
+          <a:effectRef idx="0">
+            <a:schemeClr val="accent1"/>
+          </a:effectRef>
+          <a:fontRef idx="minor">
+            <a:schemeClr val="lt1"/>
+          </a:fontRef>
+        </p:style>
+        <p:txBody>
+          <a:bodyPr rtlCol="0" anchor="ctr"/>
+          <a:lstStyle/>
+          <a:p>
+            <a:pPr algn="ctr"/>
+            <a:endParaRPr lang="en-GB"/>
+          </a:p>
+        </p:txBody>
+      </p:sp>
+      <p:sp>
+        <p:nvSpPr>
+          <p:cNvPr id="45" name="Oval 44"/>
+          <p:cNvSpPr/>
+          <p:nvPr/>
+        </p:nvSpPr>
+        <p:spPr>
+          <a:xfrm>
+            <a:off x="7808235" y="2060848"/>
+            <a:ext cx="576064" cy="576064"/>
+          </a:xfrm>
+          <a:prstGeom prst="ellipse">
+            <a:avLst/>
+          </a:prstGeom>
+          <a:solidFill>
+            <a:schemeClr val="bg1"/>
+          </a:solidFill>
+        </p:spPr>
+        <p:style>
+          <a:lnRef idx="2">
+            <a:schemeClr val="accent1">
+              <a:shade val="50000"/>
+            </a:schemeClr>
+          </a:lnRef>
+          <a:fillRef idx="1">
+            <a:schemeClr val="accent1"/>
+          </a:fillRef>
+          <a:effectRef idx="0">
+            <a:schemeClr val="accent1"/>
+          </a:effectRef>
+          <a:fontRef idx="minor">
+            <a:schemeClr val="lt1"/>
+          </a:fontRef>
+        </p:style>
+        <p:txBody>
+          <a:bodyPr rtlCol="0" anchor="ctr"/>
+          <a:lstStyle/>
+          <a:p>
+            <a:pPr algn="ctr"/>
+            <a:endParaRPr lang="en-GB"/>
+          </a:p>
+        </p:txBody>
+      </p:sp>
+      <p:sp>
+        <p:nvSpPr>
+          <p:cNvPr id="48" name="Oval 47"/>
+          <p:cNvSpPr/>
+          <p:nvPr/>
+        </p:nvSpPr>
+        <p:spPr>
+          <a:xfrm>
+            <a:off x="5823924" y="3050569"/>
+            <a:ext cx="576064" cy="576064"/>
+          </a:xfrm>
+          <a:prstGeom prst="ellipse">
+            <a:avLst/>
+          </a:prstGeom>
+        </p:spPr>
+        <p:style>
+          <a:lnRef idx="2">
+            <a:schemeClr val="accent1">
+              <a:shade val="50000"/>
+            </a:schemeClr>
+          </a:lnRef>
+          <a:fillRef idx="1">
+            <a:schemeClr val="accent1"/>
+          </a:fillRef>
+          <a:effectRef idx="0">
+            <a:schemeClr val="accent1"/>
+          </a:effectRef>
+          <a:fontRef idx="minor">
+            <a:schemeClr val="lt1"/>
+          </a:fontRef>
+        </p:style>
+        <p:txBody>
+          <a:bodyPr rtlCol="0" anchor="ctr"/>
+          <a:lstStyle/>
+          <a:p>
+            <a:pPr algn="ctr"/>
+            <a:endParaRPr lang="en-GB"/>
+          </a:p>
+        </p:txBody>
+      </p:sp>
+      <p:sp>
+        <p:nvSpPr>
+          <p:cNvPr id="49" name="Oval 48"/>
+          <p:cNvSpPr/>
+          <p:nvPr/>
+        </p:nvSpPr>
+        <p:spPr>
+          <a:xfrm>
+            <a:off x="7808235" y="3048845"/>
+            <a:ext cx="576064" cy="576064"/>
+          </a:xfrm>
+          <a:prstGeom prst="ellipse">
+            <a:avLst/>
+          </a:prstGeom>
+        </p:spPr>
+        <p:style>
+          <a:lnRef idx="2">
+            <a:schemeClr val="accent1">
+              <a:shade val="50000"/>
+            </a:schemeClr>
+          </a:lnRef>
+          <a:fillRef idx="1">
+            <a:schemeClr val="accent1"/>
+          </a:fillRef>
+          <a:effectRef idx="0">
+            <a:schemeClr val="accent1"/>
+          </a:effectRef>
+          <a:fontRef idx="minor">
+            <a:schemeClr val="lt1"/>
+          </a:fontRef>
+        </p:style>
+        <p:txBody>
+          <a:bodyPr rtlCol="0" anchor="ctr"/>
+          <a:lstStyle/>
+          <a:p>
+            <a:pPr algn="ctr"/>
+            <a:endParaRPr lang="en-GB"/>
+          </a:p>
+        </p:txBody>
+      </p:sp>
+      <p:sp>
+        <p:nvSpPr>
+          <p:cNvPr id="50" name="Oval 49"/>
+          <p:cNvSpPr/>
+          <p:nvPr/>
+        </p:nvSpPr>
+        <p:spPr>
+          <a:xfrm>
+            <a:off x="6803504" y="3993333"/>
+            <a:ext cx="576064" cy="576064"/>
+          </a:xfrm>
+          <a:prstGeom prst="ellipse">
+            <a:avLst/>
+          </a:prstGeom>
+        </p:spPr>
+        <p:style>
+          <a:lnRef idx="2">
+            <a:schemeClr val="accent1">
+              <a:shade val="50000"/>
+            </a:schemeClr>
+          </a:lnRef>
+          <a:fillRef idx="1">
+            <a:schemeClr val="accent1"/>
+          </a:fillRef>
+          <a:effectRef idx="0">
+            <a:schemeClr val="accent1"/>
+          </a:effectRef>
+          <a:fontRef idx="minor">
+            <a:schemeClr val="lt1"/>
+          </a:fontRef>
+        </p:style>
+        <p:txBody>
+          <a:bodyPr rtlCol="0" anchor="ctr"/>
+          <a:lstStyle/>
+          <a:p>
+            <a:pPr algn="ctr"/>
+            <a:endParaRPr lang="en-GB"/>
+          </a:p>
+        </p:txBody>
+      </p:sp>
+      <p:sp>
+        <p:nvSpPr>
+          <p:cNvPr id="52" name="Oval 51"/>
+          <p:cNvSpPr/>
+          <p:nvPr/>
+        </p:nvSpPr>
+        <p:spPr>
+          <a:xfrm>
+            <a:off x="1870855" y="3032956"/>
+            <a:ext cx="576064" cy="576064"/>
+          </a:xfrm>
+          <a:prstGeom prst="ellipse">
+            <a:avLst/>
+          </a:prstGeom>
+          <a:noFill/>
+          <a:ln>
+            <a:prstDash val="dashDot"/>
+          </a:ln>
+        </p:spPr>
+        <p:style>
+          <a:lnRef idx="2">
+            <a:schemeClr val="accent1">
+              <a:shade val="50000"/>
+            </a:schemeClr>
+          </a:lnRef>
+          <a:fillRef idx="1">
+            <a:schemeClr val="accent1"/>
+          </a:fillRef>
+          <a:effectRef idx="0">
+            <a:schemeClr val="accent1"/>
+          </a:effectRef>
+          <a:fontRef idx="minor">
+            <a:schemeClr val="lt1"/>
+          </a:fontRef>
+        </p:style>
+        <p:txBody>
+          <a:bodyPr rtlCol="0" anchor="ctr"/>
+          <a:lstStyle/>
+          <a:p>
+            <a:pPr algn="ctr"/>
+            <a:endParaRPr lang="en-GB"/>
+          </a:p>
+        </p:txBody>
+      </p:sp>
+      <p:sp>
+        <p:nvSpPr>
+          <p:cNvPr id="53" name="Oval 52"/>
+          <p:cNvSpPr/>
+          <p:nvPr/>
+        </p:nvSpPr>
+        <p:spPr>
+          <a:xfrm>
+            <a:off x="1874370" y="2037488"/>
+            <a:ext cx="576064" cy="576064"/>
+          </a:xfrm>
+          <a:prstGeom prst="ellipse">
+            <a:avLst/>
+          </a:prstGeom>
+        </p:spPr>
+        <p:style>
+          <a:lnRef idx="2">
+            <a:schemeClr val="accent1">
+              <a:shade val="50000"/>
+            </a:schemeClr>
+          </a:lnRef>
+          <a:fillRef idx="1">
+            <a:schemeClr val="accent1"/>
+          </a:fillRef>
+          <a:effectRef idx="0">
+            <a:schemeClr val="accent1"/>
+          </a:effectRef>
+          <a:fontRef idx="minor">
+            <a:schemeClr val="lt1"/>
+          </a:fontRef>
+        </p:style>
+        <p:txBody>
+          <a:bodyPr rtlCol="0" anchor="ctr"/>
+          <a:lstStyle/>
+          <a:p>
+            <a:pPr algn="ctr"/>
+            <a:endParaRPr lang="en-GB"/>
+          </a:p>
+        </p:txBody>
+      </p:sp>
+      <p:sp>
+        <p:nvSpPr>
+          <p:cNvPr id="54" name="Oval 53"/>
+          <p:cNvSpPr/>
+          <p:nvPr/>
+        </p:nvSpPr>
+        <p:spPr>
+          <a:xfrm>
+            <a:off x="6803504" y="3104964"/>
+            <a:ext cx="576064" cy="576064"/>
+          </a:xfrm>
+          <a:prstGeom prst="ellipse">
+            <a:avLst/>
+          </a:prstGeom>
+          <a:solidFill>
+            <a:schemeClr val="bg1"/>
+          </a:solidFill>
+        </p:spPr>
+        <p:style>
+          <a:lnRef idx="2">
+            <a:schemeClr val="accent1">
+              <a:shade val="50000"/>
+            </a:schemeClr>
+          </a:lnRef>
+          <a:fillRef idx="1">
+            <a:schemeClr val="accent1"/>
+          </a:fillRef>
+          <a:effectRef idx="0">
+            <a:schemeClr val="accent1"/>
+          </a:effectRef>
+          <a:fontRef idx="minor">
+            <a:schemeClr val="lt1"/>
+          </a:fontRef>
+        </p:style>
+        <p:txBody>
+          <a:bodyPr rtlCol="0" anchor="ctr"/>
+          <a:lstStyle/>
+          <a:p>
+            <a:pPr algn="ctr"/>
+            <a:endParaRPr lang="en-GB"/>
+          </a:p>
+        </p:txBody>
+      </p:sp>
+      <p:sp>
+        <p:nvSpPr>
+          <p:cNvPr id="57" name="TextBox 56"/>
+          <p:cNvSpPr txBox="1"/>
+          <p:nvPr/>
+        </p:nvSpPr>
+        <p:spPr>
+          <a:xfrm>
+            <a:off x="4907562" y="918602"/>
+            <a:ext cx="1521026" cy="584775"/>
+          </a:xfrm>
+          <a:prstGeom prst="rect">
+            <a:avLst/>
+          </a:prstGeom>
+          <a:noFill/>
+        </p:spPr>
+        <p:txBody>
+          <a:bodyPr wrap="square" rtlCol="0">
+            <a:spAutoFit/>
+          </a:bodyPr>
+          <a:lstStyle/>
+          <a:p>
+            <a:r>
+              <a:rPr lang="en-GB" sz="1600" dirty="0" smtClean="0"/>
+              <a:t>Black cannot move here</a:t>
+            </a:r>
+            <a:endParaRPr lang="en-GB" sz="1600" dirty="0"/>
+          </a:p>
+        </p:txBody>
+      </p:sp>
+      <p:sp>
+        <p:nvSpPr>
+          <p:cNvPr id="59" name="Oval 58"/>
+          <p:cNvSpPr/>
+          <p:nvPr/>
+        </p:nvSpPr>
+        <p:spPr>
+          <a:xfrm>
+            <a:off x="6803504" y="2065108"/>
+            <a:ext cx="576064" cy="576064"/>
+          </a:xfrm>
+          <a:prstGeom prst="ellipse">
+            <a:avLst/>
+          </a:prstGeom>
+          <a:noFill/>
+          <a:ln>
+            <a:prstDash val="dashDot"/>
+          </a:ln>
+        </p:spPr>
+        <p:style>
+          <a:lnRef idx="2">
+            <a:schemeClr val="accent1">
+              <a:shade val="50000"/>
+            </a:schemeClr>
+          </a:lnRef>
+          <a:fillRef idx="1">
+            <a:schemeClr val="accent1"/>
+          </a:fillRef>
+          <a:effectRef idx="0">
+            <a:schemeClr val="accent1"/>
+          </a:effectRef>
+          <a:fontRef idx="minor">
+            <a:schemeClr val="lt1"/>
+          </a:fontRef>
+        </p:style>
+        <p:txBody>
+          <a:bodyPr rtlCol="0" anchor="ctr"/>
+          <a:lstStyle/>
+          <a:p>
+            <a:pPr algn="ctr"/>
+            <a:endParaRPr lang="en-GB"/>
+          </a:p>
+        </p:txBody>
+      </p:sp>
+      <p:sp>
+        <p:nvSpPr>
+          <p:cNvPr id="2" name="Right Arrow 1"/>
+          <p:cNvSpPr/>
+          <p:nvPr/>
+        </p:nvSpPr>
+        <p:spPr>
+          <a:xfrm>
+            <a:off x="4102258" y="2360611"/>
+            <a:ext cx="1224136" cy="1356421"/>
+          </a:xfrm>
+          <a:prstGeom prst="rightArrow">
+            <a:avLst/>
+          </a:prstGeom>
+          <a:solidFill>
+            <a:schemeClr val="accent1">
+              <a:lumMod val="20000"/>
+              <a:lumOff val="80000"/>
+            </a:schemeClr>
+          </a:solidFill>
+        </p:spPr>
+        <p:style>
+          <a:lnRef idx="2">
+            <a:schemeClr val="accent1">
+              <a:shade val="50000"/>
+            </a:schemeClr>
+          </a:lnRef>
+          <a:fillRef idx="1">
+            <a:schemeClr val="accent1"/>
+          </a:fillRef>
+          <a:effectRef idx="0">
+            <a:schemeClr val="accent1"/>
+          </a:effectRef>
+          <a:fontRef idx="minor">
+            <a:schemeClr val="lt1"/>
+          </a:fontRef>
+        </p:style>
+        <p:txBody>
+          <a:bodyPr rtlCol="0" anchor="ctr"/>
+          <a:lstStyle/>
+          <a:p>
+            <a:pPr algn="ctr"/>
+            <a:endParaRPr lang="en-GB"/>
+          </a:p>
+        </p:txBody>
+      </p:sp>
+      <p:cxnSp>
+        <p:nvCxnSpPr>
+          <p:cNvPr id="4" name="Straight Arrow Connector 3"/>
+          <p:cNvCxnSpPr/>
+          <p:nvPr/>
+        </p:nvCxnSpPr>
+        <p:spPr>
+          <a:xfrm>
+            <a:off x="5940152" y="1340768"/>
+            <a:ext cx="826571" cy="792088"/>
+          </a:xfrm>
+          <a:prstGeom prst="straightConnector1">
+            <a:avLst/>
+          </a:prstGeom>
+          <a:ln>
+            <a:tailEnd type="arrow"/>
+          </a:ln>
+        </p:spPr>
+        <p:style>
+          <a:lnRef idx="1">
+            <a:schemeClr val="accent1"/>
+          </a:lnRef>
+          <a:fillRef idx="0">
+            <a:schemeClr val="accent1"/>
+          </a:fillRef>
+          <a:effectRef idx="0">
+            <a:schemeClr val="accent1"/>
+          </a:effectRef>
+          <a:fontRef idx="minor">
+            <a:schemeClr val="tx1"/>
+          </a:fontRef>
+        </p:style>
+      </p:cxnSp>
+      <p:sp>
+        <p:nvSpPr>
+          <p:cNvPr id="63" name="TextBox 62"/>
+          <p:cNvSpPr txBox="1"/>
+          <p:nvPr/>
+        </p:nvSpPr>
+        <p:spPr>
+          <a:xfrm>
+            <a:off x="713722" y="656652"/>
+            <a:ext cx="1521026" cy="338554"/>
+          </a:xfrm>
+          <a:prstGeom prst="rect">
+            <a:avLst/>
+          </a:prstGeom>
+          <a:noFill/>
+        </p:spPr>
+        <p:txBody>
+          <a:bodyPr wrap="square" rtlCol="0">
+            <a:spAutoFit/>
+          </a:bodyPr>
+          <a:lstStyle/>
+          <a:p>
+            <a:r>
+              <a:rPr lang="en-GB" sz="1600" dirty="0" smtClean="0"/>
+              <a:t>Whites move</a:t>
+            </a:r>
+            <a:endParaRPr lang="en-GB" sz="1600" dirty="0"/>
+          </a:p>
+        </p:txBody>
+      </p:sp>
+    </p:spTree>
+    <p:extLst>
+      <p:ext uri="{BB962C8B-B14F-4D97-AF65-F5344CB8AC3E}">
+        <p14:creationId xmlns:p14="http://schemas.microsoft.com/office/powerpoint/2010/main" val="1740075933"/>
+      </p:ext>
+    </p:extLst>
+  </p:cSld>
+  <p:clrMapOvr>
+    <a:masterClrMapping/>
+  </p:clrMapOvr>
+</p:sld>
+</file>
+
+<file path=ppt/slides/slide7.xml><?xml version="1.0" encoding="utf-8"?>
+<p:sld xmlns:a="http://schemas.openxmlformats.org/drawingml/2006/main" xmlns:r="http://schemas.openxmlformats.org/officeDocument/2006/relationships" xmlns:p="http://schemas.openxmlformats.org/presentationml/2006/main">
+  <p:cSld>
+    <p:spTree>
+      <p:nvGrpSpPr>
+        <p:cNvPr id="1" name=""/>
+        <p:cNvGrpSpPr/>
+        <p:nvPr/>
+      </p:nvGrpSpPr>
+      <p:grpSpPr>
+        <a:xfrm>
+          <a:off x="0" y="0"/>
+          <a:ext cx="0" cy="0"/>
+          <a:chOff x="0" y="0"/>
+          <a:chExt cx="0" cy="0"/>
+        </a:xfrm>
+      </p:grpSpPr>
       <p:sp>
         <p:nvSpPr>
           <p:cNvPr id="2" name="Title 1"/>
@@ -3155,23 +10486,7 @@
                   <a:schemeClr val="tx1"/>
                 </a:solidFill>
               </a:rPr>
-              <a:t>The most important idea in this </a:t>
-            </a:r>
-            <a:r>
-              <a:rPr lang="en-GB" sz="1300" dirty="0" smtClean="0">
-                <a:solidFill>
-                  <a:schemeClr val="tx1"/>
-                </a:solidFill>
-              </a:rPr>
-              <a:t>design is </a:t>
-            </a:r>
-            <a:r>
-              <a:rPr lang="en-GB" sz="1300" dirty="0" smtClean="0">
-                <a:solidFill>
-                  <a:schemeClr val="tx1"/>
-                </a:solidFill>
-              </a:rPr>
-              <a:t>the ‘group’ class. When you place a stone you either instantiate a new group (with only one position), append a new position to an existing group or append a new position to an existing group and merge that group with another group.</a:t>
+              <a:t>The most important idea in this design the ‘group’ class. When you place a stone you either instantiate a new group (with only one position), append a new position to an existing group or append a new position to an existing group and merge that group with another group.</a:t>
             </a:r>
           </a:p>
           <a:p>
@@ -4583,40 +11898,6 @@
               <a:t>class</a:t>
             </a:r>
             <a:endParaRPr lang="en-GB" sz="1200" dirty="0"/>
-          </a:p>
-        </p:txBody>
-      </p:sp>
-      <p:sp>
-        <p:nvSpPr>
-          <p:cNvPr id="40" name="TextBox 39"/>
-          <p:cNvSpPr txBox="1"/>
-          <p:nvPr/>
-        </p:nvSpPr>
-        <p:spPr>
-          <a:xfrm>
-            <a:off x="1621430" y="4185966"/>
-            <a:ext cx="1728192" cy="246221"/>
-          </a:xfrm>
-          <a:prstGeom prst="rect">
-            <a:avLst/>
-          </a:prstGeom>
-          <a:noFill/>
-        </p:spPr>
-        <p:txBody>
-          <a:bodyPr wrap="square" rtlCol="0">
-            <a:spAutoFit/>
-          </a:bodyPr>
-          <a:lstStyle/>
-          <a:p>
-            <a:r>
-              <a:rPr lang="en-GB" sz="1000" dirty="0" smtClean="0"/>
-              <a:t>This is a group with </a:t>
-            </a:r>
-            <a:r>
-              <a:rPr lang="en-GB" sz="1000" dirty="0" smtClean="0"/>
-              <a:t>1 position</a:t>
-            </a:r>
-            <a:endParaRPr lang="en-GB" sz="1000" dirty="0"/>
           </a:p>
         </p:txBody>
       </p:sp>
@@ -4633,7 +11914,7 @@
 </p:sld>
 </file>
 
-<file path=ppt/slides/slide2.xml><?xml version="1.0" encoding="utf-8"?>
+<file path=ppt/slides/slide8.xml><?xml version="1.0" encoding="utf-8"?>
 <p:sld xmlns:a="http://schemas.openxmlformats.org/drawingml/2006/main" xmlns:r="http://schemas.openxmlformats.org/officeDocument/2006/relationships" xmlns:p="http://schemas.openxmlformats.org/presentationml/2006/main">
   <p:cSld>
     <p:spTree>
@@ -6080,7 +13361,7 @@
 </p:sld>
 </file>
 
-<file path=ppt/slides/slide3.xml><?xml version="1.0" encoding="utf-8"?>
+<file path=ppt/slides/slide9.xml><?xml version="1.0" encoding="utf-8"?>
 <p:sld xmlns:a="http://schemas.openxmlformats.org/drawingml/2006/main" xmlns:r="http://schemas.openxmlformats.org/officeDocument/2006/relationships" xmlns:p="http://schemas.openxmlformats.org/presentationml/2006/main">
   <p:cSld>
     <p:spTree>
@@ -6323,7 +13604,7 @@
         </p:nvCxnSpPr>
         <p:spPr>
           <a:xfrm flipV="1">
-            <a:off x="5686367" y="1890801"/>
+            <a:off x="6207904" y="1916830"/>
             <a:ext cx="0" cy="3312368"/>
           </a:xfrm>
           <a:prstGeom prst="straightConnector1">
@@ -6356,7 +13637,7 @@
         </p:nvCxnSpPr>
         <p:spPr>
           <a:xfrm>
-            <a:off x="3491880" y="1916832"/>
+            <a:off x="4614564" y="1916832"/>
             <a:ext cx="0" cy="3312368"/>
           </a:xfrm>
           <a:prstGeom prst="straightConnector1">
@@ -6389,7 +13670,7 @@
         </p:nvCxnSpPr>
         <p:spPr>
           <a:xfrm flipV="1">
-            <a:off x="4716016" y="1916832"/>
+            <a:off x="5558310" y="1916832"/>
             <a:ext cx="0" cy="3312368"/>
           </a:xfrm>
           <a:prstGeom prst="straightConnector1">
@@ -6422,7 +13703,7 @@
         </p:nvSpPr>
         <p:spPr>
           <a:xfrm>
-            <a:off x="3491880" y="2834352"/>
+            <a:off x="4614564" y="2834352"/>
             <a:ext cx="1008112" cy="830997"/>
           </a:xfrm>
           <a:prstGeom prst="rect">
@@ -6456,7 +13737,7 @@
         </p:nvSpPr>
         <p:spPr>
           <a:xfrm>
-            <a:off x="4716016" y="3019017"/>
+            <a:off x="5558310" y="3019017"/>
             <a:ext cx="649594" cy="461665"/>
           </a:xfrm>
           <a:prstGeom prst="rect">
@@ -6486,8 +13767,8 @@
         </p:nvSpPr>
         <p:spPr>
           <a:xfrm>
-            <a:off x="5706178" y="3112793"/>
-            <a:ext cx="1008112" cy="276999"/>
+            <a:off x="6227714" y="3138822"/>
+            <a:ext cx="648541" cy="461665"/>
           </a:xfrm>
           <a:prstGeom prst="rect">
             <a:avLst/>
@@ -6516,7 +13797,7 @@
         </p:nvCxnSpPr>
         <p:spPr>
           <a:xfrm flipV="1">
-            <a:off x="6904756" y="1916832"/>
+            <a:off x="6891816" y="1942861"/>
             <a:ext cx="0" cy="3312368"/>
           </a:xfrm>
           <a:prstGeom prst="straightConnector1">
@@ -6549,7 +13830,7 @@
         </p:nvSpPr>
         <p:spPr>
           <a:xfrm>
-            <a:off x="6904756" y="2881961"/>
+            <a:off x="6891816" y="2907990"/>
             <a:ext cx="1008112" cy="1015663"/>
           </a:xfrm>
           <a:prstGeom prst="rect">
@@ -6566,6 +13847,69 @@
             <a:r>
               <a:rPr lang="en-GB" sz="1200" dirty="0" smtClean="0"/>
               <a:t>Move made, remove stones at these positions</a:t>
+            </a:r>
+            <a:endParaRPr lang="en-GB" sz="1200" dirty="0"/>
+          </a:p>
+        </p:txBody>
+      </p:sp>
+      <p:cxnSp>
+        <p:nvCxnSpPr>
+          <p:cNvPr id="20" name="Straight Arrow Connector 19"/>
+          <p:cNvCxnSpPr/>
+          <p:nvPr/>
+        </p:nvCxnSpPr>
+        <p:spPr>
+          <a:xfrm>
+            <a:off x="3347864" y="1916830"/>
+            <a:ext cx="0" cy="3312368"/>
+          </a:xfrm>
+          <a:prstGeom prst="straightConnector1">
+            <a:avLst/>
+          </a:prstGeom>
+          <a:ln>
+            <a:tailEnd type="arrow"/>
+          </a:ln>
+        </p:spPr>
+        <p:style>
+          <a:lnRef idx="1">
+            <a:schemeClr val="accent1"/>
+          </a:lnRef>
+          <a:fillRef idx="0">
+            <a:schemeClr val="accent1"/>
+          </a:fillRef>
+          <a:effectRef idx="0">
+            <a:schemeClr val="accent1"/>
+          </a:effectRef>
+          <a:fontRef idx="minor">
+            <a:schemeClr val="tx1"/>
+          </a:fontRef>
+        </p:style>
+      </p:cxnSp>
+      <p:sp>
+        <p:nvSpPr>
+          <p:cNvPr id="21" name="TextBox 20"/>
+          <p:cNvSpPr txBox="1"/>
+          <p:nvPr/>
+        </p:nvSpPr>
+        <p:spPr>
+          <a:xfrm>
+            <a:off x="3347864" y="2834350"/>
+            <a:ext cx="1008112" cy="1015663"/>
+          </a:xfrm>
+          <a:prstGeom prst="rect">
+            <a:avLst/>
+          </a:prstGeom>
+          <a:noFill/>
+        </p:spPr>
+        <p:txBody>
+          <a:bodyPr wrap="square" rtlCol="0">
+            <a:spAutoFit/>
+          </a:bodyPr>
+          <a:lstStyle/>
+          <a:p>
+            <a:r>
+              <a:rPr lang="en-GB" sz="1200" dirty="0" smtClean="0"/>
+              <a:t>New game of board size X and handicap of Y for player Z</a:t>
             </a:r>
             <a:endParaRPr lang="en-GB" sz="1200" dirty="0"/>
           </a:p>

--- a/DOCUMENTATION/Game_Logic_Proposal 001.pptx
+++ b/DOCUMENTATION/Game_Logic_Proposal 001.pptx
@@ -14,6 +14,7 @@
     <p:sldId id="256" r:id="rId8"/>
     <p:sldId id="257" r:id="rId9"/>
     <p:sldId id="258" r:id="rId10"/>
+    <p:sldId id="265" r:id="rId11"/>
   </p:sldIdLst>
   <p:sldSz cx="9144000" cy="6858000" type="screen4x3"/>
   <p:notesSz cx="6858000" cy="9144000"/>
@@ -296,7 +297,7 @@
           <a:p>
             <a:fld id="{61F96FCD-5919-4E69-88B9-D8977B432CC4}" type="datetimeFigureOut">
               <a:rPr lang="en-GB" smtClean="0"/>
-              <a:t>29/10/2012</a:t>
+              <a:t>30/10/2012</a:t>
             </a:fld>
             <a:endParaRPr lang="en-GB"/>
           </a:p>
@@ -466,7 +467,7 @@
           <a:p>
             <a:fld id="{61F96FCD-5919-4E69-88B9-D8977B432CC4}" type="datetimeFigureOut">
               <a:rPr lang="en-GB" smtClean="0"/>
-              <a:t>29/10/2012</a:t>
+              <a:t>30/10/2012</a:t>
             </a:fld>
             <a:endParaRPr lang="en-GB"/>
           </a:p>
@@ -646,7 +647,7 @@
           <a:p>
             <a:fld id="{61F96FCD-5919-4E69-88B9-D8977B432CC4}" type="datetimeFigureOut">
               <a:rPr lang="en-GB" smtClean="0"/>
-              <a:t>29/10/2012</a:t>
+              <a:t>30/10/2012</a:t>
             </a:fld>
             <a:endParaRPr lang="en-GB"/>
           </a:p>
@@ -816,7 +817,7 @@
           <a:p>
             <a:fld id="{61F96FCD-5919-4E69-88B9-D8977B432CC4}" type="datetimeFigureOut">
               <a:rPr lang="en-GB" smtClean="0"/>
-              <a:t>29/10/2012</a:t>
+              <a:t>30/10/2012</a:t>
             </a:fld>
             <a:endParaRPr lang="en-GB"/>
           </a:p>
@@ -1062,7 +1063,7 @@
           <a:p>
             <a:fld id="{61F96FCD-5919-4E69-88B9-D8977B432CC4}" type="datetimeFigureOut">
               <a:rPr lang="en-GB" smtClean="0"/>
-              <a:t>29/10/2012</a:t>
+              <a:t>30/10/2012</a:t>
             </a:fld>
             <a:endParaRPr lang="en-GB"/>
           </a:p>
@@ -1350,7 +1351,7 @@
           <a:p>
             <a:fld id="{61F96FCD-5919-4E69-88B9-D8977B432CC4}" type="datetimeFigureOut">
               <a:rPr lang="en-GB" smtClean="0"/>
-              <a:t>29/10/2012</a:t>
+              <a:t>30/10/2012</a:t>
             </a:fld>
             <a:endParaRPr lang="en-GB"/>
           </a:p>
@@ -1772,7 +1773,7 @@
           <a:p>
             <a:fld id="{61F96FCD-5919-4E69-88B9-D8977B432CC4}" type="datetimeFigureOut">
               <a:rPr lang="en-GB" smtClean="0"/>
-              <a:t>29/10/2012</a:t>
+              <a:t>30/10/2012</a:t>
             </a:fld>
             <a:endParaRPr lang="en-GB"/>
           </a:p>
@@ -1890,7 +1891,7 @@
           <a:p>
             <a:fld id="{61F96FCD-5919-4E69-88B9-D8977B432CC4}" type="datetimeFigureOut">
               <a:rPr lang="en-GB" smtClean="0"/>
-              <a:t>29/10/2012</a:t>
+              <a:t>30/10/2012</a:t>
             </a:fld>
             <a:endParaRPr lang="en-GB"/>
           </a:p>
@@ -1985,7 +1986,7 @@
           <a:p>
             <a:fld id="{61F96FCD-5919-4E69-88B9-D8977B432CC4}" type="datetimeFigureOut">
               <a:rPr lang="en-GB" smtClean="0"/>
-              <a:t>29/10/2012</a:t>
+              <a:t>30/10/2012</a:t>
             </a:fld>
             <a:endParaRPr lang="en-GB"/>
           </a:p>
@@ -2262,7 +2263,7 @@
           <a:p>
             <a:fld id="{61F96FCD-5919-4E69-88B9-D8977B432CC4}" type="datetimeFigureOut">
               <a:rPr lang="en-GB" smtClean="0"/>
-              <a:t>29/10/2012</a:t>
+              <a:t>30/10/2012</a:t>
             </a:fld>
             <a:endParaRPr lang="en-GB"/>
           </a:p>
@@ -2515,7 +2516,7 @@
           <a:p>
             <a:fld id="{61F96FCD-5919-4E69-88B9-D8977B432CC4}" type="datetimeFigureOut">
               <a:rPr lang="en-GB" smtClean="0"/>
-              <a:t>29/10/2012</a:t>
+              <a:t>30/10/2012</a:t>
             </a:fld>
             <a:endParaRPr lang="en-GB"/>
           </a:p>
@@ -2728,7 +2729,7 @@
           <a:p>
             <a:fld id="{61F96FCD-5919-4E69-88B9-D8977B432CC4}" type="datetimeFigureOut">
               <a:rPr lang="en-GB" smtClean="0"/>
-              <a:t>29/10/2012</a:t>
+              <a:t>30/10/2012</a:t>
             </a:fld>
             <a:endParaRPr lang="en-GB"/>
           </a:p>
@@ -4323,6 +4324,195 @@
     <p:extLst>
       <p:ext uri="{BB962C8B-B14F-4D97-AF65-F5344CB8AC3E}">
         <p14:creationId xmlns:p14="http://schemas.microsoft.com/office/powerpoint/2010/main" val="3890275746"/>
+      </p:ext>
+    </p:extLst>
+  </p:cSld>
+  <p:clrMapOvr>
+    <a:masterClrMapping/>
+  </p:clrMapOvr>
+</p:sld>
+</file>
+
+<file path=ppt/slides/slide10.xml><?xml version="1.0" encoding="utf-8"?>
+<p:sld xmlns:a="http://schemas.openxmlformats.org/drawingml/2006/main" xmlns:r="http://schemas.openxmlformats.org/officeDocument/2006/relationships" xmlns:p="http://schemas.openxmlformats.org/presentationml/2006/main">
+  <p:cSld>
+    <p:spTree>
+      <p:nvGrpSpPr>
+        <p:cNvPr id="1" name=""/>
+        <p:cNvGrpSpPr/>
+        <p:nvPr/>
+      </p:nvGrpSpPr>
+      <p:grpSpPr>
+        <a:xfrm>
+          <a:off x="0" y="0"/>
+          <a:ext cx="0" cy="0"/>
+          <a:chOff x="0" y="0"/>
+          <a:chExt cx="0" cy="0"/>
+        </a:xfrm>
+      </p:grpSpPr>
+      <p:sp>
+        <p:nvSpPr>
+          <p:cNvPr id="2" name="Title 1"/>
+          <p:cNvSpPr>
+            <a:spLocks noGrp="1"/>
+          </p:cNvSpPr>
+          <p:nvPr>
+            <p:ph type="title"/>
+          </p:nvPr>
+        </p:nvSpPr>
+        <p:spPr>
+          <a:xfrm>
+            <a:off x="251520" y="0"/>
+            <a:ext cx="8229600" cy="1143000"/>
+          </a:xfrm>
+        </p:spPr>
+        <p:txBody>
+          <a:bodyPr/>
+          <a:lstStyle/>
+          <a:p>
+            <a:r>
+              <a:rPr lang="en-GB" dirty="0" smtClean="0"/>
+              <a:t>Issues raised</a:t>
+            </a:r>
+            <a:endParaRPr lang="en-GB" dirty="0"/>
+          </a:p>
+        </p:txBody>
+      </p:sp>
+      <p:sp>
+        <p:nvSpPr>
+          <p:cNvPr id="3" name="Content Placeholder 2"/>
+          <p:cNvSpPr>
+            <a:spLocks noGrp="1"/>
+          </p:cNvSpPr>
+          <p:nvPr>
+            <p:ph idx="1"/>
+          </p:nvPr>
+        </p:nvSpPr>
+        <p:spPr>
+          <a:xfrm>
+            <a:off x="395536" y="1052736"/>
+            <a:ext cx="8229600" cy="4525963"/>
+          </a:xfrm>
+        </p:spPr>
+        <p:txBody>
+          <a:bodyPr/>
+          <a:lstStyle/>
+          <a:p>
+            <a:pPr marL="0" indent="0">
+              <a:buNone/>
+            </a:pPr>
+            <a:r>
+              <a:rPr lang="en-GB" dirty="0" smtClean="0"/>
+              <a:t>High </a:t>
+            </a:r>
+            <a:r>
+              <a:rPr lang="en-GB" dirty="0" err="1" smtClean="0"/>
+              <a:t>lvl</a:t>
+            </a:r>
+            <a:r>
+              <a:rPr lang="en-GB" dirty="0" smtClean="0"/>
+              <a:t> functions </a:t>
+            </a:r>
+            <a:r>
+              <a:rPr lang="en-GB" sz="3600" b="1" dirty="0" smtClean="0"/>
+              <a:t>VS</a:t>
+            </a:r>
+            <a:r>
+              <a:rPr lang="en-GB" dirty="0" smtClean="0"/>
+              <a:t> low </a:t>
+            </a:r>
+            <a:r>
+              <a:rPr lang="en-GB" dirty="0" err="1" smtClean="0"/>
+              <a:t>lvl</a:t>
+            </a:r>
+            <a:r>
+              <a:rPr lang="en-GB" dirty="0" smtClean="0"/>
+              <a:t> functions with more </a:t>
+            </a:r>
+            <a:r>
+              <a:rPr lang="en-GB" dirty="0" err="1" smtClean="0"/>
+              <a:t>parmaters</a:t>
+            </a:r>
+            <a:r>
+              <a:rPr lang="en-GB" dirty="0" smtClean="0"/>
+              <a:t>, </a:t>
+            </a:r>
+            <a:r>
+              <a:rPr lang="en-GB" dirty="0" err="1" smtClean="0"/>
+              <a:t>ie</a:t>
+            </a:r>
+            <a:r>
+              <a:rPr lang="en-GB" dirty="0" smtClean="0"/>
+              <a:t> pass function its sibling</a:t>
+            </a:r>
+          </a:p>
+          <a:p>
+            <a:pPr marL="0" indent="0">
+              <a:buNone/>
+            </a:pPr>
+            <a:endParaRPr lang="en-GB" dirty="0" smtClean="0"/>
+          </a:p>
+          <a:p>
+            <a:pPr marL="0" indent="0">
+              <a:buNone/>
+            </a:pPr>
+            <a:r>
+              <a:rPr lang="en-GB" dirty="0" smtClean="0"/>
+              <a:t>More redundant data </a:t>
+            </a:r>
+            <a:r>
+              <a:rPr lang="en-GB" sz="3600" b="1" dirty="0" smtClean="0"/>
+              <a:t>VS</a:t>
+            </a:r>
+            <a:r>
+              <a:rPr lang="en-GB" dirty="0" smtClean="0"/>
+              <a:t> much more efficient algorithms, </a:t>
+            </a:r>
+            <a:r>
+              <a:rPr lang="en-GB" dirty="0" err="1" smtClean="0"/>
+              <a:t>eg</a:t>
+            </a:r>
+            <a:r>
+              <a:rPr lang="en-GB" dirty="0" smtClean="0"/>
+              <a:t>. stones hold which group they are in </a:t>
+            </a:r>
+            <a:r>
+              <a:rPr lang="en-GB" i="1" dirty="0" smtClean="0"/>
+              <a:t>and</a:t>
+            </a:r>
+            <a:r>
+              <a:rPr lang="en-GB" dirty="0" smtClean="0"/>
+              <a:t> groups hold which stones they contain</a:t>
+            </a:r>
+            <a:endParaRPr lang="en-GB" dirty="0"/>
+          </a:p>
+          <a:p>
+            <a:pPr marL="0" indent="0">
+              <a:buNone/>
+            </a:pPr>
+            <a:endParaRPr lang="en-GB" dirty="0"/>
+          </a:p>
+          <a:p>
+            <a:pPr marL="0" indent="0">
+              <a:buNone/>
+            </a:pPr>
+            <a:r>
+              <a:rPr lang="en-GB" dirty="0" smtClean="0"/>
+              <a:t> More tests = More work to refactor</a:t>
+            </a:r>
+          </a:p>
+          <a:p>
+            <a:pPr marL="0" indent="0">
+              <a:buNone/>
+            </a:pPr>
+            <a:endParaRPr lang="en-GB" dirty="0"/>
+          </a:p>
+        </p:txBody>
+      </p:sp>
+    </p:spTree>
+    <p:extLst>
+      <p:ext uri="{BB962C8B-B14F-4D97-AF65-F5344CB8AC3E}">
+        <p14:creationId xmlns:p14="http://schemas.microsoft.com/office/powerpoint/2010/main" val="4063300535"/>
       </p:ext>
     </p:extLst>
   </p:cSld>
